--- a/estatistica-excel/Marketplace Online - Análise/Marketplace Online PPT.pptx
+++ b/estatistica-excel/Marketplace Online - Análise/Marketplace Online PPT.pptx
@@ -2,7 +2,7 @@
 <file path=ppt/presentation.xml><?xml version="1.0" encoding="utf-8"?>
 <p:presentation xmlns:a="http://schemas.openxmlformats.org/drawingml/2006/main" xmlns:r="http://schemas.openxmlformats.org/officeDocument/2006/relationships" xmlns:p="http://schemas.openxmlformats.org/presentationml/2006/main" saveSubsetFonts="1">
   <p:sldMasterIdLst>
-    <p:sldMasterId id="2147483760" r:id="rId1"/>
+    <p:sldMasterId id="2147483790" r:id="rId1"/>
   </p:sldMasterIdLst>
   <p:sldIdLst>
     <p:sldId id="256" r:id="rId2"/>
@@ -107,6 +107,11 @@
       </a:defRPr>
     </a:lvl9pPr>
   </p:defaultTextStyle>
+  <p:extLst>
+    <p:ext uri="{EFAFB233-063F-42B5-8137-9DF3F51BA10A}">
+      <p15:sldGuideLst xmlns:p15="http://schemas.microsoft.com/office/powerpoint/2012/main"/>
+    </p:ext>
+  </p:extLst>
 </p:presentation>
 </file>
 
@@ -1514,94 +1519,18 @@
       </p:grpSpPr>
       <p:sp>
         <p:nvSpPr>
-          <p:cNvPr id="7" name="Rectangle 6"/>
-          <p:cNvSpPr/>
-          <p:nvPr/>
+          <p:cNvPr id="2" name="Title 1"/>
+          <p:cNvSpPr>
+            <a:spLocks noGrp="1"/>
+          </p:cNvSpPr>
+          <p:nvPr>
+            <p:ph type="ctrTitle"/>
+          </p:nvPr>
         </p:nvSpPr>
         <p:spPr>
           <a:xfrm>
-            <a:off x="3175" y="6400800"/>
-            <a:ext cx="12188825" cy="457200"/>
-          </a:xfrm>
-          <a:prstGeom prst="rect">
-            <a:avLst/>
-          </a:prstGeom>
-          <a:solidFill>
-            <a:schemeClr val="accent2"/>
-          </a:solidFill>
-          <a:ln>
-            <a:noFill/>
-          </a:ln>
-        </p:spPr>
-        <p:style>
-          <a:lnRef idx="2">
-            <a:schemeClr val="accent1">
-              <a:shade val="50000"/>
-            </a:schemeClr>
-          </a:lnRef>
-          <a:fillRef idx="1">
-            <a:schemeClr val="accent1"/>
-          </a:fillRef>
-          <a:effectRef idx="0">
-            <a:schemeClr val="accent1"/>
-          </a:effectRef>
-          <a:fontRef idx="minor">
-            <a:schemeClr val="lt1"/>
-          </a:fontRef>
-        </p:style>
-      </p:sp>
-      <p:sp>
-        <p:nvSpPr>
-          <p:cNvPr id="8" name="Rectangle 7"/>
-          <p:cNvSpPr/>
-          <p:nvPr/>
-        </p:nvSpPr>
-        <p:spPr>
-          <a:xfrm>
-            <a:off x="15" y="6334316"/>
-            <a:ext cx="12188825" cy="64008"/>
-          </a:xfrm>
-          <a:prstGeom prst="rect">
-            <a:avLst/>
-          </a:prstGeom>
-          <a:solidFill>
-            <a:schemeClr val="accent1"/>
-          </a:solidFill>
-          <a:ln>
-            <a:noFill/>
-          </a:ln>
-        </p:spPr>
-        <p:style>
-          <a:lnRef idx="2">
-            <a:schemeClr val="accent1">
-              <a:shade val="50000"/>
-            </a:schemeClr>
-          </a:lnRef>
-          <a:fillRef idx="1">
-            <a:schemeClr val="accent1"/>
-          </a:fillRef>
-          <a:effectRef idx="0">
-            <a:schemeClr val="accent1"/>
-          </a:effectRef>
-          <a:fontRef idx="minor">
-            <a:schemeClr val="lt1"/>
-          </a:fontRef>
-        </p:style>
-      </p:sp>
-      <p:sp>
-        <p:nvSpPr>
-          <p:cNvPr id="2" name="Title 1"/>
-          <p:cNvSpPr>
-            <a:spLocks noGrp="1"/>
-          </p:cNvSpPr>
-          <p:nvPr>
-            <p:ph type="ctrTitle"/>
-          </p:nvPr>
-        </p:nvSpPr>
-        <p:spPr>
-          <a:xfrm>
-            <a:off x="1097280" y="758952"/>
-            <a:ext cx="10058400" cy="3566160"/>
+            <a:off x="684212" y="685799"/>
+            <a:ext cx="8001000" cy="2971801"/>
           </a:xfrm>
         </p:spPr>
         <p:txBody>
@@ -1610,16 +1539,8 @@
           </a:bodyPr>
           <a:lstStyle>
             <a:lvl1pPr algn="l">
-              <a:lnSpc>
-                <a:spcPct val="85000"/>
-              </a:lnSpc>
-              <a:defRPr sz="8000" spc="-50" baseline="0">
-                <a:solidFill>
-                  <a:schemeClr val="tx1">
-                    <a:lumMod val="85000"/>
-                    <a:lumOff val="15000"/>
-                  </a:schemeClr>
-                </a:solidFill>
+              <a:defRPr sz="4800">
+                <a:effectLst/>
               </a:defRPr>
             </a:lvl1pPr>
           </a:lstStyle>
@@ -1644,55 +1565,104 @@
         </p:nvSpPr>
         <p:spPr>
           <a:xfrm>
-            <a:off x="1100051" y="4455620"/>
-            <a:ext cx="10058400" cy="1143000"/>
+            <a:off x="684212" y="3843867"/>
+            <a:ext cx="6400800" cy="1947333"/>
           </a:xfrm>
         </p:spPr>
         <p:txBody>
-          <a:bodyPr lIns="91440" rIns="91440">
+          <a:bodyPr anchor="t">
             <a:normAutofit/>
           </a:bodyPr>
           <a:lstStyle>
             <a:lvl1pPr marL="0" indent="0" algn="l">
               <a:buNone/>
-              <a:defRPr sz="2400" cap="all" spc="200" baseline="0">
-                <a:solidFill>
-                  <a:schemeClr val="tx2"/>
-                </a:solidFill>
-                <a:latin typeface="+mj-lt"/>
+              <a:defRPr sz="2100">
+                <a:solidFill>
+                  <a:schemeClr val="bg2">
+                    <a:lumMod val="75000"/>
+                  </a:schemeClr>
+                </a:solidFill>
               </a:defRPr>
             </a:lvl1pPr>
             <a:lvl2pPr marL="457200" indent="0" algn="ctr">
               <a:buNone/>
-              <a:defRPr sz="2400"/>
+              <a:defRPr>
+                <a:solidFill>
+                  <a:schemeClr val="tx1">
+                    <a:tint val="75000"/>
+                  </a:schemeClr>
+                </a:solidFill>
+              </a:defRPr>
             </a:lvl2pPr>
             <a:lvl3pPr marL="914400" indent="0" algn="ctr">
               <a:buNone/>
-              <a:defRPr sz="2400"/>
+              <a:defRPr>
+                <a:solidFill>
+                  <a:schemeClr val="tx1">
+                    <a:tint val="75000"/>
+                  </a:schemeClr>
+                </a:solidFill>
+              </a:defRPr>
             </a:lvl3pPr>
             <a:lvl4pPr marL="1371600" indent="0" algn="ctr">
               <a:buNone/>
-              <a:defRPr sz="2000"/>
+              <a:defRPr>
+                <a:solidFill>
+                  <a:schemeClr val="tx1">
+                    <a:tint val="75000"/>
+                  </a:schemeClr>
+                </a:solidFill>
+              </a:defRPr>
             </a:lvl4pPr>
             <a:lvl5pPr marL="1828800" indent="0" algn="ctr">
               <a:buNone/>
-              <a:defRPr sz="2000"/>
+              <a:defRPr>
+                <a:solidFill>
+                  <a:schemeClr val="tx1">
+                    <a:tint val="75000"/>
+                  </a:schemeClr>
+                </a:solidFill>
+              </a:defRPr>
             </a:lvl5pPr>
             <a:lvl6pPr marL="2286000" indent="0" algn="ctr">
               <a:buNone/>
-              <a:defRPr sz="2000"/>
+              <a:defRPr>
+                <a:solidFill>
+                  <a:schemeClr val="tx1">
+                    <a:tint val="75000"/>
+                  </a:schemeClr>
+                </a:solidFill>
+              </a:defRPr>
             </a:lvl6pPr>
             <a:lvl7pPr marL="2743200" indent="0" algn="ctr">
               <a:buNone/>
-              <a:defRPr sz="2000"/>
+              <a:defRPr>
+                <a:solidFill>
+                  <a:schemeClr val="tx1">
+                    <a:tint val="75000"/>
+                  </a:schemeClr>
+                </a:solidFill>
+              </a:defRPr>
             </a:lvl7pPr>
             <a:lvl8pPr marL="3200400" indent="0" algn="ctr">
               <a:buNone/>
-              <a:defRPr sz="2000"/>
+              <a:defRPr>
+                <a:solidFill>
+                  <a:schemeClr val="tx1">
+                    <a:tint val="75000"/>
+                  </a:schemeClr>
+                </a:solidFill>
+              </a:defRPr>
             </a:lvl8pPr>
             <a:lvl9pPr marL="3657600" indent="0" algn="ctr">
               <a:buNone/>
-              <a:defRPr sz="2000"/>
+              <a:defRPr>
+                <a:solidFill>
+                  <a:schemeClr val="tx1">
+                    <a:tint val="75000"/>
+                  </a:schemeClr>
+                </a:solidFill>
+              </a:defRPr>
             </a:lvl9pPr>
           </a:lstStyle>
           <a:p>
@@ -1721,7 +1691,7 @@
           <a:p>
             <a:fld id="{F6B27FDA-0672-4BC9-A961-7AEF5B3CD059}" type="datetimeFigureOut">
               <a:rPr lang="pt-BR" smtClean="0"/>
-              <a:t>04/02/2025</a:t>
+              <a:t>05/02/2025</a:t>
             </a:fld>
             <a:endParaRPr lang="pt-BR"/>
           </a:p>
@@ -1771,35 +1741,172 @@
       </p:sp>
       <p:cxnSp>
         <p:nvCxnSpPr>
-          <p:cNvPr id="9" name="Straight Connector 8"/>
+          <p:cNvPr id="16" name="Straight Connector 15"/>
           <p:cNvCxnSpPr/>
           <p:nvPr/>
         </p:nvCxnSpPr>
         <p:spPr>
-          <a:xfrm>
-            <a:off x="1207658" y="4343400"/>
-            <a:ext cx="9875520" cy="0"/>
+          <a:xfrm flipH="1">
+            <a:off x="8228012" y="8467"/>
+            <a:ext cx="3810000" cy="3810000"/>
           </a:xfrm>
           <a:prstGeom prst="line">
             <a:avLst/>
           </a:prstGeom>
-          <a:ln w="6350">
+          <a:ln w="12700">
             <a:solidFill>
-              <a:schemeClr val="tx1">
-                <a:lumMod val="50000"/>
-                <a:lumOff val="50000"/>
-              </a:schemeClr>
+              <a:schemeClr val="tx1"/>
             </a:solidFill>
           </a:ln>
         </p:spPr>
         <p:style>
-          <a:lnRef idx="1">
+          <a:lnRef idx="2">
             <a:schemeClr val="accent1"/>
           </a:lnRef>
           <a:fillRef idx="0">
             <a:schemeClr val="accent1"/>
           </a:fillRef>
-          <a:effectRef idx="0">
+          <a:effectRef idx="1">
+            <a:schemeClr val="accent1"/>
+          </a:effectRef>
+          <a:fontRef idx="minor">
+            <a:schemeClr val="tx1"/>
+          </a:fontRef>
+        </p:style>
+      </p:cxnSp>
+      <p:cxnSp>
+        <p:nvCxnSpPr>
+          <p:cNvPr id="17" name="Straight Connector 16"/>
+          <p:cNvCxnSpPr/>
+          <p:nvPr/>
+        </p:nvCxnSpPr>
+        <p:spPr>
+          <a:xfrm flipH="1">
+            <a:off x="6108170" y="91545"/>
+            <a:ext cx="6080655" cy="6080655"/>
+          </a:xfrm>
+          <a:prstGeom prst="line">
+            <a:avLst/>
+          </a:prstGeom>
+          <a:ln w="12700">
+            <a:solidFill>
+              <a:schemeClr val="tx1"/>
+            </a:solidFill>
+          </a:ln>
+        </p:spPr>
+        <p:style>
+          <a:lnRef idx="2">
+            <a:schemeClr val="accent1"/>
+          </a:lnRef>
+          <a:fillRef idx="0">
+            <a:schemeClr val="accent1"/>
+          </a:fillRef>
+          <a:effectRef idx="1">
+            <a:schemeClr val="accent1"/>
+          </a:effectRef>
+          <a:fontRef idx="minor">
+            <a:schemeClr val="tx1"/>
+          </a:fontRef>
+        </p:style>
+      </p:cxnSp>
+      <p:cxnSp>
+        <p:nvCxnSpPr>
+          <p:cNvPr id="19" name="Straight Connector 18"/>
+          <p:cNvCxnSpPr/>
+          <p:nvPr/>
+        </p:nvCxnSpPr>
+        <p:spPr>
+          <a:xfrm flipH="1">
+            <a:off x="7235825" y="228600"/>
+            <a:ext cx="4953000" cy="4953000"/>
+          </a:xfrm>
+          <a:prstGeom prst="line">
+            <a:avLst/>
+          </a:prstGeom>
+          <a:ln w="12700">
+            <a:solidFill>
+              <a:schemeClr val="tx1"/>
+            </a:solidFill>
+          </a:ln>
+        </p:spPr>
+        <p:style>
+          <a:lnRef idx="2">
+            <a:schemeClr val="accent1"/>
+          </a:lnRef>
+          <a:fillRef idx="0">
+            <a:schemeClr val="accent1"/>
+          </a:fillRef>
+          <a:effectRef idx="1">
+            <a:schemeClr val="accent1"/>
+          </a:effectRef>
+          <a:fontRef idx="minor">
+            <a:schemeClr val="tx1"/>
+          </a:fontRef>
+        </p:style>
+      </p:cxnSp>
+      <p:cxnSp>
+        <p:nvCxnSpPr>
+          <p:cNvPr id="21" name="Straight Connector 20"/>
+          <p:cNvCxnSpPr/>
+          <p:nvPr/>
+        </p:nvCxnSpPr>
+        <p:spPr>
+          <a:xfrm flipH="1">
+            <a:off x="7335837" y="32278"/>
+            <a:ext cx="4852989" cy="4852989"/>
+          </a:xfrm>
+          <a:prstGeom prst="line">
+            <a:avLst/>
+          </a:prstGeom>
+          <a:ln w="31750">
+            <a:solidFill>
+              <a:schemeClr val="tx1"/>
+            </a:solidFill>
+          </a:ln>
+        </p:spPr>
+        <p:style>
+          <a:lnRef idx="2">
+            <a:schemeClr val="accent1"/>
+          </a:lnRef>
+          <a:fillRef idx="0">
+            <a:schemeClr val="accent1"/>
+          </a:fillRef>
+          <a:effectRef idx="1">
+            <a:schemeClr val="accent1"/>
+          </a:effectRef>
+          <a:fontRef idx="minor">
+            <a:schemeClr val="tx1"/>
+          </a:fontRef>
+        </p:style>
+      </p:cxnSp>
+      <p:cxnSp>
+        <p:nvCxnSpPr>
+          <p:cNvPr id="23" name="Straight Connector 22"/>
+          <p:cNvCxnSpPr/>
+          <p:nvPr/>
+        </p:nvCxnSpPr>
+        <p:spPr>
+          <a:xfrm flipH="1">
+            <a:off x="7845426" y="609601"/>
+            <a:ext cx="4343399" cy="4343399"/>
+          </a:xfrm>
+          <a:prstGeom prst="line">
+            <a:avLst/>
+          </a:prstGeom>
+          <a:ln w="31750">
+            <a:solidFill>
+              <a:schemeClr val="tx1"/>
+            </a:solidFill>
+          </a:ln>
+        </p:spPr>
+        <p:style>
+          <a:lnRef idx="2">
+            <a:schemeClr val="accent1"/>
+          </a:lnRef>
+          <a:fillRef idx="0">
+            <a:schemeClr val="accent1"/>
+          </a:fillRef>
+          <a:effectRef idx="1">
             <a:schemeClr val="accent1"/>
           </a:effectRef>
           <a:fontRef idx="minor">
@@ -1810,7 +1917,7 @@
     </p:spTree>
     <p:extLst>
       <p:ext uri="{BB962C8B-B14F-4D97-AF65-F5344CB8AC3E}">
-        <p14:creationId xmlns:p14="http://schemas.microsoft.com/office/powerpoint/2010/main" val="2912806241"/>
+        <p14:creationId xmlns:p14="http://schemas.microsoft.com/office/powerpoint/2010/main" val="4143680911"/>
       </p:ext>
     </p:extLst>
   </p:cSld>
@@ -1821,6 +1928,1812 @@
 </file>
 
 <file path=ppt/slideLayouts/slideLayout10.xml><?xml version="1.0" encoding="utf-8"?>
+<p:sldLayout xmlns:a="http://schemas.openxmlformats.org/drawingml/2006/main" xmlns:r="http://schemas.openxmlformats.org/officeDocument/2006/relationships" xmlns:p="http://schemas.openxmlformats.org/presentationml/2006/main" preserve="1">
+  <p:cSld name="Foto Panorâmica com Legenda">
+    <p:spTree>
+      <p:nvGrpSpPr>
+        <p:cNvPr id="1" name=""/>
+        <p:cNvGrpSpPr/>
+        <p:nvPr/>
+      </p:nvGrpSpPr>
+      <p:grpSpPr>
+        <a:xfrm>
+          <a:off x="0" y="0"/>
+          <a:ext cx="0" cy="0"/>
+          <a:chOff x="0" y="0"/>
+          <a:chExt cx="0" cy="0"/>
+        </a:xfrm>
+      </p:grpSpPr>
+      <p:sp>
+        <p:nvSpPr>
+          <p:cNvPr id="2" name="Title 1"/>
+          <p:cNvSpPr>
+            <a:spLocks noGrp="1"/>
+          </p:cNvSpPr>
+          <p:nvPr>
+            <p:ph type="title"/>
+          </p:nvPr>
+        </p:nvSpPr>
+        <p:spPr/>
+        <p:txBody>
+          <a:bodyPr/>
+          <a:lstStyle/>
+          <a:p>
+            <a:r>
+              <a:rPr lang="pt-BR"/>
+              <a:t>Clique para editar o título Mestre</a:t>
+            </a:r>
+            <a:endParaRPr lang="en-US" dirty="0"/>
+          </a:p>
+        </p:txBody>
+      </p:sp>
+      <p:sp>
+        <p:nvSpPr>
+          <p:cNvPr id="17" name="Picture Placeholder 2"/>
+          <p:cNvSpPr>
+            <a:spLocks noGrp="1" noChangeAspect="1"/>
+          </p:cNvSpPr>
+          <p:nvPr>
+            <p:ph type="pic" idx="13"/>
+          </p:nvPr>
+        </p:nvSpPr>
+        <p:spPr>
+          <a:xfrm>
+            <a:off x="685800" y="533400"/>
+            <a:ext cx="10818812" cy="3124200"/>
+          </a:xfrm>
+          <a:prstGeom prst="snip2DiagRect">
+            <a:avLst>
+              <a:gd name="adj1" fmla="val 10815"/>
+              <a:gd name="adj2" fmla="val 0"/>
+            </a:avLst>
+          </a:prstGeom>
+          <a:ln w="15875">
+            <a:solidFill>
+              <a:schemeClr val="tx1">
+                <a:alpha val="40000"/>
+              </a:schemeClr>
+            </a:solidFill>
+          </a:ln>
+          <a:effectLst>
+            <a:innerShdw blurRad="57150" dist="38100" dir="14460000">
+              <a:srgbClr val="000000">
+                <a:alpha val="70000"/>
+              </a:srgbClr>
+            </a:innerShdw>
+          </a:effectLst>
+        </p:spPr>
+        <p:txBody>
+          <a:bodyPr anchor="t">
+            <a:normAutofit/>
+          </a:bodyPr>
+          <a:lstStyle>
+            <a:lvl1pPr marL="0" indent="0" algn="ctr">
+              <a:buNone/>
+              <a:defRPr sz="1600"/>
+            </a:lvl1pPr>
+            <a:lvl2pPr marL="457200" indent="0">
+              <a:buNone/>
+              <a:defRPr sz="1600"/>
+            </a:lvl2pPr>
+            <a:lvl3pPr marL="914400" indent="0">
+              <a:buNone/>
+              <a:defRPr sz="1600"/>
+            </a:lvl3pPr>
+            <a:lvl4pPr marL="1371600" indent="0">
+              <a:buNone/>
+              <a:defRPr sz="1600"/>
+            </a:lvl4pPr>
+            <a:lvl5pPr marL="1828800" indent="0">
+              <a:buNone/>
+              <a:defRPr sz="1600"/>
+            </a:lvl5pPr>
+            <a:lvl6pPr marL="2286000" indent="0">
+              <a:buNone/>
+              <a:defRPr sz="1600"/>
+            </a:lvl6pPr>
+            <a:lvl7pPr marL="2743200" indent="0">
+              <a:buNone/>
+              <a:defRPr sz="1600"/>
+            </a:lvl7pPr>
+            <a:lvl8pPr marL="3200400" indent="0">
+              <a:buNone/>
+              <a:defRPr sz="1600"/>
+            </a:lvl8pPr>
+            <a:lvl9pPr marL="3657600" indent="0">
+              <a:buNone/>
+              <a:defRPr sz="1600"/>
+            </a:lvl9pPr>
+          </a:lstStyle>
+          <a:p>
+            <a:r>
+              <a:rPr lang="pt-BR"/>
+              <a:t>Clique no ícone para adicionar uma imagem</a:t>
+            </a:r>
+            <a:endParaRPr lang="en-US" dirty="0"/>
+          </a:p>
+        </p:txBody>
+      </p:sp>
+      <p:sp>
+        <p:nvSpPr>
+          <p:cNvPr id="16" name="Text Placeholder 9"/>
+          <p:cNvSpPr>
+            <a:spLocks noGrp="1"/>
+          </p:cNvSpPr>
+          <p:nvPr>
+            <p:ph type="body" sz="quarter" idx="14"/>
+          </p:nvPr>
+        </p:nvSpPr>
+        <p:spPr>
+          <a:xfrm>
+            <a:off x="914402" y="3843867"/>
+            <a:ext cx="8304210" cy="457200"/>
+          </a:xfrm>
+        </p:spPr>
+        <p:txBody>
+          <a:bodyPr anchor="t">
+            <a:normAutofit/>
+          </a:bodyPr>
+          <a:lstStyle>
+            <a:lvl1pPr marL="0" indent="0">
+              <a:buFontTx/>
+              <a:buNone/>
+              <a:defRPr sz="1600"/>
+            </a:lvl1pPr>
+            <a:lvl2pPr marL="457200" indent="0">
+              <a:buFontTx/>
+              <a:buNone/>
+              <a:defRPr/>
+            </a:lvl2pPr>
+            <a:lvl3pPr marL="914400" indent="0">
+              <a:buFontTx/>
+              <a:buNone/>
+              <a:defRPr/>
+            </a:lvl3pPr>
+            <a:lvl4pPr marL="1371600" indent="0">
+              <a:buFontTx/>
+              <a:buNone/>
+              <a:defRPr/>
+            </a:lvl4pPr>
+            <a:lvl5pPr marL="1828800" indent="0">
+              <a:buFontTx/>
+              <a:buNone/>
+              <a:defRPr/>
+            </a:lvl5pPr>
+          </a:lstStyle>
+          <a:p>
+            <a:pPr lvl="0"/>
+            <a:r>
+              <a:rPr lang="pt-BR"/>
+              <a:t>Clique para editar os estilos de texto Mestres</a:t>
+            </a:r>
+          </a:p>
+        </p:txBody>
+      </p:sp>
+      <p:sp>
+        <p:nvSpPr>
+          <p:cNvPr id="3" name="Date Placeholder 2"/>
+          <p:cNvSpPr>
+            <a:spLocks noGrp="1"/>
+          </p:cNvSpPr>
+          <p:nvPr>
+            <p:ph type="dt" sz="half" idx="10"/>
+          </p:nvPr>
+        </p:nvSpPr>
+        <p:spPr/>
+        <p:txBody>
+          <a:bodyPr/>
+          <a:lstStyle/>
+          <a:p>
+            <a:fld id="{F6B27FDA-0672-4BC9-A961-7AEF5B3CD059}" type="datetimeFigureOut">
+              <a:rPr lang="pt-BR" smtClean="0"/>
+              <a:t>05/02/2025</a:t>
+            </a:fld>
+            <a:endParaRPr lang="pt-BR"/>
+          </a:p>
+        </p:txBody>
+      </p:sp>
+      <p:sp>
+        <p:nvSpPr>
+          <p:cNvPr id="4" name="Footer Placeholder 3"/>
+          <p:cNvSpPr>
+            <a:spLocks noGrp="1"/>
+          </p:cNvSpPr>
+          <p:nvPr>
+            <p:ph type="ftr" sz="quarter" idx="11"/>
+          </p:nvPr>
+        </p:nvSpPr>
+        <p:spPr/>
+        <p:txBody>
+          <a:bodyPr/>
+          <a:lstStyle/>
+          <a:p>
+            <a:endParaRPr lang="pt-BR"/>
+          </a:p>
+        </p:txBody>
+      </p:sp>
+      <p:sp>
+        <p:nvSpPr>
+          <p:cNvPr id="5" name="Slide Number Placeholder 4"/>
+          <p:cNvSpPr>
+            <a:spLocks noGrp="1"/>
+          </p:cNvSpPr>
+          <p:nvPr>
+            <p:ph type="sldNum" sz="quarter" idx="12"/>
+          </p:nvPr>
+        </p:nvSpPr>
+        <p:spPr/>
+        <p:txBody>
+          <a:bodyPr/>
+          <a:lstStyle/>
+          <a:p>
+            <a:fld id="{B6DBDE6C-CA3C-4917-A15F-9F7A582A978E}" type="slidenum">
+              <a:rPr lang="pt-BR" smtClean="0"/>
+              <a:t>‹nº›</a:t>
+            </a:fld>
+            <a:endParaRPr lang="pt-BR"/>
+          </a:p>
+        </p:txBody>
+      </p:sp>
+    </p:spTree>
+    <p:extLst>
+      <p:ext uri="{BB962C8B-B14F-4D97-AF65-F5344CB8AC3E}">
+        <p14:creationId xmlns:p14="http://schemas.microsoft.com/office/powerpoint/2010/main" val="4106460502"/>
+      </p:ext>
+    </p:extLst>
+  </p:cSld>
+  <p:clrMapOvr>
+    <a:masterClrMapping/>
+  </p:clrMapOvr>
+</p:sldLayout>
+</file>
+
+<file path=ppt/slideLayouts/slideLayout11.xml><?xml version="1.0" encoding="utf-8"?>
+<p:sldLayout xmlns:a="http://schemas.openxmlformats.org/drawingml/2006/main" xmlns:r="http://schemas.openxmlformats.org/officeDocument/2006/relationships" xmlns:p="http://schemas.openxmlformats.org/presentationml/2006/main" preserve="1">
+  <p:cSld name="Título e Legenda">
+    <p:spTree>
+      <p:nvGrpSpPr>
+        <p:cNvPr id="1" name=""/>
+        <p:cNvGrpSpPr/>
+        <p:nvPr/>
+      </p:nvGrpSpPr>
+      <p:grpSpPr>
+        <a:xfrm>
+          <a:off x="0" y="0"/>
+          <a:ext cx="0" cy="0"/>
+          <a:chOff x="0" y="0"/>
+          <a:chExt cx="0" cy="0"/>
+        </a:xfrm>
+      </p:grpSpPr>
+      <p:sp>
+        <p:nvSpPr>
+          <p:cNvPr id="2" name="Title 1"/>
+          <p:cNvSpPr>
+            <a:spLocks noGrp="1"/>
+          </p:cNvSpPr>
+          <p:nvPr>
+            <p:ph type="title"/>
+          </p:nvPr>
+        </p:nvSpPr>
+        <p:spPr>
+          <a:xfrm>
+            <a:off x="684213" y="685800"/>
+            <a:ext cx="10058400" cy="2743200"/>
+          </a:xfrm>
+        </p:spPr>
+        <p:txBody>
+          <a:bodyPr anchor="ctr">
+            <a:normAutofit/>
+          </a:bodyPr>
+          <a:lstStyle>
+            <a:lvl1pPr algn="l">
+              <a:defRPr sz="3200" b="0" cap="all"/>
+            </a:lvl1pPr>
+          </a:lstStyle>
+          <a:p>
+            <a:r>
+              <a:rPr lang="pt-BR"/>
+              <a:t>Clique para editar o título Mestre</a:t>
+            </a:r>
+            <a:endParaRPr lang="en-US" dirty="0"/>
+          </a:p>
+        </p:txBody>
+      </p:sp>
+      <p:sp>
+        <p:nvSpPr>
+          <p:cNvPr id="3" name="Text Placeholder 2"/>
+          <p:cNvSpPr>
+            <a:spLocks noGrp="1"/>
+          </p:cNvSpPr>
+          <p:nvPr>
+            <p:ph type="body" idx="1"/>
+          </p:nvPr>
+        </p:nvSpPr>
+        <p:spPr>
+          <a:xfrm>
+            <a:off x="684212" y="4114800"/>
+            <a:ext cx="8535988" cy="1879600"/>
+          </a:xfrm>
+        </p:spPr>
+        <p:txBody>
+          <a:bodyPr anchor="ctr">
+            <a:normAutofit/>
+          </a:bodyPr>
+          <a:lstStyle>
+            <a:lvl1pPr marL="0" indent="0" algn="l">
+              <a:buNone/>
+              <a:defRPr sz="2000">
+                <a:solidFill>
+                  <a:schemeClr val="bg2">
+                    <a:lumMod val="75000"/>
+                  </a:schemeClr>
+                </a:solidFill>
+              </a:defRPr>
+            </a:lvl1pPr>
+            <a:lvl2pPr marL="457200" indent="0">
+              <a:buNone/>
+              <a:defRPr sz="1800">
+                <a:solidFill>
+                  <a:schemeClr val="tx1">
+                    <a:tint val="75000"/>
+                  </a:schemeClr>
+                </a:solidFill>
+              </a:defRPr>
+            </a:lvl2pPr>
+            <a:lvl3pPr marL="914400" indent="0">
+              <a:buNone/>
+              <a:defRPr sz="1600">
+                <a:solidFill>
+                  <a:schemeClr val="tx1">
+                    <a:tint val="75000"/>
+                  </a:schemeClr>
+                </a:solidFill>
+              </a:defRPr>
+            </a:lvl3pPr>
+            <a:lvl4pPr marL="1371600" indent="0">
+              <a:buNone/>
+              <a:defRPr sz="1400">
+                <a:solidFill>
+                  <a:schemeClr val="tx1">
+                    <a:tint val="75000"/>
+                  </a:schemeClr>
+                </a:solidFill>
+              </a:defRPr>
+            </a:lvl4pPr>
+            <a:lvl5pPr marL="1828800" indent="0">
+              <a:buNone/>
+              <a:defRPr sz="1400">
+                <a:solidFill>
+                  <a:schemeClr val="tx1">
+                    <a:tint val="75000"/>
+                  </a:schemeClr>
+                </a:solidFill>
+              </a:defRPr>
+            </a:lvl5pPr>
+            <a:lvl6pPr marL="2286000" indent="0">
+              <a:buNone/>
+              <a:defRPr sz="1400">
+                <a:solidFill>
+                  <a:schemeClr val="tx1">
+                    <a:tint val="75000"/>
+                  </a:schemeClr>
+                </a:solidFill>
+              </a:defRPr>
+            </a:lvl6pPr>
+            <a:lvl7pPr marL="2743200" indent="0">
+              <a:buNone/>
+              <a:defRPr sz="1400">
+                <a:solidFill>
+                  <a:schemeClr val="tx1">
+                    <a:tint val="75000"/>
+                  </a:schemeClr>
+                </a:solidFill>
+              </a:defRPr>
+            </a:lvl7pPr>
+            <a:lvl8pPr marL="3200400" indent="0">
+              <a:buNone/>
+              <a:defRPr sz="1400">
+                <a:solidFill>
+                  <a:schemeClr val="tx1">
+                    <a:tint val="75000"/>
+                  </a:schemeClr>
+                </a:solidFill>
+              </a:defRPr>
+            </a:lvl8pPr>
+            <a:lvl9pPr marL="3657600" indent="0">
+              <a:buNone/>
+              <a:defRPr sz="1400">
+                <a:solidFill>
+                  <a:schemeClr val="tx1">
+                    <a:tint val="75000"/>
+                  </a:schemeClr>
+                </a:solidFill>
+              </a:defRPr>
+            </a:lvl9pPr>
+          </a:lstStyle>
+          <a:p>
+            <a:pPr lvl="0"/>
+            <a:r>
+              <a:rPr lang="pt-BR"/>
+              <a:t>Clique para editar os estilos de texto Mestres</a:t>
+            </a:r>
+          </a:p>
+        </p:txBody>
+      </p:sp>
+      <p:sp>
+        <p:nvSpPr>
+          <p:cNvPr id="4" name="Date Placeholder 3"/>
+          <p:cNvSpPr>
+            <a:spLocks noGrp="1"/>
+          </p:cNvSpPr>
+          <p:nvPr>
+            <p:ph type="dt" sz="half" idx="10"/>
+          </p:nvPr>
+        </p:nvSpPr>
+        <p:spPr/>
+        <p:txBody>
+          <a:bodyPr/>
+          <a:lstStyle/>
+          <a:p>
+            <a:fld id="{F6B27FDA-0672-4BC9-A961-7AEF5B3CD059}" type="datetimeFigureOut">
+              <a:rPr lang="pt-BR" smtClean="0"/>
+              <a:t>05/02/2025</a:t>
+            </a:fld>
+            <a:endParaRPr lang="pt-BR"/>
+          </a:p>
+        </p:txBody>
+      </p:sp>
+      <p:sp>
+        <p:nvSpPr>
+          <p:cNvPr id="5" name="Footer Placeholder 4"/>
+          <p:cNvSpPr>
+            <a:spLocks noGrp="1"/>
+          </p:cNvSpPr>
+          <p:nvPr>
+            <p:ph type="ftr" sz="quarter" idx="11"/>
+          </p:nvPr>
+        </p:nvSpPr>
+        <p:spPr/>
+        <p:txBody>
+          <a:bodyPr/>
+          <a:lstStyle/>
+          <a:p>
+            <a:endParaRPr lang="pt-BR"/>
+          </a:p>
+        </p:txBody>
+      </p:sp>
+      <p:sp>
+        <p:nvSpPr>
+          <p:cNvPr id="6" name="Slide Number Placeholder 5"/>
+          <p:cNvSpPr>
+            <a:spLocks noGrp="1"/>
+          </p:cNvSpPr>
+          <p:nvPr>
+            <p:ph type="sldNum" sz="quarter" idx="12"/>
+          </p:nvPr>
+        </p:nvSpPr>
+        <p:spPr/>
+        <p:txBody>
+          <a:bodyPr/>
+          <a:lstStyle/>
+          <a:p>
+            <a:fld id="{B6DBDE6C-CA3C-4917-A15F-9F7A582A978E}" type="slidenum">
+              <a:rPr lang="pt-BR" smtClean="0"/>
+              <a:t>‹nº›</a:t>
+            </a:fld>
+            <a:endParaRPr lang="pt-BR"/>
+          </a:p>
+        </p:txBody>
+      </p:sp>
+    </p:spTree>
+    <p:extLst>
+      <p:ext uri="{BB962C8B-B14F-4D97-AF65-F5344CB8AC3E}">
+        <p14:creationId xmlns:p14="http://schemas.microsoft.com/office/powerpoint/2010/main" val="1305696598"/>
+      </p:ext>
+    </p:extLst>
+  </p:cSld>
+  <p:clrMapOvr>
+    <a:masterClrMapping/>
+  </p:clrMapOvr>
+</p:sldLayout>
+</file>
+
+<file path=ppt/slideLayouts/slideLayout12.xml><?xml version="1.0" encoding="utf-8"?>
+<p:sldLayout xmlns:a="http://schemas.openxmlformats.org/drawingml/2006/main" xmlns:r="http://schemas.openxmlformats.org/officeDocument/2006/relationships" xmlns:p="http://schemas.openxmlformats.org/presentationml/2006/main" preserve="1">
+  <p:cSld name="Citação com Legenda">
+    <p:spTree>
+      <p:nvGrpSpPr>
+        <p:cNvPr id="1" name=""/>
+        <p:cNvGrpSpPr/>
+        <p:nvPr/>
+      </p:nvGrpSpPr>
+      <p:grpSpPr>
+        <a:xfrm>
+          <a:off x="0" y="0"/>
+          <a:ext cx="0" cy="0"/>
+          <a:chOff x="0" y="0"/>
+          <a:chExt cx="0" cy="0"/>
+        </a:xfrm>
+      </p:grpSpPr>
+      <p:sp>
+        <p:nvSpPr>
+          <p:cNvPr id="2" name="Title 1"/>
+          <p:cNvSpPr>
+            <a:spLocks noGrp="1"/>
+          </p:cNvSpPr>
+          <p:nvPr>
+            <p:ph type="title"/>
+          </p:nvPr>
+        </p:nvSpPr>
+        <p:spPr>
+          <a:xfrm>
+            <a:off x="1141411" y="685800"/>
+            <a:ext cx="9144001" cy="2743200"/>
+          </a:xfrm>
+        </p:spPr>
+        <p:txBody>
+          <a:bodyPr anchor="ctr">
+            <a:normAutofit/>
+          </a:bodyPr>
+          <a:lstStyle>
+            <a:lvl1pPr algn="l">
+              <a:defRPr sz="3200" b="0" cap="all">
+                <a:solidFill>
+                  <a:schemeClr val="tx1"/>
+                </a:solidFill>
+              </a:defRPr>
+            </a:lvl1pPr>
+          </a:lstStyle>
+          <a:p>
+            <a:r>
+              <a:rPr lang="pt-BR"/>
+              <a:t>Clique para editar o título Mestre</a:t>
+            </a:r>
+            <a:endParaRPr lang="en-US" dirty="0"/>
+          </a:p>
+        </p:txBody>
+      </p:sp>
+      <p:sp>
+        <p:nvSpPr>
+          <p:cNvPr id="10" name="Text Placeholder 9"/>
+          <p:cNvSpPr>
+            <a:spLocks noGrp="1"/>
+          </p:cNvSpPr>
+          <p:nvPr>
+            <p:ph type="body" sz="quarter" idx="13"/>
+          </p:nvPr>
+        </p:nvSpPr>
+        <p:spPr>
+          <a:xfrm>
+            <a:off x="1446212" y="3429000"/>
+            <a:ext cx="8534400" cy="381000"/>
+          </a:xfrm>
+        </p:spPr>
+        <p:txBody>
+          <a:bodyPr anchor="ctr"/>
+          <a:lstStyle>
+            <a:lvl1pPr marL="0" indent="0">
+              <a:buFontTx/>
+              <a:buNone/>
+              <a:defRPr/>
+            </a:lvl1pPr>
+            <a:lvl2pPr marL="457200" indent="0">
+              <a:buFontTx/>
+              <a:buNone/>
+              <a:defRPr/>
+            </a:lvl2pPr>
+            <a:lvl3pPr marL="914400" indent="0">
+              <a:buFontTx/>
+              <a:buNone/>
+              <a:defRPr/>
+            </a:lvl3pPr>
+            <a:lvl4pPr marL="1371600" indent="0">
+              <a:buFontTx/>
+              <a:buNone/>
+              <a:defRPr/>
+            </a:lvl4pPr>
+            <a:lvl5pPr marL="1828800" indent="0">
+              <a:buFontTx/>
+              <a:buNone/>
+              <a:defRPr/>
+            </a:lvl5pPr>
+          </a:lstStyle>
+          <a:p>
+            <a:pPr lvl="0"/>
+            <a:r>
+              <a:rPr lang="pt-BR"/>
+              <a:t>Clique para editar os estilos de texto Mestres</a:t>
+            </a:r>
+          </a:p>
+        </p:txBody>
+      </p:sp>
+      <p:sp>
+        <p:nvSpPr>
+          <p:cNvPr id="3" name="Text Placeholder 2"/>
+          <p:cNvSpPr>
+            <a:spLocks noGrp="1"/>
+          </p:cNvSpPr>
+          <p:nvPr>
+            <p:ph type="body" idx="1"/>
+          </p:nvPr>
+        </p:nvSpPr>
+        <p:spPr>
+          <a:xfrm>
+            <a:off x="684213" y="4301067"/>
+            <a:ext cx="8534400" cy="1684865"/>
+          </a:xfrm>
+        </p:spPr>
+        <p:txBody>
+          <a:bodyPr anchor="ctr">
+            <a:normAutofit/>
+          </a:bodyPr>
+          <a:lstStyle>
+            <a:lvl1pPr marL="0" indent="0" algn="l">
+              <a:buNone/>
+              <a:defRPr sz="2000">
+                <a:solidFill>
+                  <a:schemeClr val="bg2">
+                    <a:lumMod val="75000"/>
+                  </a:schemeClr>
+                </a:solidFill>
+              </a:defRPr>
+            </a:lvl1pPr>
+            <a:lvl2pPr marL="457200" indent="0">
+              <a:buNone/>
+              <a:defRPr sz="1800">
+                <a:solidFill>
+                  <a:schemeClr val="tx1">
+                    <a:tint val="75000"/>
+                  </a:schemeClr>
+                </a:solidFill>
+              </a:defRPr>
+            </a:lvl2pPr>
+            <a:lvl3pPr marL="914400" indent="0">
+              <a:buNone/>
+              <a:defRPr sz="1600">
+                <a:solidFill>
+                  <a:schemeClr val="tx1">
+                    <a:tint val="75000"/>
+                  </a:schemeClr>
+                </a:solidFill>
+              </a:defRPr>
+            </a:lvl3pPr>
+            <a:lvl4pPr marL="1371600" indent="0">
+              <a:buNone/>
+              <a:defRPr sz="1400">
+                <a:solidFill>
+                  <a:schemeClr val="tx1">
+                    <a:tint val="75000"/>
+                  </a:schemeClr>
+                </a:solidFill>
+              </a:defRPr>
+            </a:lvl4pPr>
+            <a:lvl5pPr marL="1828800" indent="0">
+              <a:buNone/>
+              <a:defRPr sz="1400">
+                <a:solidFill>
+                  <a:schemeClr val="tx1">
+                    <a:tint val="75000"/>
+                  </a:schemeClr>
+                </a:solidFill>
+              </a:defRPr>
+            </a:lvl5pPr>
+            <a:lvl6pPr marL="2286000" indent="0">
+              <a:buNone/>
+              <a:defRPr sz="1400">
+                <a:solidFill>
+                  <a:schemeClr val="tx1">
+                    <a:tint val="75000"/>
+                  </a:schemeClr>
+                </a:solidFill>
+              </a:defRPr>
+            </a:lvl6pPr>
+            <a:lvl7pPr marL="2743200" indent="0">
+              <a:buNone/>
+              <a:defRPr sz="1400">
+                <a:solidFill>
+                  <a:schemeClr val="tx1">
+                    <a:tint val="75000"/>
+                  </a:schemeClr>
+                </a:solidFill>
+              </a:defRPr>
+            </a:lvl7pPr>
+            <a:lvl8pPr marL="3200400" indent="0">
+              <a:buNone/>
+              <a:defRPr sz="1400">
+                <a:solidFill>
+                  <a:schemeClr val="tx1">
+                    <a:tint val="75000"/>
+                  </a:schemeClr>
+                </a:solidFill>
+              </a:defRPr>
+            </a:lvl8pPr>
+            <a:lvl9pPr marL="3657600" indent="0">
+              <a:buNone/>
+              <a:defRPr sz="1400">
+                <a:solidFill>
+                  <a:schemeClr val="tx1">
+                    <a:tint val="75000"/>
+                  </a:schemeClr>
+                </a:solidFill>
+              </a:defRPr>
+            </a:lvl9pPr>
+          </a:lstStyle>
+          <a:p>
+            <a:pPr lvl="0"/>
+            <a:r>
+              <a:rPr lang="pt-BR"/>
+              <a:t>Clique para editar os estilos de texto Mestres</a:t>
+            </a:r>
+          </a:p>
+        </p:txBody>
+      </p:sp>
+      <p:sp>
+        <p:nvSpPr>
+          <p:cNvPr id="4" name="Date Placeholder 3"/>
+          <p:cNvSpPr>
+            <a:spLocks noGrp="1"/>
+          </p:cNvSpPr>
+          <p:nvPr>
+            <p:ph type="dt" sz="half" idx="10"/>
+          </p:nvPr>
+        </p:nvSpPr>
+        <p:spPr/>
+        <p:txBody>
+          <a:bodyPr/>
+          <a:lstStyle/>
+          <a:p>
+            <a:fld id="{F6B27FDA-0672-4BC9-A961-7AEF5B3CD059}" type="datetimeFigureOut">
+              <a:rPr lang="pt-BR" smtClean="0"/>
+              <a:t>05/02/2025</a:t>
+            </a:fld>
+            <a:endParaRPr lang="pt-BR"/>
+          </a:p>
+        </p:txBody>
+      </p:sp>
+      <p:sp>
+        <p:nvSpPr>
+          <p:cNvPr id="5" name="Footer Placeholder 4"/>
+          <p:cNvSpPr>
+            <a:spLocks noGrp="1"/>
+          </p:cNvSpPr>
+          <p:nvPr>
+            <p:ph type="ftr" sz="quarter" idx="11"/>
+          </p:nvPr>
+        </p:nvSpPr>
+        <p:spPr/>
+        <p:txBody>
+          <a:bodyPr/>
+          <a:lstStyle/>
+          <a:p>
+            <a:endParaRPr lang="pt-BR"/>
+          </a:p>
+        </p:txBody>
+      </p:sp>
+      <p:sp>
+        <p:nvSpPr>
+          <p:cNvPr id="6" name="Slide Number Placeholder 5"/>
+          <p:cNvSpPr>
+            <a:spLocks noGrp="1"/>
+          </p:cNvSpPr>
+          <p:nvPr>
+            <p:ph type="sldNum" sz="quarter" idx="12"/>
+          </p:nvPr>
+        </p:nvSpPr>
+        <p:spPr/>
+        <p:txBody>
+          <a:bodyPr/>
+          <a:lstStyle/>
+          <a:p>
+            <a:fld id="{B6DBDE6C-CA3C-4917-A15F-9F7A582A978E}" type="slidenum">
+              <a:rPr lang="pt-BR" smtClean="0"/>
+              <a:t>‹nº›</a:t>
+            </a:fld>
+            <a:endParaRPr lang="pt-BR"/>
+          </a:p>
+        </p:txBody>
+      </p:sp>
+      <p:sp>
+        <p:nvSpPr>
+          <p:cNvPr id="14" name="TextBox 13"/>
+          <p:cNvSpPr txBox="1"/>
+          <p:nvPr/>
+        </p:nvSpPr>
+        <p:spPr>
+          <a:xfrm>
+            <a:off x="531812" y="812222"/>
+            <a:ext cx="609600" cy="584776"/>
+          </a:xfrm>
+          <a:prstGeom prst="rect">
+            <a:avLst/>
+          </a:prstGeom>
+        </p:spPr>
+        <p:txBody>
+          <a:bodyPr vert="horz" lIns="91440" tIns="45720" rIns="91440" bIns="45720" rtlCol="0" anchor="ctr">
+            <a:noAutofit/>
+          </a:bodyPr>
+          <a:lstStyle/>
+          <a:p>
+            <a:pPr lvl="0"/>
+            <a:r>
+              <a:rPr lang="en-US" sz="8000" dirty="0">
+                <a:solidFill>
+                  <a:schemeClr val="tx1"/>
+                </a:solidFill>
+                <a:effectLst/>
+              </a:rPr>
+              <a:t>“</a:t>
+            </a:r>
+          </a:p>
+        </p:txBody>
+      </p:sp>
+      <p:sp>
+        <p:nvSpPr>
+          <p:cNvPr id="15" name="TextBox 14"/>
+          <p:cNvSpPr txBox="1"/>
+          <p:nvPr/>
+        </p:nvSpPr>
+        <p:spPr>
+          <a:xfrm>
+            <a:off x="10285412" y="2768601"/>
+            <a:ext cx="609600" cy="584776"/>
+          </a:xfrm>
+          <a:prstGeom prst="rect">
+            <a:avLst/>
+          </a:prstGeom>
+        </p:spPr>
+        <p:txBody>
+          <a:bodyPr vert="horz" lIns="91440" tIns="45720" rIns="91440" bIns="45720" rtlCol="0" anchor="ctr">
+            <a:noAutofit/>
+          </a:bodyPr>
+          <a:lstStyle/>
+          <a:p>
+            <a:pPr lvl="0" algn="r"/>
+            <a:r>
+              <a:rPr lang="en-US" sz="8000" dirty="0">
+                <a:solidFill>
+                  <a:schemeClr val="tx1"/>
+                </a:solidFill>
+                <a:effectLst/>
+              </a:rPr>
+              <a:t>”</a:t>
+            </a:r>
+          </a:p>
+        </p:txBody>
+      </p:sp>
+    </p:spTree>
+    <p:extLst>
+      <p:ext uri="{BB962C8B-B14F-4D97-AF65-F5344CB8AC3E}">
+        <p14:creationId xmlns:p14="http://schemas.microsoft.com/office/powerpoint/2010/main" val="1150121575"/>
+      </p:ext>
+    </p:extLst>
+  </p:cSld>
+  <p:clrMapOvr>
+    <a:masterClrMapping/>
+  </p:clrMapOvr>
+</p:sldLayout>
+</file>
+
+<file path=ppt/slideLayouts/slideLayout13.xml><?xml version="1.0" encoding="utf-8"?>
+<p:sldLayout xmlns:a="http://schemas.openxmlformats.org/drawingml/2006/main" xmlns:r="http://schemas.openxmlformats.org/officeDocument/2006/relationships" xmlns:p="http://schemas.openxmlformats.org/presentationml/2006/main" preserve="1">
+  <p:cSld name="Cartão de Nome">
+    <p:spTree>
+      <p:nvGrpSpPr>
+        <p:cNvPr id="1" name=""/>
+        <p:cNvGrpSpPr/>
+        <p:nvPr/>
+      </p:nvGrpSpPr>
+      <p:grpSpPr>
+        <a:xfrm>
+          <a:off x="0" y="0"/>
+          <a:ext cx="0" cy="0"/>
+          <a:chOff x="0" y="0"/>
+          <a:chExt cx="0" cy="0"/>
+        </a:xfrm>
+      </p:grpSpPr>
+      <p:sp>
+        <p:nvSpPr>
+          <p:cNvPr id="2" name="Title 1"/>
+          <p:cNvSpPr>
+            <a:spLocks noGrp="1"/>
+          </p:cNvSpPr>
+          <p:nvPr>
+            <p:ph type="title"/>
+          </p:nvPr>
+        </p:nvSpPr>
+        <p:spPr>
+          <a:xfrm>
+            <a:off x="684212" y="3429000"/>
+            <a:ext cx="8534400" cy="1697400"/>
+          </a:xfrm>
+        </p:spPr>
+        <p:txBody>
+          <a:bodyPr anchor="b">
+            <a:normAutofit/>
+          </a:bodyPr>
+          <a:lstStyle>
+            <a:lvl1pPr algn="l">
+              <a:defRPr sz="3200" b="0" cap="all"/>
+            </a:lvl1pPr>
+          </a:lstStyle>
+          <a:p>
+            <a:r>
+              <a:rPr lang="pt-BR"/>
+              <a:t>Clique para editar o título Mestre</a:t>
+            </a:r>
+            <a:endParaRPr lang="en-US" dirty="0"/>
+          </a:p>
+        </p:txBody>
+      </p:sp>
+      <p:sp>
+        <p:nvSpPr>
+          <p:cNvPr id="3" name="Text Placeholder 2"/>
+          <p:cNvSpPr>
+            <a:spLocks noGrp="1"/>
+          </p:cNvSpPr>
+          <p:nvPr>
+            <p:ph type="body" idx="1"/>
+          </p:nvPr>
+        </p:nvSpPr>
+        <p:spPr>
+          <a:xfrm>
+            <a:off x="684211" y="5132981"/>
+            <a:ext cx="8535990" cy="860400"/>
+          </a:xfrm>
+        </p:spPr>
+        <p:txBody>
+          <a:bodyPr anchor="t">
+            <a:normAutofit/>
+          </a:bodyPr>
+          <a:lstStyle>
+            <a:lvl1pPr marL="0" indent="0" algn="l">
+              <a:buNone/>
+              <a:defRPr sz="2000">
+                <a:solidFill>
+                  <a:schemeClr val="bg2">
+                    <a:lumMod val="75000"/>
+                  </a:schemeClr>
+                </a:solidFill>
+              </a:defRPr>
+            </a:lvl1pPr>
+            <a:lvl2pPr marL="457200" indent="0">
+              <a:buNone/>
+              <a:defRPr sz="1800">
+                <a:solidFill>
+                  <a:schemeClr val="tx1">
+                    <a:tint val="75000"/>
+                  </a:schemeClr>
+                </a:solidFill>
+              </a:defRPr>
+            </a:lvl2pPr>
+            <a:lvl3pPr marL="914400" indent="0">
+              <a:buNone/>
+              <a:defRPr sz="1600">
+                <a:solidFill>
+                  <a:schemeClr val="tx1">
+                    <a:tint val="75000"/>
+                  </a:schemeClr>
+                </a:solidFill>
+              </a:defRPr>
+            </a:lvl3pPr>
+            <a:lvl4pPr marL="1371600" indent="0">
+              <a:buNone/>
+              <a:defRPr sz="1400">
+                <a:solidFill>
+                  <a:schemeClr val="tx1">
+                    <a:tint val="75000"/>
+                  </a:schemeClr>
+                </a:solidFill>
+              </a:defRPr>
+            </a:lvl4pPr>
+            <a:lvl5pPr marL="1828800" indent="0">
+              <a:buNone/>
+              <a:defRPr sz="1400">
+                <a:solidFill>
+                  <a:schemeClr val="tx1">
+                    <a:tint val="75000"/>
+                  </a:schemeClr>
+                </a:solidFill>
+              </a:defRPr>
+            </a:lvl5pPr>
+            <a:lvl6pPr marL="2286000" indent="0">
+              <a:buNone/>
+              <a:defRPr sz="1400">
+                <a:solidFill>
+                  <a:schemeClr val="tx1">
+                    <a:tint val="75000"/>
+                  </a:schemeClr>
+                </a:solidFill>
+              </a:defRPr>
+            </a:lvl6pPr>
+            <a:lvl7pPr marL="2743200" indent="0">
+              <a:buNone/>
+              <a:defRPr sz="1400">
+                <a:solidFill>
+                  <a:schemeClr val="tx1">
+                    <a:tint val="75000"/>
+                  </a:schemeClr>
+                </a:solidFill>
+              </a:defRPr>
+            </a:lvl7pPr>
+            <a:lvl8pPr marL="3200400" indent="0">
+              <a:buNone/>
+              <a:defRPr sz="1400">
+                <a:solidFill>
+                  <a:schemeClr val="tx1">
+                    <a:tint val="75000"/>
+                  </a:schemeClr>
+                </a:solidFill>
+              </a:defRPr>
+            </a:lvl8pPr>
+            <a:lvl9pPr marL="3657600" indent="0">
+              <a:buNone/>
+              <a:defRPr sz="1400">
+                <a:solidFill>
+                  <a:schemeClr val="tx1">
+                    <a:tint val="75000"/>
+                  </a:schemeClr>
+                </a:solidFill>
+              </a:defRPr>
+            </a:lvl9pPr>
+          </a:lstStyle>
+          <a:p>
+            <a:pPr lvl="0"/>
+            <a:r>
+              <a:rPr lang="pt-BR"/>
+              <a:t>Clique para editar os estilos de texto Mestres</a:t>
+            </a:r>
+          </a:p>
+        </p:txBody>
+      </p:sp>
+      <p:sp>
+        <p:nvSpPr>
+          <p:cNvPr id="4" name="Date Placeholder 3"/>
+          <p:cNvSpPr>
+            <a:spLocks noGrp="1"/>
+          </p:cNvSpPr>
+          <p:nvPr>
+            <p:ph type="dt" sz="half" idx="10"/>
+          </p:nvPr>
+        </p:nvSpPr>
+        <p:spPr/>
+        <p:txBody>
+          <a:bodyPr/>
+          <a:lstStyle/>
+          <a:p>
+            <a:fld id="{F6B27FDA-0672-4BC9-A961-7AEF5B3CD059}" type="datetimeFigureOut">
+              <a:rPr lang="pt-BR" smtClean="0"/>
+              <a:t>05/02/2025</a:t>
+            </a:fld>
+            <a:endParaRPr lang="pt-BR"/>
+          </a:p>
+        </p:txBody>
+      </p:sp>
+      <p:sp>
+        <p:nvSpPr>
+          <p:cNvPr id="5" name="Footer Placeholder 4"/>
+          <p:cNvSpPr>
+            <a:spLocks noGrp="1"/>
+          </p:cNvSpPr>
+          <p:nvPr>
+            <p:ph type="ftr" sz="quarter" idx="11"/>
+          </p:nvPr>
+        </p:nvSpPr>
+        <p:spPr/>
+        <p:txBody>
+          <a:bodyPr/>
+          <a:lstStyle/>
+          <a:p>
+            <a:endParaRPr lang="pt-BR"/>
+          </a:p>
+        </p:txBody>
+      </p:sp>
+      <p:sp>
+        <p:nvSpPr>
+          <p:cNvPr id="6" name="Slide Number Placeholder 5"/>
+          <p:cNvSpPr>
+            <a:spLocks noGrp="1"/>
+          </p:cNvSpPr>
+          <p:nvPr>
+            <p:ph type="sldNum" sz="quarter" idx="12"/>
+          </p:nvPr>
+        </p:nvSpPr>
+        <p:spPr/>
+        <p:txBody>
+          <a:bodyPr/>
+          <a:lstStyle/>
+          <a:p>
+            <a:fld id="{B6DBDE6C-CA3C-4917-A15F-9F7A582A978E}" type="slidenum">
+              <a:rPr lang="pt-BR" smtClean="0"/>
+              <a:t>‹nº›</a:t>
+            </a:fld>
+            <a:endParaRPr lang="pt-BR"/>
+          </a:p>
+        </p:txBody>
+      </p:sp>
+    </p:spTree>
+    <p:extLst>
+      <p:ext uri="{BB962C8B-B14F-4D97-AF65-F5344CB8AC3E}">
+        <p14:creationId xmlns:p14="http://schemas.microsoft.com/office/powerpoint/2010/main" val="1618734316"/>
+      </p:ext>
+    </p:extLst>
+  </p:cSld>
+  <p:clrMapOvr>
+    <a:masterClrMapping/>
+  </p:clrMapOvr>
+</p:sldLayout>
+</file>
+
+<file path=ppt/slideLayouts/slideLayout14.xml><?xml version="1.0" encoding="utf-8"?>
+<p:sldLayout xmlns:a="http://schemas.openxmlformats.org/drawingml/2006/main" xmlns:r="http://schemas.openxmlformats.org/officeDocument/2006/relationships" xmlns:p="http://schemas.openxmlformats.org/presentationml/2006/main" preserve="1">
+  <p:cSld name="Citar o Cartão de Nome">
+    <p:spTree>
+      <p:nvGrpSpPr>
+        <p:cNvPr id="1" name=""/>
+        <p:cNvGrpSpPr/>
+        <p:nvPr/>
+      </p:nvGrpSpPr>
+      <p:grpSpPr>
+        <a:xfrm>
+          <a:off x="0" y="0"/>
+          <a:ext cx="0" cy="0"/>
+          <a:chOff x="0" y="0"/>
+          <a:chExt cx="0" cy="0"/>
+        </a:xfrm>
+      </p:grpSpPr>
+      <p:sp>
+        <p:nvSpPr>
+          <p:cNvPr id="2" name="Title 1"/>
+          <p:cNvSpPr>
+            <a:spLocks noGrp="1"/>
+          </p:cNvSpPr>
+          <p:nvPr>
+            <p:ph type="title"/>
+          </p:nvPr>
+        </p:nvSpPr>
+        <p:spPr>
+          <a:xfrm>
+            <a:off x="1141413" y="685800"/>
+            <a:ext cx="9144000" cy="2743200"/>
+          </a:xfrm>
+        </p:spPr>
+        <p:txBody>
+          <a:bodyPr anchor="ctr">
+            <a:normAutofit/>
+          </a:bodyPr>
+          <a:lstStyle>
+            <a:lvl1pPr algn="l">
+              <a:defRPr sz="3200" b="0" cap="all">
+                <a:solidFill>
+                  <a:schemeClr val="tx1"/>
+                </a:solidFill>
+              </a:defRPr>
+            </a:lvl1pPr>
+          </a:lstStyle>
+          <a:p>
+            <a:r>
+              <a:rPr lang="pt-BR"/>
+              <a:t>Clique para editar o título Mestre</a:t>
+            </a:r>
+            <a:endParaRPr lang="en-US" dirty="0"/>
+          </a:p>
+        </p:txBody>
+      </p:sp>
+      <p:sp>
+        <p:nvSpPr>
+          <p:cNvPr id="10" name="Text Placeholder 9"/>
+          <p:cNvSpPr>
+            <a:spLocks noGrp="1"/>
+          </p:cNvSpPr>
+          <p:nvPr>
+            <p:ph type="body" sz="quarter" idx="13"/>
+          </p:nvPr>
+        </p:nvSpPr>
+        <p:spPr>
+          <a:xfrm>
+            <a:off x="684212" y="3928534"/>
+            <a:ext cx="8534401" cy="1049866"/>
+          </a:xfrm>
+        </p:spPr>
+        <p:txBody>
+          <a:bodyPr vert="horz" lIns="91440" tIns="45720" rIns="91440" bIns="45720" rtlCol="0" anchor="b">
+            <a:normAutofit/>
+          </a:bodyPr>
+          <a:lstStyle>
+            <a:lvl1pPr>
+              <a:buNone/>
+              <a:defRPr lang="en-US" sz="2400" b="0" cap="all" dirty="0">
+                <a:ln w="3175" cmpd="sng">
+                  <a:noFill/>
+                </a:ln>
+                <a:solidFill>
+                  <a:schemeClr val="tx1"/>
+                </a:solidFill>
+                <a:effectLst/>
+              </a:defRPr>
+            </a:lvl1pPr>
+          </a:lstStyle>
+          <a:p>
+            <a:pPr marL="0" lvl="0">
+              <a:spcBef>
+                <a:spcPct val="0"/>
+              </a:spcBef>
+              <a:buNone/>
+            </a:pPr>
+            <a:r>
+              <a:rPr lang="pt-BR"/>
+              <a:t>Clique para editar os estilos de texto Mestres</a:t>
+            </a:r>
+          </a:p>
+        </p:txBody>
+      </p:sp>
+      <p:sp>
+        <p:nvSpPr>
+          <p:cNvPr id="3" name="Text Placeholder 2"/>
+          <p:cNvSpPr>
+            <a:spLocks noGrp="1"/>
+          </p:cNvSpPr>
+          <p:nvPr>
+            <p:ph type="body" idx="1"/>
+          </p:nvPr>
+        </p:nvSpPr>
+        <p:spPr>
+          <a:xfrm>
+            <a:off x="684211" y="4978400"/>
+            <a:ext cx="8534401" cy="1016000"/>
+          </a:xfrm>
+        </p:spPr>
+        <p:txBody>
+          <a:bodyPr anchor="t">
+            <a:normAutofit/>
+          </a:bodyPr>
+          <a:lstStyle>
+            <a:lvl1pPr marL="0" indent="0" algn="l">
+              <a:buNone/>
+              <a:defRPr sz="1800">
+                <a:solidFill>
+                  <a:schemeClr val="bg2">
+                    <a:lumMod val="75000"/>
+                  </a:schemeClr>
+                </a:solidFill>
+              </a:defRPr>
+            </a:lvl1pPr>
+            <a:lvl2pPr marL="457200" indent="0">
+              <a:buNone/>
+              <a:defRPr sz="1800">
+                <a:solidFill>
+                  <a:schemeClr val="tx1">
+                    <a:tint val="75000"/>
+                  </a:schemeClr>
+                </a:solidFill>
+              </a:defRPr>
+            </a:lvl2pPr>
+            <a:lvl3pPr marL="914400" indent="0">
+              <a:buNone/>
+              <a:defRPr sz="1600">
+                <a:solidFill>
+                  <a:schemeClr val="tx1">
+                    <a:tint val="75000"/>
+                  </a:schemeClr>
+                </a:solidFill>
+              </a:defRPr>
+            </a:lvl3pPr>
+            <a:lvl4pPr marL="1371600" indent="0">
+              <a:buNone/>
+              <a:defRPr sz="1400">
+                <a:solidFill>
+                  <a:schemeClr val="tx1">
+                    <a:tint val="75000"/>
+                  </a:schemeClr>
+                </a:solidFill>
+              </a:defRPr>
+            </a:lvl4pPr>
+            <a:lvl5pPr marL="1828800" indent="0">
+              <a:buNone/>
+              <a:defRPr sz="1400">
+                <a:solidFill>
+                  <a:schemeClr val="tx1">
+                    <a:tint val="75000"/>
+                  </a:schemeClr>
+                </a:solidFill>
+              </a:defRPr>
+            </a:lvl5pPr>
+            <a:lvl6pPr marL="2286000" indent="0">
+              <a:buNone/>
+              <a:defRPr sz="1400">
+                <a:solidFill>
+                  <a:schemeClr val="tx1">
+                    <a:tint val="75000"/>
+                  </a:schemeClr>
+                </a:solidFill>
+              </a:defRPr>
+            </a:lvl6pPr>
+            <a:lvl7pPr marL="2743200" indent="0">
+              <a:buNone/>
+              <a:defRPr sz="1400">
+                <a:solidFill>
+                  <a:schemeClr val="tx1">
+                    <a:tint val="75000"/>
+                  </a:schemeClr>
+                </a:solidFill>
+              </a:defRPr>
+            </a:lvl7pPr>
+            <a:lvl8pPr marL="3200400" indent="0">
+              <a:buNone/>
+              <a:defRPr sz="1400">
+                <a:solidFill>
+                  <a:schemeClr val="tx1">
+                    <a:tint val="75000"/>
+                  </a:schemeClr>
+                </a:solidFill>
+              </a:defRPr>
+            </a:lvl8pPr>
+            <a:lvl9pPr marL="3657600" indent="0">
+              <a:buNone/>
+              <a:defRPr sz="1400">
+                <a:solidFill>
+                  <a:schemeClr val="tx1">
+                    <a:tint val="75000"/>
+                  </a:schemeClr>
+                </a:solidFill>
+              </a:defRPr>
+            </a:lvl9pPr>
+          </a:lstStyle>
+          <a:p>
+            <a:pPr lvl="0"/>
+            <a:r>
+              <a:rPr lang="pt-BR"/>
+              <a:t>Clique para editar os estilos de texto Mestres</a:t>
+            </a:r>
+          </a:p>
+        </p:txBody>
+      </p:sp>
+      <p:sp>
+        <p:nvSpPr>
+          <p:cNvPr id="4" name="Date Placeholder 3"/>
+          <p:cNvSpPr>
+            <a:spLocks noGrp="1"/>
+          </p:cNvSpPr>
+          <p:nvPr>
+            <p:ph type="dt" sz="half" idx="10"/>
+          </p:nvPr>
+        </p:nvSpPr>
+        <p:spPr/>
+        <p:txBody>
+          <a:bodyPr/>
+          <a:lstStyle/>
+          <a:p>
+            <a:fld id="{F6B27FDA-0672-4BC9-A961-7AEF5B3CD059}" type="datetimeFigureOut">
+              <a:rPr lang="pt-BR" smtClean="0"/>
+              <a:t>05/02/2025</a:t>
+            </a:fld>
+            <a:endParaRPr lang="pt-BR"/>
+          </a:p>
+        </p:txBody>
+      </p:sp>
+      <p:sp>
+        <p:nvSpPr>
+          <p:cNvPr id="5" name="Footer Placeholder 4"/>
+          <p:cNvSpPr>
+            <a:spLocks noGrp="1"/>
+          </p:cNvSpPr>
+          <p:nvPr>
+            <p:ph type="ftr" sz="quarter" idx="11"/>
+          </p:nvPr>
+        </p:nvSpPr>
+        <p:spPr/>
+        <p:txBody>
+          <a:bodyPr/>
+          <a:lstStyle/>
+          <a:p>
+            <a:endParaRPr lang="pt-BR"/>
+          </a:p>
+        </p:txBody>
+      </p:sp>
+      <p:sp>
+        <p:nvSpPr>
+          <p:cNvPr id="6" name="Slide Number Placeholder 5"/>
+          <p:cNvSpPr>
+            <a:spLocks noGrp="1"/>
+          </p:cNvSpPr>
+          <p:nvPr>
+            <p:ph type="sldNum" sz="quarter" idx="12"/>
+          </p:nvPr>
+        </p:nvSpPr>
+        <p:spPr/>
+        <p:txBody>
+          <a:bodyPr/>
+          <a:lstStyle/>
+          <a:p>
+            <a:fld id="{B6DBDE6C-CA3C-4917-A15F-9F7A582A978E}" type="slidenum">
+              <a:rPr lang="pt-BR" smtClean="0"/>
+              <a:t>‹nº›</a:t>
+            </a:fld>
+            <a:endParaRPr lang="pt-BR"/>
+          </a:p>
+        </p:txBody>
+      </p:sp>
+      <p:sp>
+        <p:nvSpPr>
+          <p:cNvPr id="11" name="TextBox 10"/>
+          <p:cNvSpPr txBox="1"/>
+          <p:nvPr/>
+        </p:nvSpPr>
+        <p:spPr>
+          <a:xfrm>
+            <a:off x="531812" y="812222"/>
+            <a:ext cx="609600" cy="584776"/>
+          </a:xfrm>
+          <a:prstGeom prst="rect">
+            <a:avLst/>
+          </a:prstGeom>
+        </p:spPr>
+        <p:txBody>
+          <a:bodyPr vert="horz" lIns="91440" tIns="45720" rIns="91440" bIns="45720" rtlCol="0" anchor="ctr">
+            <a:noAutofit/>
+          </a:bodyPr>
+          <a:lstStyle/>
+          <a:p>
+            <a:pPr lvl="0"/>
+            <a:r>
+              <a:rPr lang="en-US" sz="8000" dirty="0">
+                <a:solidFill>
+                  <a:schemeClr val="tx1"/>
+                </a:solidFill>
+                <a:effectLst/>
+              </a:rPr>
+              <a:t>“</a:t>
+            </a:r>
+          </a:p>
+        </p:txBody>
+      </p:sp>
+      <p:sp>
+        <p:nvSpPr>
+          <p:cNvPr id="12" name="TextBox 11"/>
+          <p:cNvSpPr txBox="1"/>
+          <p:nvPr/>
+        </p:nvSpPr>
+        <p:spPr>
+          <a:xfrm>
+            <a:off x="10285412" y="2768601"/>
+            <a:ext cx="609600" cy="584776"/>
+          </a:xfrm>
+          <a:prstGeom prst="rect">
+            <a:avLst/>
+          </a:prstGeom>
+        </p:spPr>
+        <p:txBody>
+          <a:bodyPr vert="horz" lIns="91440" tIns="45720" rIns="91440" bIns="45720" rtlCol="0" anchor="ctr">
+            <a:noAutofit/>
+          </a:bodyPr>
+          <a:lstStyle/>
+          <a:p>
+            <a:pPr lvl="0" algn="r"/>
+            <a:r>
+              <a:rPr lang="en-US" sz="8000" dirty="0">
+                <a:solidFill>
+                  <a:schemeClr val="tx1"/>
+                </a:solidFill>
+                <a:effectLst/>
+              </a:rPr>
+              <a:t>”</a:t>
+            </a:r>
+          </a:p>
+        </p:txBody>
+      </p:sp>
+    </p:spTree>
+    <p:extLst>
+      <p:ext uri="{BB962C8B-B14F-4D97-AF65-F5344CB8AC3E}">
+        <p14:creationId xmlns:p14="http://schemas.microsoft.com/office/powerpoint/2010/main" val="3031160776"/>
+      </p:ext>
+    </p:extLst>
+  </p:cSld>
+  <p:clrMapOvr>
+    <a:masterClrMapping/>
+  </p:clrMapOvr>
+</p:sldLayout>
+</file>
+
+<file path=ppt/slideLayouts/slideLayout15.xml><?xml version="1.0" encoding="utf-8"?>
+<p:sldLayout xmlns:a="http://schemas.openxmlformats.org/drawingml/2006/main" xmlns:r="http://schemas.openxmlformats.org/officeDocument/2006/relationships" xmlns:p="http://schemas.openxmlformats.org/presentationml/2006/main" preserve="1">
+  <p:cSld name="Verdadeiro ou Falso">
+    <p:spTree>
+      <p:nvGrpSpPr>
+        <p:cNvPr id="1" name=""/>
+        <p:cNvGrpSpPr/>
+        <p:nvPr/>
+      </p:nvGrpSpPr>
+      <p:grpSpPr>
+        <a:xfrm>
+          <a:off x="0" y="0"/>
+          <a:ext cx="0" cy="0"/>
+          <a:chOff x="0" y="0"/>
+          <a:chExt cx="0" cy="0"/>
+        </a:xfrm>
+      </p:grpSpPr>
+      <p:sp>
+        <p:nvSpPr>
+          <p:cNvPr id="2" name="Title 1"/>
+          <p:cNvSpPr>
+            <a:spLocks noGrp="1"/>
+          </p:cNvSpPr>
+          <p:nvPr>
+            <p:ph type="title"/>
+          </p:nvPr>
+        </p:nvSpPr>
+        <p:spPr>
+          <a:xfrm>
+            <a:off x="684213" y="685800"/>
+            <a:ext cx="10058400" cy="2743200"/>
+          </a:xfrm>
+        </p:spPr>
+        <p:txBody>
+          <a:bodyPr vert="horz" lIns="91440" tIns="45720" rIns="91440" bIns="45720" rtlCol="0" anchor="ctr">
+            <a:normAutofit/>
+          </a:bodyPr>
+          <a:lstStyle>
+            <a:lvl1pPr>
+              <a:defRPr lang="en-US" b="0" dirty="0"/>
+            </a:lvl1pPr>
+          </a:lstStyle>
+          <a:p>
+            <a:pPr marL="0" lvl="0"/>
+            <a:r>
+              <a:rPr lang="pt-BR"/>
+              <a:t>Clique para editar o título Mestre</a:t>
+            </a:r>
+            <a:endParaRPr lang="en-US" dirty="0"/>
+          </a:p>
+        </p:txBody>
+      </p:sp>
+      <p:sp>
+        <p:nvSpPr>
+          <p:cNvPr id="10" name="Text Placeholder 9"/>
+          <p:cNvSpPr>
+            <a:spLocks noGrp="1"/>
+          </p:cNvSpPr>
+          <p:nvPr>
+            <p:ph type="body" sz="quarter" idx="13"/>
+          </p:nvPr>
+        </p:nvSpPr>
+        <p:spPr>
+          <a:xfrm>
+            <a:off x="684212" y="3928534"/>
+            <a:ext cx="8534400" cy="838200"/>
+          </a:xfrm>
+        </p:spPr>
+        <p:txBody>
+          <a:bodyPr vert="horz" lIns="91440" tIns="45720" rIns="91440" bIns="45720" rtlCol="0" anchor="b">
+            <a:normAutofit/>
+          </a:bodyPr>
+          <a:lstStyle>
+            <a:lvl1pPr>
+              <a:buNone/>
+              <a:defRPr lang="en-US" sz="2400" b="0" cap="all" dirty="0">
+                <a:ln w="3175" cmpd="sng">
+                  <a:noFill/>
+                </a:ln>
+                <a:solidFill>
+                  <a:schemeClr val="tx1"/>
+                </a:solidFill>
+                <a:effectLst/>
+              </a:defRPr>
+            </a:lvl1pPr>
+          </a:lstStyle>
+          <a:p>
+            <a:pPr marL="0" lvl="0">
+              <a:spcBef>
+                <a:spcPct val="0"/>
+              </a:spcBef>
+              <a:buNone/>
+            </a:pPr>
+            <a:r>
+              <a:rPr lang="pt-BR"/>
+              <a:t>Clique para editar os estilos de texto Mestres</a:t>
+            </a:r>
+          </a:p>
+        </p:txBody>
+      </p:sp>
+      <p:sp>
+        <p:nvSpPr>
+          <p:cNvPr id="3" name="Text Placeholder 2"/>
+          <p:cNvSpPr>
+            <a:spLocks noGrp="1"/>
+          </p:cNvSpPr>
+          <p:nvPr>
+            <p:ph type="body" idx="1"/>
+          </p:nvPr>
+        </p:nvSpPr>
+        <p:spPr>
+          <a:xfrm>
+            <a:off x="684211" y="4766732"/>
+            <a:ext cx="8534401" cy="1227667"/>
+          </a:xfrm>
+        </p:spPr>
+        <p:txBody>
+          <a:bodyPr anchor="t">
+            <a:normAutofit/>
+          </a:bodyPr>
+          <a:lstStyle>
+            <a:lvl1pPr marL="0" indent="0" algn="l">
+              <a:buNone/>
+              <a:defRPr sz="1800">
+                <a:solidFill>
+                  <a:schemeClr val="bg2">
+                    <a:lumMod val="75000"/>
+                  </a:schemeClr>
+                </a:solidFill>
+              </a:defRPr>
+            </a:lvl1pPr>
+            <a:lvl2pPr marL="457200" indent="0">
+              <a:buNone/>
+              <a:defRPr sz="1800">
+                <a:solidFill>
+                  <a:schemeClr val="tx1">
+                    <a:tint val="75000"/>
+                  </a:schemeClr>
+                </a:solidFill>
+              </a:defRPr>
+            </a:lvl2pPr>
+            <a:lvl3pPr marL="914400" indent="0">
+              <a:buNone/>
+              <a:defRPr sz="1600">
+                <a:solidFill>
+                  <a:schemeClr val="tx1">
+                    <a:tint val="75000"/>
+                  </a:schemeClr>
+                </a:solidFill>
+              </a:defRPr>
+            </a:lvl3pPr>
+            <a:lvl4pPr marL="1371600" indent="0">
+              <a:buNone/>
+              <a:defRPr sz="1400">
+                <a:solidFill>
+                  <a:schemeClr val="tx1">
+                    <a:tint val="75000"/>
+                  </a:schemeClr>
+                </a:solidFill>
+              </a:defRPr>
+            </a:lvl4pPr>
+            <a:lvl5pPr marL="1828800" indent="0">
+              <a:buNone/>
+              <a:defRPr sz="1400">
+                <a:solidFill>
+                  <a:schemeClr val="tx1">
+                    <a:tint val="75000"/>
+                  </a:schemeClr>
+                </a:solidFill>
+              </a:defRPr>
+            </a:lvl5pPr>
+            <a:lvl6pPr marL="2286000" indent="0">
+              <a:buNone/>
+              <a:defRPr sz="1400">
+                <a:solidFill>
+                  <a:schemeClr val="tx1">
+                    <a:tint val="75000"/>
+                  </a:schemeClr>
+                </a:solidFill>
+              </a:defRPr>
+            </a:lvl6pPr>
+            <a:lvl7pPr marL="2743200" indent="0">
+              <a:buNone/>
+              <a:defRPr sz="1400">
+                <a:solidFill>
+                  <a:schemeClr val="tx1">
+                    <a:tint val="75000"/>
+                  </a:schemeClr>
+                </a:solidFill>
+              </a:defRPr>
+            </a:lvl7pPr>
+            <a:lvl8pPr marL="3200400" indent="0">
+              <a:buNone/>
+              <a:defRPr sz="1400">
+                <a:solidFill>
+                  <a:schemeClr val="tx1">
+                    <a:tint val="75000"/>
+                  </a:schemeClr>
+                </a:solidFill>
+              </a:defRPr>
+            </a:lvl8pPr>
+            <a:lvl9pPr marL="3657600" indent="0">
+              <a:buNone/>
+              <a:defRPr sz="1400">
+                <a:solidFill>
+                  <a:schemeClr val="tx1">
+                    <a:tint val="75000"/>
+                  </a:schemeClr>
+                </a:solidFill>
+              </a:defRPr>
+            </a:lvl9pPr>
+          </a:lstStyle>
+          <a:p>
+            <a:pPr lvl="0"/>
+            <a:r>
+              <a:rPr lang="pt-BR"/>
+              <a:t>Clique para editar os estilos de texto Mestres</a:t>
+            </a:r>
+          </a:p>
+        </p:txBody>
+      </p:sp>
+      <p:sp>
+        <p:nvSpPr>
+          <p:cNvPr id="4" name="Date Placeholder 3"/>
+          <p:cNvSpPr>
+            <a:spLocks noGrp="1"/>
+          </p:cNvSpPr>
+          <p:nvPr>
+            <p:ph type="dt" sz="half" idx="10"/>
+          </p:nvPr>
+        </p:nvSpPr>
+        <p:spPr/>
+        <p:txBody>
+          <a:bodyPr/>
+          <a:lstStyle/>
+          <a:p>
+            <a:fld id="{F6B27FDA-0672-4BC9-A961-7AEF5B3CD059}" type="datetimeFigureOut">
+              <a:rPr lang="pt-BR" smtClean="0"/>
+              <a:t>05/02/2025</a:t>
+            </a:fld>
+            <a:endParaRPr lang="pt-BR"/>
+          </a:p>
+        </p:txBody>
+      </p:sp>
+      <p:sp>
+        <p:nvSpPr>
+          <p:cNvPr id="5" name="Footer Placeholder 4"/>
+          <p:cNvSpPr>
+            <a:spLocks noGrp="1"/>
+          </p:cNvSpPr>
+          <p:nvPr>
+            <p:ph type="ftr" sz="quarter" idx="11"/>
+          </p:nvPr>
+        </p:nvSpPr>
+        <p:spPr/>
+        <p:txBody>
+          <a:bodyPr/>
+          <a:lstStyle/>
+          <a:p>
+            <a:endParaRPr lang="pt-BR"/>
+          </a:p>
+        </p:txBody>
+      </p:sp>
+      <p:sp>
+        <p:nvSpPr>
+          <p:cNvPr id="6" name="Slide Number Placeholder 5"/>
+          <p:cNvSpPr>
+            <a:spLocks noGrp="1"/>
+          </p:cNvSpPr>
+          <p:nvPr>
+            <p:ph type="sldNum" sz="quarter" idx="12"/>
+          </p:nvPr>
+        </p:nvSpPr>
+        <p:spPr/>
+        <p:txBody>
+          <a:bodyPr/>
+          <a:lstStyle/>
+          <a:p>
+            <a:fld id="{B6DBDE6C-CA3C-4917-A15F-9F7A582A978E}" type="slidenum">
+              <a:rPr lang="pt-BR" smtClean="0"/>
+              <a:t>‹nº›</a:t>
+            </a:fld>
+            <a:endParaRPr lang="pt-BR"/>
+          </a:p>
+        </p:txBody>
+      </p:sp>
+    </p:spTree>
+    <p:extLst>
+      <p:ext uri="{BB962C8B-B14F-4D97-AF65-F5344CB8AC3E}">
+        <p14:creationId xmlns:p14="http://schemas.microsoft.com/office/powerpoint/2010/main" val="2647120966"/>
+      </p:ext>
+    </p:extLst>
+  </p:cSld>
+  <p:clrMapOvr>
+    <a:masterClrMapping/>
+  </p:clrMapOvr>
+</p:sldLayout>
+</file>
+
+<file path=ppt/slideLayouts/slideLayout16.xml><?xml version="1.0" encoding="utf-8"?>
 <p:sldLayout xmlns:a="http://schemas.openxmlformats.org/drawingml/2006/main" xmlns:r="http://schemas.openxmlformats.org/officeDocument/2006/relationships" xmlns:p="http://schemas.openxmlformats.org/presentationml/2006/main" type="vertTx" preserve="1">
   <p:cSld name="Título e Texto Vertical">
     <p:spTree>
@@ -1850,7 +3763,11 @@
         <p:spPr/>
         <p:txBody>
           <a:bodyPr/>
-          <a:lstStyle/>
+          <a:lstStyle>
+            <a:lvl1pPr algn="l">
+              <a:defRPr/>
+            </a:lvl1pPr>
+          </a:lstStyle>
           <a:p>
             <a:r>
               <a:rPr lang="pt-BR"/>
@@ -1872,7 +3789,7 @@
         </p:nvSpPr>
         <p:spPr/>
         <p:txBody>
-          <a:bodyPr vert="eaVert" lIns="45720" tIns="0" rIns="45720" bIns="0"/>
+          <a:bodyPr vert="eaVert" anchor="t"/>
           <a:lstStyle/>
           <a:p>
             <a:pPr lvl="0"/>
@@ -1929,7 +3846,7 @@
           <a:p>
             <a:fld id="{F6B27FDA-0672-4BC9-A961-7AEF5B3CD059}" type="datetimeFigureOut">
               <a:rPr lang="pt-BR" smtClean="0"/>
-              <a:t>04/02/2025</a:t>
+              <a:t>05/02/2025</a:t>
             </a:fld>
             <a:endParaRPr lang="pt-BR"/>
           </a:p>
@@ -1980,7 +3897,7 @@
     </p:spTree>
     <p:extLst>
       <p:ext uri="{BB962C8B-B14F-4D97-AF65-F5344CB8AC3E}">
-        <p14:creationId xmlns:p14="http://schemas.microsoft.com/office/powerpoint/2010/main" val="1614615155"/>
+        <p14:creationId xmlns:p14="http://schemas.microsoft.com/office/powerpoint/2010/main" val="2558841624"/>
       </p:ext>
     </p:extLst>
   </p:cSld>
@@ -1990,8 +3907,8 @@
 </p:sldLayout>
 </file>
 
-<file path=ppt/slideLayouts/slideLayout11.xml><?xml version="1.0" encoding="utf-8"?>
-<p:sldLayout xmlns:a="http://schemas.openxmlformats.org/drawingml/2006/main" xmlns:r="http://schemas.openxmlformats.org/officeDocument/2006/relationships" xmlns:p="http://schemas.openxmlformats.org/presentationml/2006/main" showMasterSp="0" type="vertTitleAndTx" preserve="1">
+<file path=ppt/slideLayouts/slideLayout17.xml><?xml version="1.0" encoding="utf-8"?>
+<p:sldLayout xmlns:a="http://schemas.openxmlformats.org/drawingml/2006/main" xmlns:r="http://schemas.openxmlformats.org/officeDocument/2006/relationships" xmlns:p="http://schemas.openxmlformats.org/presentationml/2006/main" type="vertTitleAndTx" preserve="1">
   <p:cSld name="Texto e Título Vertical">
     <p:spTree>
       <p:nvGrpSpPr>
@@ -2009,126 +3926,50 @@
       </p:grpSpPr>
       <p:sp>
         <p:nvSpPr>
-          <p:cNvPr id="7" name="Rectangle 6"/>
-          <p:cNvSpPr/>
-          <p:nvPr/>
+          <p:cNvPr id="2" name="Vertical Title 1"/>
+          <p:cNvSpPr>
+            <a:spLocks noGrp="1"/>
+          </p:cNvSpPr>
+          <p:nvPr>
+            <p:ph type="title" orient="vert"/>
+          </p:nvPr>
         </p:nvSpPr>
         <p:spPr>
           <a:xfrm>
-            <a:off x="3175" y="6400800"/>
-            <a:ext cx="12188825" cy="457200"/>
+            <a:off x="8685212" y="685800"/>
+            <a:ext cx="2057400" cy="4572000"/>
           </a:xfrm>
-          <a:prstGeom prst="rect">
-            <a:avLst/>
-          </a:prstGeom>
-          <a:solidFill>
-            <a:schemeClr val="accent2"/>
-          </a:solidFill>
-          <a:ln>
-            <a:noFill/>
-          </a:ln>
         </p:spPr>
-        <p:style>
-          <a:lnRef idx="2">
-            <a:schemeClr val="accent1">
-              <a:shade val="50000"/>
-            </a:schemeClr>
-          </a:lnRef>
-          <a:fillRef idx="1">
-            <a:schemeClr val="accent1"/>
-          </a:fillRef>
-          <a:effectRef idx="0">
-            <a:schemeClr val="accent1"/>
-          </a:effectRef>
-          <a:fontRef idx="minor">
-            <a:schemeClr val="lt1"/>
-          </a:fontRef>
-        </p:style>
-      </p:sp>
-      <p:sp>
-        <p:nvSpPr>
-          <p:cNvPr id="8" name="Rectangle 7"/>
-          <p:cNvSpPr/>
-          <p:nvPr/>
+        <p:txBody>
+          <a:bodyPr vert="eaVert"/>
+          <a:lstStyle/>
+          <a:p>
+            <a:r>
+              <a:rPr lang="pt-BR"/>
+              <a:t>Clique para editar o título Mestre</a:t>
+            </a:r>
+            <a:endParaRPr lang="en-US" dirty="0"/>
+          </a:p>
+        </p:txBody>
+      </p:sp>
+      <p:sp>
+        <p:nvSpPr>
+          <p:cNvPr id="3" name="Vertical Text Placeholder 2"/>
+          <p:cNvSpPr>
+            <a:spLocks noGrp="1"/>
+          </p:cNvSpPr>
+          <p:nvPr>
+            <p:ph type="body" orient="vert" idx="1"/>
+          </p:nvPr>
         </p:nvSpPr>
         <p:spPr>
           <a:xfrm>
-            <a:off x="15" y="6334316"/>
-            <a:ext cx="12188825" cy="64008"/>
-          </a:xfrm>
-          <a:prstGeom prst="rect">
-            <a:avLst/>
-          </a:prstGeom>
-          <a:solidFill>
-            <a:schemeClr val="accent1"/>
-          </a:solidFill>
-          <a:ln>
-            <a:noFill/>
-          </a:ln>
-        </p:spPr>
-        <p:style>
-          <a:lnRef idx="2">
-            <a:schemeClr val="accent1">
-              <a:shade val="50000"/>
-            </a:schemeClr>
-          </a:lnRef>
-          <a:fillRef idx="1">
-            <a:schemeClr val="accent1"/>
-          </a:fillRef>
-          <a:effectRef idx="0">
-            <a:schemeClr val="accent1"/>
-          </a:effectRef>
-          <a:fontRef idx="minor">
-            <a:schemeClr val="lt1"/>
-          </a:fontRef>
-        </p:style>
-      </p:sp>
-      <p:sp>
-        <p:nvSpPr>
-          <p:cNvPr id="2" name="Vertical Title 1"/>
-          <p:cNvSpPr>
-            <a:spLocks noGrp="1"/>
-          </p:cNvSpPr>
-          <p:nvPr>
-            <p:ph type="title" orient="vert"/>
-          </p:nvPr>
-        </p:nvSpPr>
-        <p:spPr>
-          <a:xfrm>
-            <a:off x="8724900" y="414778"/>
-            <a:ext cx="2628900" cy="5757421"/>
+            <a:off x="685800" y="685800"/>
+            <a:ext cx="7823200" cy="5308600"/>
           </a:xfrm>
         </p:spPr>
         <p:txBody>
-          <a:bodyPr vert="eaVert"/>
-          <a:lstStyle/>
-          <a:p>
-            <a:r>
-              <a:rPr lang="pt-BR"/>
-              <a:t>Clique para editar o título Mestre</a:t>
-            </a:r>
-            <a:endParaRPr lang="en-US" dirty="0"/>
-          </a:p>
-        </p:txBody>
-      </p:sp>
-      <p:sp>
-        <p:nvSpPr>
-          <p:cNvPr id="3" name="Vertical Text Placeholder 2"/>
-          <p:cNvSpPr>
-            <a:spLocks noGrp="1"/>
-          </p:cNvSpPr>
-          <p:nvPr>
-            <p:ph type="body" orient="vert" idx="1"/>
-          </p:nvPr>
-        </p:nvSpPr>
-        <p:spPr>
-          <a:xfrm>
-            <a:off x="838200" y="414778"/>
-            <a:ext cx="7734300" cy="5757422"/>
-          </a:xfrm>
-        </p:spPr>
-        <p:txBody>
-          <a:bodyPr vert="eaVert" lIns="45720" tIns="0" rIns="45720" bIns="0"/>
+          <a:bodyPr vert="eaVert" anchor="t"/>
           <a:lstStyle/>
           <a:p>
             <a:pPr lvl="0"/>
@@ -2185,7 +4026,7 @@
           <a:p>
             <a:fld id="{F6B27FDA-0672-4BC9-A961-7AEF5B3CD059}" type="datetimeFigureOut">
               <a:rPr lang="pt-BR" smtClean="0"/>
-              <a:t>04/02/2025</a:t>
+              <a:t>05/02/2025</a:t>
             </a:fld>
             <a:endParaRPr lang="pt-BR"/>
           </a:p>
@@ -2236,7 +4077,7 @@
     </p:spTree>
     <p:extLst>
       <p:ext uri="{BB962C8B-B14F-4D97-AF65-F5344CB8AC3E}">
-        <p14:creationId xmlns:p14="http://schemas.microsoft.com/office/powerpoint/2010/main" val="2661083812"/>
+        <p14:creationId xmlns:p14="http://schemas.microsoft.com/office/powerpoint/2010/main" val="2846711539"/>
       </p:ext>
     </p:extLst>
   </p:cSld>
@@ -2276,11 +4117,7 @@
         <p:spPr/>
         <p:txBody>
           <a:bodyPr/>
-          <a:lstStyle>
-            <a:lvl1pPr marL="0">
-              <a:defRPr/>
-            </a:lvl1pPr>
-          </a:lstStyle>
+          <a:lstStyle/>
           <a:p>
             <a:r>
               <a:rPr lang="pt-BR"/>
@@ -2302,64 +4139,64 @@
         </p:nvSpPr>
         <p:spPr/>
         <p:txBody>
+          <a:bodyPr anchor="ctr"/>
+          <a:lstStyle/>
+          <a:p>
+            <a:pPr lvl="0"/>
+            <a:r>
+              <a:rPr lang="pt-BR"/>
+              <a:t>Clique para editar os estilos de texto Mestres</a:t>
+            </a:r>
+          </a:p>
+          <a:p>
+            <a:pPr lvl="1"/>
+            <a:r>
+              <a:rPr lang="pt-BR"/>
+              <a:t>Segundo nível</a:t>
+            </a:r>
+          </a:p>
+          <a:p>
+            <a:pPr lvl="2"/>
+            <a:r>
+              <a:rPr lang="pt-BR"/>
+              <a:t>Terceiro nível</a:t>
+            </a:r>
+          </a:p>
+          <a:p>
+            <a:pPr lvl="3"/>
+            <a:r>
+              <a:rPr lang="pt-BR"/>
+              <a:t>Quarto nível</a:t>
+            </a:r>
+          </a:p>
+          <a:p>
+            <a:pPr lvl="4"/>
+            <a:r>
+              <a:rPr lang="pt-BR"/>
+              <a:t>Quinto nível</a:t>
+            </a:r>
+            <a:endParaRPr lang="en-US" dirty="0"/>
+          </a:p>
+        </p:txBody>
+      </p:sp>
+      <p:sp>
+        <p:nvSpPr>
+          <p:cNvPr id="4" name="Date Placeholder 3"/>
+          <p:cNvSpPr>
+            <a:spLocks noGrp="1"/>
+          </p:cNvSpPr>
+          <p:nvPr>
+            <p:ph type="dt" sz="half" idx="10"/>
+          </p:nvPr>
+        </p:nvSpPr>
+        <p:spPr/>
+        <p:txBody>
           <a:bodyPr/>
           <a:lstStyle/>
           <a:p>
-            <a:pPr lvl="0"/>
-            <a:r>
-              <a:rPr lang="pt-BR"/>
-              <a:t>Clique para editar os estilos de texto Mestres</a:t>
-            </a:r>
-          </a:p>
-          <a:p>
-            <a:pPr lvl="1"/>
-            <a:r>
-              <a:rPr lang="pt-BR"/>
-              <a:t>Segundo nível</a:t>
-            </a:r>
-          </a:p>
-          <a:p>
-            <a:pPr lvl="2"/>
-            <a:r>
-              <a:rPr lang="pt-BR"/>
-              <a:t>Terceiro nível</a:t>
-            </a:r>
-          </a:p>
-          <a:p>
-            <a:pPr lvl="3"/>
-            <a:r>
-              <a:rPr lang="pt-BR"/>
-              <a:t>Quarto nível</a:t>
-            </a:r>
-          </a:p>
-          <a:p>
-            <a:pPr lvl="4"/>
-            <a:r>
-              <a:rPr lang="pt-BR"/>
-              <a:t>Quinto nível</a:t>
-            </a:r>
-            <a:endParaRPr lang="en-US" dirty="0"/>
-          </a:p>
-        </p:txBody>
-      </p:sp>
-      <p:sp>
-        <p:nvSpPr>
-          <p:cNvPr id="4" name="Date Placeholder 3"/>
-          <p:cNvSpPr>
-            <a:spLocks noGrp="1"/>
-          </p:cNvSpPr>
-          <p:nvPr>
-            <p:ph type="dt" sz="half" idx="10"/>
-          </p:nvPr>
-        </p:nvSpPr>
-        <p:spPr/>
-        <p:txBody>
-          <a:bodyPr/>
-          <a:lstStyle/>
-          <a:p>
             <a:fld id="{F6B27FDA-0672-4BC9-A961-7AEF5B3CD059}" type="datetimeFigureOut">
               <a:rPr lang="pt-BR" smtClean="0"/>
-              <a:t>04/02/2025</a:t>
+              <a:t>05/02/2025</a:t>
             </a:fld>
             <a:endParaRPr lang="pt-BR"/>
           </a:p>
@@ -2410,7 +4247,7 @@
     </p:spTree>
     <p:extLst>
       <p:ext uri="{BB962C8B-B14F-4D97-AF65-F5344CB8AC3E}">
-        <p14:creationId xmlns:p14="http://schemas.microsoft.com/office/powerpoint/2010/main" val="3071497694"/>
+        <p14:creationId xmlns:p14="http://schemas.microsoft.com/office/powerpoint/2010/main" val="711537989"/>
       </p:ext>
     </p:extLst>
   </p:cSld>
@@ -2421,16 +4258,8 @@
 </file>
 
 <file path=ppt/slideLayouts/slideLayout3.xml><?xml version="1.0" encoding="utf-8"?>
-<p:sldLayout xmlns:a="http://schemas.openxmlformats.org/drawingml/2006/main" xmlns:r="http://schemas.openxmlformats.org/officeDocument/2006/relationships" xmlns:p="http://schemas.openxmlformats.org/presentationml/2006/main" showMasterSp="0" type="secHead" preserve="1">
+<p:sldLayout xmlns:a="http://schemas.openxmlformats.org/drawingml/2006/main" xmlns:r="http://schemas.openxmlformats.org/officeDocument/2006/relationships" xmlns:p="http://schemas.openxmlformats.org/presentationml/2006/main" type="secHead" preserve="1">
   <p:cSld name="Cabeçalho da Seção">
-    <p:bg>
-      <p:bgPr>
-        <a:solidFill>
-          <a:schemeClr val="bg1"/>
-        </a:solidFill>
-        <a:effectLst/>
-      </p:bgPr>
-    </p:bg>
     <p:spTree>
       <p:nvGrpSpPr>
         <p:cNvPr id="1" name=""/>
@@ -2447,113 +4276,27 @@
       </p:grpSpPr>
       <p:sp>
         <p:nvSpPr>
-          <p:cNvPr id="7" name="Rectangle 6"/>
-          <p:cNvSpPr/>
-          <p:nvPr/>
+          <p:cNvPr id="2" name="Title 1"/>
+          <p:cNvSpPr>
+            <a:spLocks noGrp="1"/>
+          </p:cNvSpPr>
+          <p:nvPr>
+            <p:ph type="title"/>
+          </p:nvPr>
         </p:nvSpPr>
         <p:spPr>
           <a:xfrm>
-            <a:off x="3175" y="6400800"/>
-            <a:ext cx="12188825" cy="457200"/>
-          </a:xfrm>
-          <a:prstGeom prst="rect">
-            <a:avLst/>
-          </a:prstGeom>
-          <a:solidFill>
-            <a:schemeClr val="accent2"/>
-          </a:solidFill>
-          <a:ln>
-            <a:noFill/>
-          </a:ln>
-        </p:spPr>
-        <p:style>
-          <a:lnRef idx="2">
-            <a:schemeClr val="accent1">
-              <a:shade val="50000"/>
-            </a:schemeClr>
-          </a:lnRef>
-          <a:fillRef idx="1">
-            <a:schemeClr val="accent1"/>
-          </a:fillRef>
-          <a:effectRef idx="0">
-            <a:schemeClr val="accent1"/>
-          </a:effectRef>
-          <a:fontRef idx="minor">
-            <a:schemeClr val="lt1"/>
-          </a:fontRef>
-        </p:style>
-      </p:sp>
-      <p:sp>
-        <p:nvSpPr>
-          <p:cNvPr id="8" name="Rectangle 7"/>
-          <p:cNvSpPr/>
-          <p:nvPr/>
-        </p:nvSpPr>
-        <p:spPr>
-          <a:xfrm>
-            <a:off x="15" y="6334316"/>
-            <a:ext cx="12188825" cy="64008"/>
-          </a:xfrm>
-          <a:prstGeom prst="rect">
-            <a:avLst/>
-          </a:prstGeom>
-          <a:solidFill>
-            <a:schemeClr val="accent1"/>
-          </a:solidFill>
-          <a:ln>
-            <a:noFill/>
-          </a:ln>
-        </p:spPr>
-        <p:style>
-          <a:lnRef idx="2">
-            <a:schemeClr val="accent1">
-              <a:shade val="50000"/>
-            </a:schemeClr>
-          </a:lnRef>
-          <a:fillRef idx="1">
-            <a:schemeClr val="accent1"/>
-          </a:fillRef>
-          <a:effectRef idx="0">
-            <a:schemeClr val="accent1"/>
-          </a:effectRef>
-          <a:fontRef idx="minor">
-            <a:schemeClr val="lt1"/>
-          </a:fontRef>
-        </p:style>
-      </p:sp>
-      <p:sp>
-        <p:nvSpPr>
-          <p:cNvPr id="2" name="Title 1"/>
-          <p:cNvSpPr>
-            <a:spLocks noGrp="1"/>
-          </p:cNvSpPr>
-          <p:nvPr>
-            <p:ph type="title"/>
-          </p:nvPr>
-        </p:nvSpPr>
-        <p:spPr>
-          <a:xfrm>
-            <a:off x="1097280" y="758952"/>
-            <a:ext cx="10058400" cy="3566160"/>
+            <a:off x="684211" y="2006600"/>
+            <a:ext cx="8534401" cy="2281600"/>
           </a:xfrm>
         </p:spPr>
         <p:txBody>
-          <a:bodyPr anchor="b" anchorCtr="0">
+          <a:bodyPr anchor="b">
             <a:normAutofit/>
           </a:bodyPr>
           <a:lstStyle>
-            <a:lvl1pPr>
-              <a:lnSpc>
-                <a:spcPct val="85000"/>
-              </a:lnSpc>
-              <a:defRPr sz="8000" b="0">
-                <a:solidFill>
-                  <a:schemeClr val="tx1">
-                    <a:lumMod val="85000"/>
-                    <a:lumOff val="15000"/>
-                  </a:schemeClr>
-                </a:solidFill>
-              </a:defRPr>
+            <a:lvl1pPr algn="l">
+              <a:defRPr sz="3600" b="0" cap="all"/>
             </a:lvl1pPr>
           </a:lstStyle>
           <a:p>
@@ -2577,22 +4320,23 @@
         </p:nvSpPr>
         <p:spPr>
           <a:xfrm>
-            <a:off x="1097280" y="4453128"/>
-            <a:ext cx="10058400" cy="1143000"/>
+            <a:off x="684213" y="4495800"/>
+            <a:ext cx="8534400" cy="1498600"/>
           </a:xfrm>
         </p:spPr>
         <p:txBody>
-          <a:bodyPr lIns="91440" rIns="91440" anchor="t" anchorCtr="0">
+          <a:bodyPr anchor="t">
             <a:normAutofit/>
           </a:bodyPr>
           <a:lstStyle>
-            <a:lvl1pPr marL="0" indent="0">
-              <a:buNone/>
-              <a:defRPr sz="2400" cap="all" spc="200" baseline="0">
-                <a:solidFill>
-                  <a:schemeClr val="tx2"/>
-                </a:solidFill>
-                <a:latin typeface="+mj-lt"/>
+            <a:lvl1pPr marL="0" indent="0" algn="l">
+              <a:buNone/>
+              <a:defRPr sz="1800">
+                <a:solidFill>
+                  <a:schemeClr val="bg2">
+                    <a:lumMod val="75000"/>
+                  </a:schemeClr>
+                </a:solidFill>
               </a:defRPr>
             </a:lvl1pPr>
             <a:lvl2pPr marL="457200" indent="0">
@@ -2702,7 +4446,7 @@
           <a:p>
             <a:fld id="{F6B27FDA-0672-4BC9-A961-7AEF5B3CD059}" type="datetimeFigureOut">
               <a:rPr lang="pt-BR" smtClean="0"/>
-              <a:t>04/02/2025</a:t>
+              <a:t>05/02/2025</a:t>
             </a:fld>
             <a:endParaRPr lang="pt-BR"/>
           </a:p>
@@ -2750,48 +4494,10 @@
           </a:p>
         </p:txBody>
       </p:sp>
-      <p:cxnSp>
-        <p:nvCxnSpPr>
-          <p:cNvPr id="9" name="Straight Connector 8"/>
-          <p:cNvCxnSpPr/>
-          <p:nvPr/>
-        </p:nvCxnSpPr>
-        <p:spPr>
-          <a:xfrm>
-            <a:off x="1207658" y="4343400"/>
-            <a:ext cx="9875520" cy="0"/>
-          </a:xfrm>
-          <a:prstGeom prst="line">
-            <a:avLst/>
-          </a:prstGeom>
-          <a:ln w="6350">
-            <a:solidFill>
-              <a:schemeClr val="tx1">
-                <a:lumMod val="50000"/>
-                <a:lumOff val="50000"/>
-              </a:schemeClr>
-            </a:solidFill>
-          </a:ln>
-        </p:spPr>
-        <p:style>
-          <a:lnRef idx="1">
-            <a:schemeClr val="accent1"/>
-          </a:lnRef>
-          <a:fillRef idx="0">
-            <a:schemeClr val="accent1"/>
-          </a:fillRef>
-          <a:effectRef idx="0">
-            <a:schemeClr val="accent1"/>
-          </a:effectRef>
-          <a:fontRef idx="minor">
-            <a:schemeClr val="tx1"/>
-          </a:fontRef>
-        </p:style>
-      </p:cxnSp>
     </p:spTree>
     <p:extLst>
       <p:ext uri="{BB962C8B-B14F-4D97-AF65-F5344CB8AC3E}">
-        <p14:creationId xmlns:p14="http://schemas.microsoft.com/office/powerpoint/2010/main" val="2248482065"/>
+        <p14:creationId xmlns:p14="http://schemas.microsoft.com/office/powerpoint/2010/main" val="1287738360"/>
       </p:ext>
     </p:extLst>
   </p:cSld>
@@ -2820,164 +4526,163 @@
       </p:grpSpPr>
       <p:sp>
         <p:nvSpPr>
-          <p:cNvPr id="8" name="Title 7"/>
+          <p:cNvPr id="2" name="Title 1"/>
           <p:cNvSpPr>
             <a:spLocks noGrp="1"/>
           </p:cNvSpPr>
           <p:nvPr>
             <p:ph type="title"/>
+          </p:nvPr>
+        </p:nvSpPr>
+        <p:spPr/>
+        <p:txBody>
+          <a:bodyPr/>
+          <a:lstStyle/>
+          <a:p>
+            <a:r>
+              <a:rPr lang="pt-BR"/>
+              <a:t>Clique para editar o título Mestre</a:t>
+            </a:r>
+            <a:endParaRPr lang="en-US" dirty="0"/>
+          </a:p>
+        </p:txBody>
+      </p:sp>
+      <p:sp>
+        <p:nvSpPr>
+          <p:cNvPr id="3" name="Content Placeholder 2"/>
+          <p:cNvSpPr>
+            <a:spLocks noGrp="1"/>
+          </p:cNvSpPr>
+          <p:nvPr>
+            <p:ph sz="half" idx="1"/>
           </p:nvPr>
         </p:nvSpPr>
         <p:spPr>
           <a:xfrm>
-            <a:off x="1097280" y="286603"/>
-            <a:ext cx="10058400" cy="1450757"/>
+            <a:off x="684211" y="685800"/>
+            <a:ext cx="4937655" cy="3615267"/>
           </a:xfrm>
         </p:spPr>
         <p:txBody>
+          <a:bodyPr>
+            <a:normAutofit/>
+          </a:bodyPr>
+          <a:lstStyle/>
+          <a:p>
+            <a:pPr lvl="0"/>
+            <a:r>
+              <a:rPr lang="pt-BR"/>
+              <a:t>Clique para editar os estilos de texto Mestres</a:t>
+            </a:r>
+          </a:p>
+          <a:p>
+            <a:pPr lvl="1"/>
+            <a:r>
+              <a:rPr lang="pt-BR"/>
+              <a:t>Segundo nível</a:t>
+            </a:r>
+          </a:p>
+          <a:p>
+            <a:pPr lvl="2"/>
+            <a:r>
+              <a:rPr lang="pt-BR"/>
+              <a:t>Terceiro nível</a:t>
+            </a:r>
+          </a:p>
+          <a:p>
+            <a:pPr lvl="3"/>
+            <a:r>
+              <a:rPr lang="pt-BR"/>
+              <a:t>Quarto nível</a:t>
+            </a:r>
+          </a:p>
+          <a:p>
+            <a:pPr lvl="4"/>
+            <a:r>
+              <a:rPr lang="pt-BR"/>
+              <a:t>Quinto nível</a:t>
+            </a:r>
+            <a:endParaRPr lang="en-US" dirty="0"/>
+          </a:p>
+        </p:txBody>
+      </p:sp>
+      <p:sp>
+        <p:nvSpPr>
+          <p:cNvPr id="4" name="Content Placeholder 3"/>
+          <p:cNvSpPr>
+            <a:spLocks noGrp="1"/>
+          </p:cNvSpPr>
+          <p:nvPr>
+            <p:ph sz="half" idx="2"/>
+          </p:nvPr>
+        </p:nvSpPr>
+        <p:spPr>
+          <a:xfrm>
+            <a:off x="5808133" y="685801"/>
+            <a:ext cx="4934479" cy="3615266"/>
+          </a:xfrm>
+        </p:spPr>
+        <p:txBody>
+          <a:bodyPr>
+            <a:normAutofit/>
+          </a:bodyPr>
+          <a:lstStyle/>
+          <a:p>
+            <a:pPr lvl="0"/>
+            <a:r>
+              <a:rPr lang="pt-BR"/>
+              <a:t>Clique para editar os estilos de texto Mestres</a:t>
+            </a:r>
+          </a:p>
+          <a:p>
+            <a:pPr lvl="1"/>
+            <a:r>
+              <a:rPr lang="pt-BR"/>
+              <a:t>Segundo nível</a:t>
+            </a:r>
+          </a:p>
+          <a:p>
+            <a:pPr lvl="2"/>
+            <a:r>
+              <a:rPr lang="pt-BR"/>
+              <a:t>Terceiro nível</a:t>
+            </a:r>
+          </a:p>
+          <a:p>
+            <a:pPr lvl="3"/>
+            <a:r>
+              <a:rPr lang="pt-BR"/>
+              <a:t>Quarto nível</a:t>
+            </a:r>
+          </a:p>
+          <a:p>
+            <a:pPr lvl="4"/>
+            <a:r>
+              <a:rPr lang="pt-BR"/>
+              <a:t>Quinto nível</a:t>
+            </a:r>
+            <a:endParaRPr lang="en-US" dirty="0"/>
+          </a:p>
+        </p:txBody>
+      </p:sp>
+      <p:sp>
+        <p:nvSpPr>
+          <p:cNvPr id="5" name="Date Placeholder 4"/>
+          <p:cNvSpPr>
+            <a:spLocks noGrp="1"/>
+          </p:cNvSpPr>
+          <p:nvPr>
+            <p:ph type="dt" sz="half" idx="10"/>
+          </p:nvPr>
+        </p:nvSpPr>
+        <p:spPr/>
+        <p:txBody>
           <a:bodyPr/>
           <a:lstStyle/>
           <a:p>
-            <a:r>
-              <a:rPr lang="pt-BR"/>
-              <a:t>Clique para editar o título Mestre</a:t>
-            </a:r>
-            <a:endParaRPr lang="en-US" dirty="0"/>
-          </a:p>
-        </p:txBody>
-      </p:sp>
-      <p:sp>
-        <p:nvSpPr>
-          <p:cNvPr id="3" name="Content Placeholder 2"/>
-          <p:cNvSpPr>
-            <a:spLocks noGrp="1"/>
-          </p:cNvSpPr>
-          <p:nvPr>
-            <p:ph sz="half" idx="1"/>
-          </p:nvPr>
-        </p:nvSpPr>
-        <p:spPr>
-          <a:xfrm>
-            <a:off x="1097279" y="1845734"/>
-            <a:ext cx="4937760" cy="4023360"/>
-          </a:xfrm>
-        </p:spPr>
-        <p:txBody>
-          <a:bodyPr/>
-          <a:lstStyle/>
-          <a:p>
-            <a:pPr lvl="0"/>
-            <a:r>
-              <a:rPr lang="pt-BR"/>
-              <a:t>Clique para editar os estilos de texto Mestres</a:t>
-            </a:r>
-          </a:p>
-          <a:p>
-            <a:pPr lvl="1"/>
-            <a:r>
-              <a:rPr lang="pt-BR"/>
-              <a:t>Segundo nível</a:t>
-            </a:r>
-          </a:p>
-          <a:p>
-            <a:pPr lvl="2"/>
-            <a:r>
-              <a:rPr lang="pt-BR"/>
-              <a:t>Terceiro nível</a:t>
-            </a:r>
-          </a:p>
-          <a:p>
-            <a:pPr lvl="3"/>
-            <a:r>
-              <a:rPr lang="pt-BR"/>
-              <a:t>Quarto nível</a:t>
-            </a:r>
-          </a:p>
-          <a:p>
-            <a:pPr lvl="4"/>
-            <a:r>
-              <a:rPr lang="pt-BR"/>
-              <a:t>Quinto nível</a:t>
-            </a:r>
-            <a:endParaRPr lang="en-US" dirty="0"/>
-          </a:p>
-        </p:txBody>
-      </p:sp>
-      <p:sp>
-        <p:nvSpPr>
-          <p:cNvPr id="4" name="Content Placeholder 3"/>
-          <p:cNvSpPr>
-            <a:spLocks noGrp="1"/>
-          </p:cNvSpPr>
-          <p:nvPr>
-            <p:ph sz="half" idx="2"/>
-          </p:nvPr>
-        </p:nvSpPr>
-        <p:spPr>
-          <a:xfrm>
-            <a:off x="6217920" y="1845735"/>
-            <a:ext cx="4937760" cy="4023360"/>
-          </a:xfrm>
-        </p:spPr>
-        <p:txBody>
-          <a:bodyPr/>
-          <a:lstStyle/>
-          <a:p>
-            <a:pPr lvl="0"/>
-            <a:r>
-              <a:rPr lang="pt-BR"/>
-              <a:t>Clique para editar os estilos de texto Mestres</a:t>
-            </a:r>
-          </a:p>
-          <a:p>
-            <a:pPr lvl="1"/>
-            <a:r>
-              <a:rPr lang="pt-BR"/>
-              <a:t>Segundo nível</a:t>
-            </a:r>
-          </a:p>
-          <a:p>
-            <a:pPr lvl="2"/>
-            <a:r>
-              <a:rPr lang="pt-BR"/>
-              <a:t>Terceiro nível</a:t>
-            </a:r>
-          </a:p>
-          <a:p>
-            <a:pPr lvl="3"/>
-            <a:r>
-              <a:rPr lang="pt-BR"/>
-              <a:t>Quarto nível</a:t>
-            </a:r>
-          </a:p>
-          <a:p>
-            <a:pPr lvl="4"/>
-            <a:r>
-              <a:rPr lang="pt-BR"/>
-              <a:t>Quinto nível</a:t>
-            </a:r>
-            <a:endParaRPr lang="en-US" dirty="0"/>
-          </a:p>
-        </p:txBody>
-      </p:sp>
-      <p:sp>
-        <p:nvSpPr>
-          <p:cNvPr id="5" name="Date Placeholder 4"/>
-          <p:cNvSpPr>
-            <a:spLocks noGrp="1"/>
-          </p:cNvSpPr>
-          <p:nvPr>
-            <p:ph type="dt" sz="half" idx="10"/>
-          </p:nvPr>
-        </p:nvSpPr>
-        <p:spPr/>
-        <p:txBody>
-          <a:bodyPr/>
-          <a:lstStyle/>
-          <a:p>
             <a:fld id="{F6B27FDA-0672-4BC9-A961-7AEF5B3CD059}" type="datetimeFigureOut">
               <a:rPr lang="pt-BR" smtClean="0"/>
-              <a:t>04/02/2025</a:t>
+              <a:t>05/02/2025</a:t>
             </a:fld>
             <a:endParaRPr lang="pt-BR"/>
           </a:p>
@@ -3028,7 +4733,7 @@
     </p:spTree>
     <p:extLst>
       <p:ext uri="{BB962C8B-B14F-4D97-AF65-F5344CB8AC3E}">
-        <p14:creationId xmlns:p14="http://schemas.microsoft.com/office/powerpoint/2010/main" val="1819168057"/>
+        <p14:creationId xmlns:p14="http://schemas.microsoft.com/office/powerpoint/2010/main" val="3429949950"/>
       </p:ext>
     </p:extLst>
   </p:cSld>
@@ -3057,58 +4762,57 @@
       </p:grpSpPr>
       <p:sp>
         <p:nvSpPr>
-          <p:cNvPr id="10" name="Title 9"/>
+          <p:cNvPr id="2" name="Title 1"/>
           <p:cNvSpPr>
             <a:spLocks noGrp="1"/>
           </p:cNvSpPr>
           <p:nvPr>
             <p:ph type="title"/>
+          </p:nvPr>
+        </p:nvSpPr>
+        <p:spPr/>
+        <p:txBody>
+          <a:bodyPr/>
+          <a:lstStyle>
+            <a:lvl1pPr>
+              <a:defRPr/>
+            </a:lvl1pPr>
+          </a:lstStyle>
+          <a:p>
+            <a:r>
+              <a:rPr lang="pt-BR"/>
+              <a:t>Clique para editar o título Mestre</a:t>
+            </a:r>
+            <a:endParaRPr lang="en-US" dirty="0"/>
+          </a:p>
+        </p:txBody>
+      </p:sp>
+      <p:sp>
+        <p:nvSpPr>
+          <p:cNvPr id="3" name="Text Placeholder 2"/>
+          <p:cNvSpPr>
+            <a:spLocks noGrp="1"/>
+          </p:cNvSpPr>
+          <p:nvPr>
+            <p:ph type="body" idx="1"/>
           </p:nvPr>
         </p:nvSpPr>
         <p:spPr>
           <a:xfrm>
-            <a:off x="1097280" y="286603"/>
-            <a:ext cx="10058400" cy="1450757"/>
+            <a:off x="972080" y="685800"/>
+            <a:ext cx="4649787" cy="576262"/>
           </a:xfrm>
         </p:spPr>
         <p:txBody>
-          <a:bodyPr/>
-          <a:lstStyle/>
-          <a:p>
-            <a:r>
-              <a:rPr lang="pt-BR"/>
-              <a:t>Clique para editar o título Mestre</a:t>
-            </a:r>
-            <a:endParaRPr lang="en-US" dirty="0"/>
-          </a:p>
-        </p:txBody>
-      </p:sp>
-      <p:sp>
-        <p:nvSpPr>
-          <p:cNvPr id="3" name="Text Placeholder 2"/>
-          <p:cNvSpPr>
-            <a:spLocks noGrp="1"/>
-          </p:cNvSpPr>
-          <p:nvPr>
-            <p:ph type="body" idx="1"/>
-          </p:nvPr>
-        </p:nvSpPr>
-        <p:spPr>
-          <a:xfrm>
-            <a:off x="1097280" y="1846052"/>
-            <a:ext cx="4937760" cy="736282"/>
-          </a:xfrm>
-        </p:spPr>
-        <p:txBody>
-          <a:bodyPr lIns="91440" rIns="91440" anchor="ctr">
-            <a:normAutofit/>
+          <a:bodyPr anchor="b">
+            <a:noAutofit/>
           </a:bodyPr>
           <a:lstStyle>
             <a:lvl1pPr marL="0" indent="0">
               <a:buNone/>
-              <a:defRPr sz="2000" b="0" cap="all" baseline="0">
-                <a:solidFill>
-                  <a:schemeClr val="tx2"/>
+              <a:defRPr sz="2800" b="0">
+                <a:solidFill>
+                  <a:schemeClr val="tx1"/>
                 </a:solidFill>
               </a:defRPr>
             </a:lvl1pPr>
@@ -3166,12 +4870,14 @@
         </p:nvSpPr>
         <p:spPr>
           <a:xfrm>
-            <a:off x="1097280" y="2582334"/>
-            <a:ext cx="4937760" cy="3378200"/>
+            <a:off x="684211" y="1270529"/>
+            <a:ext cx="4937655" cy="3030538"/>
           </a:xfrm>
         </p:spPr>
         <p:txBody>
-          <a:bodyPr/>
+          <a:bodyPr anchor="t">
+            <a:normAutofit/>
+          </a:bodyPr>
           <a:lstStyle/>
           <a:p>
             <a:pPr lvl="0"/>
@@ -3223,20 +4929,20 @@
         </p:nvSpPr>
         <p:spPr>
           <a:xfrm>
-            <a:off x="6217920" y="1846052"/>
-            <a:ext cx="4937760" cy="736282"/>
+            <a:off x="6079066" y="685800"/>
+            <a:ext cx="4665134" cy="576262"/>
           </a:xfrm>
         </p:spPr>
         <p:txBody>
-          <a:bodyPr lIns="91440" rIns="91440" anchor="ctr">
-            <a:normAutofit/>
+          <a:bodyPr anchor="b">
+            <a:noAutofit/>
           </a:bodyPr>
           <a:lstStyle>
             <a:lvl1pPr marL="0" indent="0">
               <a:buNone/>
-              <a:defRPr sz="2000" b="0" cap="all" baseline="0">
-                <a:solidFill>
-                  <a:schemeClr val="tx2"/>
+              <a:defRPr sz="2800" b="0">
+                <a:solidFill>
+                  <a:schemeClr val="tx1"/>
                 </a:solidFill>
               </a:defRPr>
             </a:lvl1pPr>
@@ -3294,69 +5000,71 @@
         </p:nvSpPr>
         <p:spPr>
           <a:xfrm>
-            <a:off x="6217920" y="2582334"/>
-            <a:ext cx="4937760" cy="3378200"/>
+            <a:off x="5806545" y="1262062"/>
+            <a:ext cx="4929188" cy="3030538"/>
           </a:xfrm>
         </p:spPr>
         <p:txBody>
+          <a:bodyPr anchor="t">
+            <a:normAutofit/>
+          </a:bodyPr>
+          <a:lstStyle/>
+          <a:p>
+            <a:pPr lvl="0"/>
+            <a:r>
+              <a:rPr lang="pt-BR"/>
+              <a:t>Clique para editar os estilos de texto Mestres</a:t>
+            </a:r>
+          </a:p>
+          <a:p>
+            <a:pPr lvl="1"/>
+            <a:r>
+              <a:rPr lang="pt-BR"/>
+              <a:t>Segundo nível</a:t>
+            </a:r>
+          </a:p>
+          <a:p>
+            <a:pPr lvl="2"/>
+            <a:r>
+              <a:rPr lang="pt-BR"/>
+              <a:t>Terceiro nível</a:t>
+            </a:r>
+          </a:p>
+          <a:p>
+            <a:pPr lvl="3"/>
+            <a:r>
+              <a:rPr lang="pt-BR"/>
+              <a:t>Quarto nível</a:t>
+            </a:r>
+          </a:p>
+          <a:p>
+            <a:pPr lvl="4"/>
+            <a:r>
+              <a:rPr lang="pt-BR"/>
+              <a:t>Quinto nível</a:t>
+            </a:r>
+            <a:endParaRPr lang="en-US" dirty="0"/>
+          </a:p>
+        </p:txBody>
+      </p:sp>
+      <p:sp>
+        <p:nvSpPr>
+          <p:cNvPr id="7" name="Date Placeholder 6"/>
+          <p:cNvSpPr>
+            <a:spLocks noGrp="1"/>
+          </p:cNvSpPr>
+          <p:nvPr>
+            <p:ph type="dt" sz="half" idx="10"/>
+          </p:nvPr>
+        </p:nvSpPr>
+        <p:spPr/>
+        <p:txBody>
           <a:bodyPr/>
           <a:lstStyle/>
           <a:p>
-            <a:pPr lvl="0"/>
-            <a:r>
-              <a:rPr lang="pt-BR"/>
-              <a:t>Clique para editar os estilos de texto Mestres</a:t>
-            </a:r>
-          </a:p>
-          <a:p>
-            <a:pPr lvl="1"/>
-            <a:r>
-              <a:rPr lang="pt-BR"/>
-              <a:t>Segundo nível</a:t>
-            </a:r>
-          </a:p>
-          <a:p>
-            <a:pPr lvl="2"/>
-            <a:r>
-              <a:rPr lang="pt-BR"/>
-              <a:t>Terceiro nível</a:t>
-            </a:r>
-          </a:p>
-          <a:p>
-            <a:pPr lvl="3"/>
-            <a:r>
-              <a:rPr lang="pt-BR"/>
-              <a:t>Quarto nível</a:t>
-            </a:r>
-          </a:p>
-          <a:p>
-            <a:pPr lvl="4"/>
-            <a:r>
-              <a:rPr lang="pt-BR"/>
-              <a:t>Quinto nível</a:t>
-            </a:r>
-            <a:endParaRPr lang="en-US" dirty="0"/>
-          </a:p>
-        </p:txBody>
-      </p:sp>
-      <p:sp>
-        <p:nvSpPr>
-          <p:cNvPr id="7" name="Date Placeholder 6"/>
-          <p:cNvSpPr>
-            <a:spLocks noGrp="1"/>
-          </p:cNvSpPr>
-          <p:nvPr>
-            <p:ph type="dt" sz="half" idx="10"/>
-          </p:nvPr>
-        </p:nvSpPr>
-        <p:spPr/>
-        <p:txBody>
-          <a:bodyPr/>
-          <a:lstStyle/>
-          <a:p>
             <a:fld id="{F6B27FDA-0672-4BC9-A961-7AEF5B3CD059}" type="datetimeFigureOut">
               <a:rPr lang="pt-BR" smtClean="0"/>
-              <a:t>04/02/2025</a:t>
+              <a:t>05/02/2025</a:t>
             </a:fld>
             <a:endParaRPr lang="pt-BR"/>
           </a:p>
@@ -3407,7 +5115,7 @@
     </p:spTree>
     <p:extLst>
       <p:ext uri="{BB962C8B-B14F-4D97-AF65-F5344CB8AC3E}">
-        <p14:creationId xmlns:p14="http://schemas.microsoft.com/office/powerpoint/2010/main" val="3364080897"/>
+        <p14:creationId xmlns:p14="http://schemas.microsoft.com/office/powerpoint/2010/main" val="1119570365"/>
       </p:ext>
     </p:extLst>
   </p:cSld>
@@ -3474,7 +5182,7 @@
           <a:p>
             <a:fld id="{F6B27FDA-0672-4BC9-A961-7AEF5B3CD059}" type="datetimeFigureOut">
               <a:rPr lang="pt-BR" smtClean="0"/>
-              <a:t>04/02/2025</a:t>
+              <a:t>05/02/2025</a:t>
             </a:fld>
             <a:endParaRPr lang="pt-BR"/>
           </a:p>
@@ -3525,7 +5233,7 @@
     </p:spTree>
     <p:extLst>
       <p:ext uri="{BB962C8B-B14F-4D97-AF65-F5344CB8AC3E}">
-        <p14:creationId xmlns:p14="http://schemas.microsoft.com/office/powerpoint/2010/main" val="3202114712"/>
+        <p14:creationId xmlns:p14="http://schemas.microsoft.com/office/powerpoint/2010/main" val="2036520587"/>
       </p:ext>
     </p:extLst>
   </p:cSld>
@@ -3536,7 +5244,7 @@
 </file>
 
 <file path=ppt/slideLayouts/slideLayout7.xml><?xml version="1.0" encoding="utf-8"?>
-<p:sldLayout xmlns:a="http://schemas.openxmlformats.org/drawingml/2006/main" xmlns:r="http://schemas.openxmlformats.org/officeDocument/2006/relationships" xmlns:p="http://schemas.openxmlformats.org/presentationml/2006/main" showMasterSp="0" type="blank" preserve="1">
+<p:sldLayout xmlns:a="http://schemas.openxmlformats.org/drawingml/2006/main" xmlns:r="http://schemas.openxmlformats.org/officeDocument/2006/relationships" xmlns:p="http://schemas.openxmlformats.org/presentationml/2006/main" type="blank" preserve="1">
   <p:cSld name="Em Branco">
     <p:spTree>
       <p:nvGrpSpPr>
@@ -3554,83 +5262,7 @@
       </p:grpSpPr>
       <p:sp>
         <p:nvSpPr>
-          <p:cNvPr id="5" name="Rectangle 4"/>
-          <p:cNvSpPr/>
-          <p:nvPr/>
-        </p:nvSpPr>
-        <p:spPr>
-          <a:xfrm>
-            <a:off x="3175" y="6400800"/>
-            <a:ext cx="12188825" cy="457200"/>
-          </a:xfrm>
-          <a:prstGeom prst="rect">
-            <a:avLst/>
-          </a:prstGeom>
-          <a:solidFill>
-            <a:schemeClr val="accent2"/>
-          </a:solidFill>
-          <a:ln>
-            <a:noFill/>
-          </a:ln>
-        </p:spPr>
-        <p:style>
-          <a:lnRef idx="2">
-            <a:schemeClr val="accent1">
-              <a:shade val="50000"/>
-            </a:schemeClr>
-          </a:lnRef>
-          <a:fillRef idx="1">
-            <a:schemeClr val="accent1"/>
-          </a:fillRef>
-          <a:effectRef idx="0">
-            <a:schemeClr val="accent1"/>
-          </a:effectRef>
-          <a:fontRef idx="minor">
-            <a:schemeClr val="lt1"/>
-          </a:fontRef>
-        </p:style>
-      </p:sp>
-      <p:sp>
-        <p:nvSpPr>
-          <p:cNvPr id="6" name="Rectangle 5"/>
-          <p:cNvSpPr/>
-          <p:nvPr/>
-        </p:nvSpPr>
-        <p:spPr>
-          <a:xfrm>
-            <a:off x="15" y="6334316"/>
-            <a:ext cx="12188825" cy="64008"/>
-          </a:xfrm>
-          <a:prstGeom prst="rect">
-            <a:avLst/>
-          </a:prstGeom>
-          <a:solidFill>
-            <a:schemeClr val="accent1"/>
-          </a:solidFill>
-          <a:ln>
-            <a:noFill/>
-          </a:ln>
-        </p:spPr>
-        <p:style>
-          <a:lnRef idx="2">
-            <a:schemeClr val="accent1">
-              <a:shade val="50000"/>
-            </a:schemeClr>
-          </a:lnRef>
-          <a:fillRef idx="1">
-            <a:schemeClr val="accent1"/>
-          </a:fillRef>
-          <a:effectRef idx="0">
-            <a:schemeClr val="accent1"/>
-          </a:effectRef>
-          <a:fontRef idx="minor">
-            <a:schemeClr val="lt1"/>
-          </a:fontRef>
-        </p:style>
-      </p:sp>
-      <p:sp>
-        <p:nvSpPr>
-          <p:cNvPr id="7" name="Date Placeholder 6"/>
+          <p:cNvPr id="2" name="Date Placeholder 1"/>
           <p:cNvSpPr>
             <a:spLocks noGrp="1"/>
           </p:cNvSpPr>
@@ -3645,7 +5277,7 @@
           <a:p>
             <a:fld id="{F6B27FDA-0672-4BC9-A961-7AEF5B3CD059}" type="datetimeFigureOut">
               <a:rPr lang="pt-BR" smtClean="0"/>
-              <a:t>04/02/2025</a:t>
+              <a:t>05/02/2025</a:t>
             </a:fld>
             <a:endParaRPr lang="pt-BR"/>
           </a:p>
@@ -3653,7 +5285,7 @@
       </p:sp>
       <p:sp>
         <p:nvSpPr>
-          <p:cNvPr id="8" name="Footer Placeholder 7"/>
+          <p:cNvPr id="3" name="Footer Placeholder 2"/>
           <p:cNvSpPr>
             <a:spLocks noGrp="1"/>
           </p:cNvSpPr>
@@ -3664,15 +5296,7 @@
         <p:spPr/>
         <p:txBody>
           <a:bodyPr/>
-          <a:lstStyle>
-            <a:lvl1pPr>
-              <a:defRPr>
-                <a:solidFill>
-                  <a:srgbClr val="FFFFFF"/>
-                </a:solidFill>
-              </a:defRPr>
-            </a:lvl1pPr>
-          </a:lstStyle>
+          <a:lstStyle/>
           <a:p>
             <a:endParaRPr lang="pt-BR"/>
           </a:p>
@@ -3680,7 +5304,7 @@
       </p:sp>
       <p:sp>
         <p:nvSpPr>
-          <p:cNvPr id="9" name="Slide Number Placeholder 8"/>
+          <p:cNvPr id="4" name="Slide Number Placeholder 3"/>
           <p:cNvSpPr>
             <a:spLocks noGrp="1"/>
           </p:cNvSpPr>
@@ -3704,7 +5328,7 @@
     </p:spTree>
     <p:extLst>
       <p:ext uri="{BB962C8B-B14F-4D97-AF65-F5344CB8AC3E}">
-        <p14:creationId xmlns:p14="http://schemas.microsoft.com/office/powerpoint/2010/main" val="2584454710"/>
+        <p14:creationId xmlns:p14="http://schemas.microsoft.com/office/powerpoint/2010/main" val="1186953429"/>
       </p:ext>
     </p:extLst>
   </p:cSld>
@@ -3715,7 +5339,7 @@
 </file>
 
 <file path=ppt/slideLayouts/slideLayout8.xml><?xml version="1.0" encoding="utf-8"?>
-<p:sldLayout xmlns:a="http://schemas.openxmlformats.org/drawingml/2006/main" xmlns:r="http://schemas.openxmlformats.org/officeDocument/2006/relationships" xmlns:p="http://schemas.openxmlformats.org/presentationml/2006/main" showMasterSp="0" type="objTx" preserve="1">
+<p:sldLayout xmlns:a="http://schemas.openxmlformats.org/drawingml/2006/main" xmlns:r="http://schemas.openxmlformats.org/officeDocument/2006/relationships" xmlns:p="http://schemas.openxmlformats.org/presentationml/2006/main" type="objTx" preserve="1">
   <p:cSld name="Conteúdo com Legenda">
     <p:spTree>
       <p:nvGrpSpPr>
@@ -3733,94 +5357,18 @@
       </p:grpSpPr>
       <p:sp>
         <p:nvSpPr>
-          <p:cNvPr id="8" name="Rectangle 7"/>
-          <p:cNvSpPr/>
-          <p:nvPr/>
+          <p:cNvPr id="2" name="Title 1"/>
+          <p:cNvSpPr>
+            <a:spLocks noGrp="1"/>
+          </p:cNvSpPr>
+          <p:nvPr>
+            <p:ph type="title"/>
+          </p:nvPr>
         </p:nvSpPr>
         <p:spPr>
           <a:xfrm>
-            <a:off x="16" y="0"/>
-            <a:ext cx="4050791" cy="6858000"/>
-          </a:xfrm>
-          <a:prstGeom prst="rect">
-            <a:avLst/>
-          </a:prstGeom>
-          <a:solidFill>
-            <a:schemeClr val="accent2"/>
-          </a:solidFill>
-          <a:ln>
-            <a:noFill/>
-          </a:ln>
-        </p:spPr>
-        <p:style>
-          <a:lnRef idx="2">
-            <a:schemeClr val="accent1">
-              <a:shade val="50000"/>
-            </a:schemeClr>
-          </a:lnRef>
-          <a:fillRef idx="1">
-            <a:schemeClr val="accent1"/>
-          </a:fillRef>
-          <a:effectRef idx="0">
-            <a:schemeClr val="accent1"/>
-          </a:effectRef>
-          <a:fontRef idx="minor">
-            <a:schemeClr val="lt1"/>
-          </a:fontRef>
-        </p:style>
-      </p:sp>
-      <p:sp>
-        <p:nvSpPr>
-          <p:cNvPr id="9" name="Rectangle 8"/>
-          <p:cNvSpPr/>
-          <p:nvPr/>
-        </p:nvSpPr>
-        <p:spPr>
-          <a:xfrm>
-            <a:off x="4040071" y="0"/>
-            <a:ext cx="64008" cy="6858000"/>
-          </a:xfrm>
-          <a:prstGeom prst="rect">
-            <a:avLst/>
-          </a:prstGeom>
-          <a:solidFill>
-            <a:schemeClr val="accent1"/>
-          </a:solidFill>
-          <a:ln>
-            <a:noFill/>
-          </a:ln>
-        </p:spPr>
-        <p:style>
-          <a:lnRef idx="2">
-            <a:schemeClr val="accent1">
-              <a:shade val="50000"/>
-            </a:schemeClr>
-          </a:lnRef>
-          <a:fillRef idx="1">
-            <a:schemeClr val="accent1"/>
-          </a:fillRef>
-          <a:effectRef idx="0">
-            <a:schemeClr val="accent1"/>
-          </a:effectRef>
-          <a:fontRef idx="minor">
-            <a:schemeClr val="lt1"/>
-          </a:fontRef>
-        </p:style>
-      </p:sp>
-      <p:sp>
-        <p:nvSpPr>
-          <p:cNvPr id="2" name="Title 1"/>
-          <p:cNvSpPr>
-            <a:spLocks noGrp="1"/>
-          </p:cNvSpPr>
-          <p:nvPr>
-            <p:ph type="title"/>
-          </p:nvPr>
-        </p:nvSpPr>
-        <p:spPr>
-          <a:xfrm>
-            <a:off x="457200" y="594359"/>
-            <a:ext cx="3200400" cy="2286000"/>
+            <a:off x="7085012" y="685800"/>
+            <a:ext cx="3657600" cy="1371600"/>
           </a:xfrm>
         </p:spPr>
         <p:txBody>
@@ -3828,12 +5376,8 @@
             <a:normAutofit/>
           </a:bodyPr>
           <a:lstStyle>
-            <a:lvl1pPr>
-              <a:defRPr sz="3600" b="0">
-                <a:solidFill>
-                  <a:srgbClr val="FFFFFF"/>
-                </a:solidFill>
-              </a:defRPr>
+            <a:lvl1pPr algn="l">
+              <a:defRPr sz="2400" b="0"/>
             </a:lvl1pPr>
           </a:lstStyle>
           <a:p>
@@ -3857,12 +5401,14 @@
         </p:nvSpPr>
         <p:spPr>
           <a:xfrm>
-            <a:off x="4800600" y="731520"/>
-            <a:ext cx="6492240" cy="5257800"/>
+            <a:off x="684212" y="685800"/>
+            <a:ext cx="5943601" cy="5308600"/>
           </a:xfrm>
         </p:spPr>
         <p:txBody>
-          <a:bodyPr/>
+          <a:bodyPr anchor="ctr">
+            <a:normAutofit/>
+          </a:bodyPr>
           <a:lstStyle/>
           <a:p>
             <a:pPr lvl="0"/>
@@ -3914,22 +5460,18 @@
         </p:nvSpPr>
         <p:spPr>
           <a:xfrm>
-            <a:off x="457200" y="2926080"/>
-            <a:ext cx="3200400" cy="3379124"/>
+            <a:off x="7085012" y="2209799"/>
+            <a:ext cx="3657600" cy="2091267"/>
           </a:xfrm>
         </p:spPr>
         <p:txBody>
-          <a:bodyPr lIns="91440" rIns="91440">
+          <a:bodyPr anchor="t">
             <a:normAutofit/>
           </a:bodyPr>
           <a:lstStyle>
             <a:lvl1pPr marL="0" indent="0">
               <a:buNone/>
-              <a:defRPr sz="1500">
-                <a:solidFill>
-                  <a:srgbClr val="FFFFFF"/>
-                </a:solidFill>
-              </a:defRPr>
+              <a:defRPr sz="1600"/>
             </a:lvl1pPr>
             <a:lvl2pPr marL="457200" indent="0">
               <a:buNone/>
@@ -3983,23 +5525,14 @@
             <p:ph type="dt" sz="half" idx="10"/>
           </p:nvPr>
         </p:nvSpPr>
-        <p:spPr>
-          <a:xfrm>
-            <a:off x="465512" y="6459785"/>
-            <a:ext cx="2618510" cy="365125"/>
-          </a:xfrm>
-        </p:spPr>
+        <p:spPr/>
         <p:txBody>
           <a:bodyPr/>
-          <a:lstStyle>
-            <a:lvl1pPr algn="l">
-              <a:defRPr/>
-            </a:lvl1pPr>
-          </a:lstStyle>
+          <a:lstStyle/>
           <a:p>
             <a:fld id="{F6B27FDA-0672-4BC9-A961-7AEF5B3CD059}" type="datetimeFigureOut">
               <a:rPr lang="pt-BR" smtClean="0"/>
-              <a:t>04/02/2025</a:t>
+              <a:t>05/02/2025</a:t>
             </a:fld>
             <a:endParaRPr lang="pt-BR"/>
           </a:p>
@@ -4015,23 +5548,10 @@
             <p:ph type="ftr" sz="quarter" idx="11"/>
           </p:nvPr>
         </p:nvSpPr>
-        <p:spPr>
-          <a:xfrm>
-            <a:off x="4800600" y="6459785"/>
-            <a:ext cx="4648200" cy="365125"/>
-          </a:xfrm>
-        </p:spPr>
+        <p:spPr/>
         <p:txBody>
           <a:bodyPr/>
-          <a:lstStyle>
-            <a:lvl1pPr algn="l">
-              <a:defRPr>
-                <a:solidFill>
-                  <a:schemeClr val="tx2"/>
-                </a:solidFill>
-              </a:defRPr>
-            </a:lvl1pPr>
-          </a:lstStyle>
+          <a:lstStyle/>
           <a:p>
             <a:endParaRPr lang="pt-BR"/>
           </a:p>
@@ -4050,15 +5570,7 @@
         <p:spPr/>
         <p:txBody>
           <a:bodyPr/>
-          <a:lstStyle>
-            <a:lvl1pPr>
-              <a:defRPr>
-                <a:solidFill>
-                  <a:schemeClr val="tx2"/>
-                </a:solidFill>
-              </a:defRPr>
-            </a:lvl1pPr>
-          </a:lstStyle>
+          <a:lstStyle/>
           <a:p>
             <a:fld id="{B6DBDE6C-CA3C-4917-A15F-9F7A582A978E}" type="slidenum">
               <a:rPr lang="pt-BR" smtClean="0"/>
@@ -4071,7 +5583,7 @@
     </p:spTree>
     <p:extLst>
       <p:ext uri="{BB962C8B-B14F-4D97-AF65-F5344CB8AC3E}">
-        <p14:creationId xmlns:p14="http://schemas.microsoft.com/office/powerpoint/2010/main" val="1927897898"/>
+        <p14:creationId xmlns:p14="http://schemas.microsoft.com/office/powerpoint/2010/main" val="1847935982"/>
       </p:ext>
     </p:extLst>
   </p:cSld>
@@ -4082,7 +5594,7 @@
 </file>
 
 <file path=ppt/slideLayouts/slideLayout9.xml><?xml version="1.0" encoding="utf-8"?>
-<p:sldLayout xmlns:a="http://schemas.openxmlformats.org/drawingml/2006/main" xmlns:r="http://schemas.openxmlformats.org/officeDocument/2006/relationships" xmlns:p="http://schemas.openxmlformats.org/presentationml/2006/main" showMasterSp="0" type="picTx" preserve="1">
+<p:sldLayout xmlns:a="http://schemas.openxmlformats.org/drawingml/2006/main" xmlns:r="http://schemas.openxmlformats.org/officeDocument/2006/relationships" xmlns:p="http://schemas.openxmlformats.org/presentationml/2006/main" type="picTx" preserve="1">
   <p:cSld name="Imagem com Legenda">
     <p:spTree>
       <p:nvGrpSpPr>
@@ -4100,227 +5612,149 @@
       </p:grpSpPr>
       <p:sp>
         <p:nvSpPr>
-          <p:cNvPr id="8" name="Rectangle 7"/>
-          <p:cNvSpPr/>
-          <p:nvPr/>
+          <p:cNvPr id="2" name="Title 1"/>
+          <p:cNvSpPr>
+            <a:spLocks noGrp="1"/>
+          </p:cNvSpPr>
+          <p:nvPr>
+            <p:ph type="title"/>
+          </p:nvPr>
         </p:nvSpPr>
         <p:spPr>
           <a:xfrm>
-            <a:off x="0" y="4953000"/>
-            <a:ext cx="12188825" cy="1905000"/>
+            <a:off x="4722812" y="1447800"/>
+            <a:ext cx="6019800" cy="1143000"/>
           </a:xfrm>
-          <a:prstGeom prst="rect">
-            <a:avLst/>
-          </a:prstGeom>
-          <a:solidFill>
-            <a:schemeClr val="accent2"/>
-          </a:solidFill>
-          <a:ln>
-            <a:noFill/>
-          </a:ln>
         </p:spPr>
-        <p:style>
-          <a:lnRef idx="2">
-            <a:schemeClr val="accent1">
-              <a:shade val="50000"/>
-            </a:schemeClr>
-          </a:lnRef>
-          <a:fillRef idx="1">
-            <a:schemeClr val="accent1"/>
-          </a:fillRef>
-          <a:effectRef idx="0">
-            <a:schemeClr val="accent1"/>
-          </a:effectRef>
-          <a:fontRef idx="minor">
-            <a:schemeClr val="lt1"/>
-          </a:fontRef>
-        </p:style>
-      </p:sp>
-      <p:sp>
-        <p:nvSpPr>
-          <p:cNvPr id="9" name="Rectangle 8"/>
-          <p:cNvSpPr/>
-          <p:nvPr/>
+        <p:txBody>
+          <a:bodyPr anchor="b">
+            <a:normAutofit/>
+          </a:bodyPr>
+          <a:lstStyle>
+            <a:lvl1pPr algn="l">
+              <a:defRPr sz="2800" b="0"/>
+            </a:lvl1pPr>
+          </a:lstStyle>
+          <a:p>
+            <a:r>
+              <a:rPr lang="pt-BR"/>
+              <a:t>Clique para editar o título Mestre</a:t>
+            </a:r>
+            <a:endParaRPr lang="en-US" dirty="0"/>
+          </a:p>
+        </p:txBody>
+      </p:sp>
+      <p:sp>
+        <p:nvSpPr>
+          <p:cNvPr id="14" name="Picture Placeholder 2"/>
+          <p:cNvSpPr>
+            <a:spLocks noGrp="1" noChangeAspect="1"/>
+          </p:cNvSpPr>
+          <p:nvPr>
+            <p:ph type="pic" idx="1"/>
+          </p:nvPr>
         </p:nvSpPr>
         <p:spPr>
           <a:xfrm>
-            <a:off x="15" y="4915076"/>
-            <a:ext cx="12188825" cy="64008"/>
+            <a:off x="989012" y="914400"/>
+            <a:ext cx="3280974" cy="4572000"/>
           </a:xfrm>
-          <a:prstGeom prst="rect">
-            <a:avLst/>
+          <a:prstGeom prst="snip2DiagRect">
+            <a:avLst>
+              <a:gd name="adj1" fmla="val 10815"/>
+              <a:gd name="adj2" fmla="val 0"/>
+            </a:avLst>
           </a:prstGeom>
-          <a:solidFill>
-            <a:schemeClr val="accent1"/>
-          </a:solidFill>
-          <a:ln>
-            <a:noFill/>
+          <a:ln w="15875">
+            <a:solidFill>
+              <a:schemeClr val="tx1">
+                <a:alpha val="40000"/>
+              </a:schemeClr>
+            </a:solidFill>
           </a:ln>
+          <a:effectLst>
+            <a:innerShdw blurRad="57150" dist="38100" dir="14460000">
+              <a:srgbClr val="000000">
+                <a:alpha val="70000"/>
+              </a:srgbClr>
+            </a:innerShdw>
+          </a:effectLst>
         </p:spPr>
-        <p:style>
-          <a:lnRef idx="2">
-            <a:schemeClr val="accent1">
-              <a:shade val="50000"/>
-            </a:schemeClr>
-          </a:lnRef>
-          <a:fillRef idx="1">
-            <a:schemeClr val="accent1"/>
-          </a:fillRef>
-          <a:effectRef idx="0">
-            <a:schemeClr val="accent1"/>
-          </a:effectRef>
-          <a:fontRef idx="minor">
-            <a:schemeClr val="lt1"/>
-          </a:fontRef>
-        </p:style>
-      </p:sp>
-      <p:sp>
-        <p:nvSpPr>
-          <p:cNvPr id="2" name="Title 1"/>
-          <p:cNvSpPr>
-            <a:spLocks noGrp="1"/>
-          </p:cNvSpPr>
-          <p:nvPr>
-            <p:ph type="title"/>
+        <p:txBody>
+          <a:bodyPr anchor="t">
+            <a:normAutofit/>
+          </a:bodyPr>
+          <a:lstStyle>
+            <a:lvl1pPr marL="0" indent="0" algn="ctr">
+              <a:buNone/>
+              <a:defRPr sz="1600"/>
+            </a:lvl1pPr>
+            <a:lvl2pPr marL="457200" indent="0">
+              <a:buNone/>
+              <a:defRPr sz="1600"/>
+            </a:lvl2pPr>
+            <a:lvl3pPr marL="914400" indent="0">
+              <a:buNone/>
+              <a:defRPr sz="1600"/>
+            </a:lvl3pPr>
+            <a:lvl4pPr marL="1371600" indent="0">
+              <a:buNone/>
+              <a:defRPr sz="1600"/>
+            </a:lvl4pPr>
+            <a:lvl5pPr marL="1828800" indent="0">
+              <a:buNone/>
+              <a:defRPr sz="1600"/>
+            </a:lvl5pPr>
+            <a:lvl6pPr marL="2286000" indent="0">
+              <a:buNone/>
+              <a:defRPr sz="1600"/>
+            </a:lvl6pPr>
+            <a:lvl7pPr marL="2743200" indent="0">
+              <a:buNone/>
+              <a:defRPr sz="1600"/>
+            </a:lvl7pPr>
+            <a:lvl8pPr marL="3200400" indent="0">
+              <a:buNone/>
+              <a:defRPr sz="1600"/>
+            </a:lvl8pPr>
+            <a:lvl9pPr marL="3657600" indent="0">
+              <a:buNone/>
+              <a:defRPr sz="1600"/>
+            </a:lvl9pPr>
+          </a:lstStyle>
+          <a:p>
+            <a:r>
+              <a:rPr lang="pt-BR"/>
+              <a:t>Clique no ícone para adicionar uma imagem</a:t>
+            </a:r>
+            <a:endParaRPr lang="en-US" dirty="0"/>
+          </a:p>
+        </p:txBody>
+      </p:sp>
+      <p:sp>
+        <p:nvSpPr>
+          <p:cNvPr id="4" name="Text Placeholder 3"/>
+          <p:cNvSpPr>
+            <a:spLocks noGrp="1"/>
+          </p:cNvSpPr>
+          <p:nvPr>
+            <p:ph type="body" sz="half" idx="2"/>
           </p:nvPr>
         </p:nvSpPr>
         <p:spPr>
           <a:xfrm>
-            <a:off x="1097280" y="5074920"/>
-            <a:ext cx="10113264" cy="822960"/>
+            <a:off x="4722812" y="2777066"/>
+            <a:ext cx="6021388" cy="2048933"/>
           </a:xfrm>
         </p:spPr>
         <p:txBody>
-          <a:bodyPr lIns="91440" tIns="0" rIns="91440" bIns="0" anchor="b">
-            <a:noAutofit/>
-          </a:bodyPr>
-          <a:lstStyle>
-            <a:lvl1pPr>
-              <a:defRPr sz="3600" b="0">
-                <a:solidFill>
-                  <a:srgbClr val="FFFFFF"/>
-                </a:solidFill>
-              </a:defRPr>
-            </a:lvl1pPr>
-          </a:lstStyle>
-          <a:p>
-            <a:r>
-              <a:rPr lang="pt-BR"/>
-              <a:t>Clique para editar o título Mestre</a:t>
-            </a:r>
-            <a:endParaRPr lang="en-US" dirty="0"/>
-          </a:p>
-        </p:txBody>
-      </p:sp>
-      <p:sp>
-        <p:nvSpPr>
-          <p:cNvPr id="3" name="Picture Placeholder 2"/>
-          <p:cNvSpPr>
-            <a:spLocks noGrp="1" noChangeAspect="1"/>
-          </p:cNvSpPr>
-          <p:nvPr>
-            <p:ph type="pic" idx="1"/>
-          </p:nvPr>
-        </p:nvSpPr>
-        <p:spPr>
-          <a:xfrm>
-            <a:off x="15" y="0"/>
-            <a:ext cx="12191985" cy="4915076"/>
-          </a:xfrm>
-          <a:blipFill>
-            <a:blip r:embed="rId2"/>
-            <a:stretch>
-              <a:fillRect/>
-            </a:stretch>
-          </a:blipFill>
-        </p:spPr>
-        <p:txBody>
-          <a:bodyPr lIns="457200" tIns="457200" anchor="t"/>
-          <a:lstStyle>
-            <a:lvl1pPr marL="0" indent="0">
-              <a:buNone/>
-              <a:defRPr sz="3200">
-                <a:solidFill>
-                  <a:schemeClr val="bg1"/>
-                </a:solidFill>
-              </a:defRPr>
-            </a:lvl1pPr>
-            <a:lvl2pPr marL="457200" indent="0">
-              <a:buNone/>
-              <a:defRPr sz="2800"/>
-            </a:lvl2pPr>
-            <a:lvl3pPr marL="914400" indent="0">
-              <a:buNone/>
-              <a:defRPr sz="2400"/>
-            </a:lvl3pPr>
-            <a:lvl4pPr marL="1371600" indent="0">
-              <a:buNone/>
-              <a:defRPr sz="2000"/>
-            </a:lvl4pPr>
-            <a:lvl5pPr marL="1828800" indent="0">
-              <a:buNone/>
-              <a:defRPr sz="2000"/>
-            </a:lvl5pPr>
-            <a:lvl6pPr marL="2286000" indent="0">
-              <a:buNone/>
-              <a:defRPr sz="2000"/>
-            </a:lvl6pPr>
-            <a:lvl7pPr marL="2743200" indent="0">
-              <a:buNone/>
-              <a:defRPr sz="2000"/>
-            </a:lvl7pPr>
-            <a:lvl8pPr marL="3200400" indent="0">
-              <a:buNone/>
-              <a:defRPr sz="2000"/>
-            </a:lvl8pPr>
-            <a:lvl9pPr marL="3657600" indent="0">
-              <a:buNone/>
-              <a:defRPr sz="2000"/>
-            </a:lvl9pPr>
-          </a:lstStyle>
-          <a:p>
-            <a:r>
-              <a:rPr lang="pt-BR"/>
-              <a:t>Clique no ícone para adicionar uma imagem</a:t>
-            </a:r>
-            <a:endParaRPr lang="en-US" dirty="0"/>
-          </a:p>
-        </p:txBody>
-      </p:sp>
-      <p:sp>
-        <p:nvSpPr>
-          <p:cNvPr id="4" name="Text Placeholder 3"/>
-          <p:cNvSpPr>
-            <a:spLocks noGrp="1"/>
-          </p:cNvSpPr>
-          <p:nvPr>
-            <p:ph type="body" sz="half" idx="2"/>
-          </p:nvPr>
-        </p:nvSpPr>
-        <p:spPr>
-          <a:xfrm>
-            <a:off x="1097280" y="5907023"/>
-            <a:ext cx="10113264" cy="594360"/>
-          </a:xfrm>
-        </p:spPr>
-        <p:txBody>
-          <a:bodyPr lIns="91440" tIns="0" rIns="91440" bIns="0">
+          <a:bodyPr anchor="t">
             <a:normAutofit/>
           </a:bodyPr>
           <a:lstStyle>
             <a:lvl1pPr marL="0" indent="0">
-              <a:spcBef>
-                <a:spcPts val="0"/>
-              </a:spcBef>
-              <a:spcAft>
-                <a:spcPts val="600"/>
-              </a:spcAft>
-              <a:buNone/>
-              <a:defRPr sz="1500">
-                <a:solidFill>
-                  <a:srgbClr val="FFFFFF"/>
-                </a:solidFill>
-              </a:defRPr>
+              <a:buNone/>
+              <a:defRPr sz="1800"/>
             </a:lvl1pPr>
             <a:lvl2pPr marL="457200" indent="0">
               <a:buNone/>
@@ -4381,7 +5815,7 @@
           <a:p>
             <a:fld id="{F6B27FDA-0672-4BC9-A961-7AEF5B3CD059}" type="datetimeFigureOut">
               <a:rPr lang="pt-BR" smtClean="0"/>
-              <a:t>04/02/2025</a:t>
+              <a:t>05/02/2025</a:t>
             </a:fld>
             <a:endParaRPr lang="pt-BR"/>
           </a:p>
@@ -4432,7 +5866,7 @@
     </p:spTree>
     <p:extLst>
       <p:ext uri="{BB962C8B-B14F-4D97-AF65-F5344CB8AC3E}">
-        <p14:creationId xmlns:p14="http://schemas.microsoft.com/office/powerpoint/2010/main" val="3853471462"/>
+        <p14:creationId xmlns:p14="http://schemas.microsoft.com/office/powerpoint/2010/main" val="259442837"/>
       </p:ext>
     </p:extLst>
   </p:cSld>
@@ -4446,8 +5880,8 @@
 <p:sldMaster xmlns:a="http://schemas.openxmlformats.org/drawingml/2006/main" xmlns:r="http://schemas.openxmlformats.org/officeDocument/2006/relationships" xmlns:p="http://schemas.openxmlformats.org/presentationml/2006/main">
   <p:cSld>
     <p:bg>
-      <p:bgRef idx="1001">
-        <a:schemeClr val="bg1"/>
+      <p:bgRef idx="1002">
+        <a:schemeClr val="bg2"/>
       </p:bgRef>
     </p:bg>
     <p:spTree>
@@ -4464,110 +5898,287 @@
           <a:chExt cx="0" cy="0"/>
         </a:xfrm>
       </p:grpSpPr>
-      <p:sp>
-        <p:nvSpPr>
-          <p:cNvPr id="7" name="Rectangle 6"/>
-          <p:cNvSpPr/>
+      <p:grpSp>
+        <p:nvGrpSpPr>
+          <p:cNvPr id="7" name="Group 6"/>
+          <p:cNvGrpSpPr/>
           <p:nvPr/>
+        </p:nvGrpSpPr>
+        <p:grpSpPr>
+          <a:xfrm>
+            <a:off x="9206969" y="2963333"/>
+            <a:ext cx="2981858" cy="3208867"/>
+            <a:chOff x="9206969" y="2963333"/>
+            <a:chExt cx="2981858" cy="3208867"/>
+          </a:xfrm>
+        </p:grpSpPr>
+        <p:cxnSp>
+          <p:nvCxnSpPr>
+            <p:cNvPr id="8" name="Straight Connector 7"/>
+            <p:cNvCxnSpPr/>
+            <p:nvPr/>
+          </p:nvCxnSpPr>
+          <p:spPr>
+            <a:xfrm flipH="1">
+              <a:off x="11276012" y="2963333"/>
+              <a:ext cx="912814" cy="912812"/>
+            </a:xfrm>
+            <a:prstGeom prst="line">
+              <a:avLst/>
+            </a:prstGeom>
+            <a:ln w="9525">
+              <a:solidFill>
+                <a:schemeClr val="tx1"/>
+              </a:solidFill>
+            </a:ln>
+          </p:spPr>
+          <p:style>
+            <a:lnRef idx="2">
+              <a:schemeClr val="accent1"/>
+            </a:lnRef>
+            <a:fillRef idx="0">
+              <a:schemeClr val="accent1"/>
+            </a:fillRef>
+            <a:effectRef idx="1">
+              <a:schemeClr val="accent1"/>
+            </a:effectRef>
+            <a:fontRef idx="minor">
+              <a:schemeClr val="tx1"/>
+            </a:fontRef>
+          </p:style>
+        </p:cxnSp>
+        <p:cxnSp>
+          <p:nvCxnSpPr>
+            <p:cNvPr id="9" name="Straight Connector 8"/>
+            <p:cNvCxnSpPr/>
+            <p:nvPr/>
+          </p:nvCxnSpPr>
+          <p:spPr>
+            <a:xfrm flipH="1">
+              <a:off x="9206969" y="3190344"/>
+              <a:ext cx="2981857" cy="2981856"/>
+            </a:xfrm>
+            <a:prstGeom prst="line">
+              <a:avLst/>
+            </a:prstGeom>
+            <a:ln w="9525">
+              <a:solidFill>
+                <a:schemeClr val="tx1"/>
+              </a:solidFill>
+            </a:ln>
+          </p:spPr>
+          <p:style>
+            <a:lnRef idx="2">
+              <a:schemeClr val="accent1"/>
+            </a:lnRef>
+            <a:fillRef idx="0">
+              <a:schemeClr val="accent1"/>
+            </a:fillRef>
+            <a:effectRef idx="1">
+              <a:schemeClr val="accent1"/>
+            </a:effectRef>
+            <a:fontRef idx="minor">
+              <a:schemeClr val="tx1"/>
+            </a:fontRef>
+          </p:style>
+        </p:cxnSp>
+        <p:cxnSp>
+          <p:nvCxnSpPr>
+            <p:cNvPr id="10" name="Straight Connector 9"/>
+            <p:cNvCxnSpPr/>
+            <p:nvPr/>
+          </p:nvCxnSpPr>
+          <p:spPr>
+            <a:xfrm flipH="1">
+              <a:off x="10292292" y="3285067"/>
+              <a:ext cx="1896534" cy="1896533"/>
+            </a:xfrm>
+            <a:prstGeom prst="line">
+              <a:avLst/>
+            </a:prstGeom>
+            <a:ln w="9525">
+              <a:solidFill>
+                <a:schemeClr val="tx1"/>
+              </a:solidFill>
+            </a:ln>
+          </p:spPr>
+          <p:style>
+            <a:lnRef idx="2">
+              <a:schemeClr val="accent1"/>
+            </a:lnRef>
+            <a:fillRef idx="0">
+              <a:schemeClr val="accent1"/>
+            </a:fillRef>
+            <a:effectRef idx="1">
+              <a:schemeClr val="accent1"/>
+            </a:effectRef>
+            <a:fontRef idx="minor">
+              <a:schemeClr val="tx1"/>
+            </a:fontRef>
+          </p:style>
+        </p:cxnSp>
+        <p:cxnSp>
+          <p:nvCxnSpPr>
+            <p:cNvPr id="11" name="Straight Connector 10"/>
+            <p:cNvCxnSpPr/>
+            <p:nvPr/>
+          </p:nvCxnSpPr>
+          <p:spPr>
+            <a:xfrm flipH="1">
+              <a:off x="10443103" y="3131080"/>
+              <a:ext cx="1745722" cy="1745720"/>
+            </a:xfrm>
+            <a:prstGeom prst="line">
+              <a:avLst/>
+            </a:prstGeom>
+            <a:ln w="28575">
+              <a:solidFill>
+                <a:schemeClr val="tx1"/>
+              </a:solidFill>
+            </a:ln>
+          </p:spPr>
+          <p:style>
+            <a:lnRef idx="2">
+              <a:schemeClr val="accent1"/>
+            </a:lnRef>
+            <a:fillRef idx="0">
+              <a:schemeClr val="accent1"/>
+            </a:fillRef>
+            <a:effectRef idx="1">
+              <a:schemeClr val="accent1"/>
+            </a:effectRef>
+            <a:fontRef idx="minor">
+              <a:schemeClr val="tx1"/>
+            </a:fontRef>
+          </p:style>
+        </p:cxnSp>
+        <p:cxnSp>
+          <p:nvCxnSpPr>
+            <p:cNvPr id="12" name="Straight Connector 11"/>
+            <p:cNvCxnSpPr/>
+            <p:nvPr/>
+          </p:nvCxnSpPr>
+          <p:spPr>
+            <a:xfrm flipH="1">
+              <a:off x="10918826" y="3683001"/>
+              <a:ext cx="1270001" cy="1269999"/>
+            </a:xfrm>
+            <a:prstGeom prst="line">
+              <a:avLst/>
+            </a:prstGeom>
+            <a:ln w="28575">
+              <a:solidFill>
+                <a:schemeClr val="tx1"/>
+              </a:solidFill>
+            </a:ln>
+          </p:spPr>
+          <p:style>
+            <a:lnRef idx="2">
+              <a:schemeClr val="accent1"/>
+            </a:lnRef>
+            <a:fillRef idx="0">
+              <a:schemeClr val="accent1"/>
+            </a:fillRef>
+            <a:effectRef idx="1">
+              <a:schemeClr val="accent1"/>
+            </a:effectRef>
+            <a:fontRef idx="minor">
+              <a:schemeClr val="tx1"/>
+            </a:fontRef>
+          </p:style>
+        </p:cxnSp>
+      </p:grpSp>
+      <p:sp>
+        <p:nvSpPr>
+          <p:cNvPr id="2" name="Title Placeholder 1"/>
+          <p:cNvSpPr>
+            <a:spLocks noGrp="1"/>
+          </p:cNvSpPr>
+          <p:nvPr>
+            <p:ph type="title"/>
+          </p:nvPr>
         </p:nvSpPr>
         <p:spPr>
           <a:xfrm>
-            <a:off x="1" y="6400800"/>
-            <a:ext cx="12192000" cy="457200"/>
+            <a:off x="684212" y="4487332"/>
+            <a:ext cx="8534400" cy="1507067"/>
           </a:xfrm>
           <a:prstGeom prst="rect">
             <a:avLst/>
           </a:prstGeom>
-          <a:solidFill>
-            <a:schemeClr val="accent2"/>
-          </a:solidFill>
-          <a:ln>
-            <a:noFill/>
-          </a:ln>
+          <a:effectLst/>
         </p:spPr>
-        <p:style>
-          <a:lnRef idx="2">
-            <a:schemeClr val="accent1">
-              <a:shade val="50000"/>
-            </a:schemeClr>
-          </a:lnRef>
-          <a:fillRef idx="1">
-            <a:schemeClr val="accent1"/>
-          </a:fillRef>
-          <a:effectRef idx="0">
-            <a:schemeClr val="accent1"/>
-          </a:effectRef>
-          <a:fontRef idx="minor">
-            <a:schemeClr val="lt1"/>
-          </a:fontRef>
-        </p:style>
-      </p:sp>
-      <p:sp>
-        <p:nvSpPr>
-          <p:cNvPr id="9" name="Rectangle 8"/>
-          <p:cNvSpPr/>
-          <p:nvPr/>
+        <p:txBody>
+          <a:bodyPr vert="horz" lIns="91440" tIns="45720" rIns="91440" bIns="45720" rtlCol="0" anchor="ctr">
+            <a:normAutofit/>
+          </a:bodyPr>
+          <a:lstStyle/>
+          <a:p>
+            <a:r>
+              <a:rPr lang="pt-BR"/>
+              <a:t>Clique para editar o título Mestre</a:t>
+            </a:r>
+            <a:endParaRPr lang="en-US" dirty="0"/>
+          </a:p>
+        </p:txBody>
+      </p:sp>
+      <p:sp>
+        <p:nvSpPr>
+          <p:cNvPr id="3" name="Text Placeholder 2"/>
+          <p:cNvSpPr>
+            <a:spLocks noGrp="1"/>
+          </p:cNvSpPr>
+          <p:nvPr>
+            <p:ph type="body" idx="1"/>
+          </p:nvPr>
         </p:nvSpPr>
         <p:spPr>
           <a:xfrm>
-            <a:off x="0" y="6334316"/>
-            <a:ext cx="12192001" cy="65998"/>
-          </a:xfrm>
-          <a:prstGeom prst="rect">
-            <a:avLst/>
-          </a:prstGeom>
-          <a:solidFill>
-            <a:schemeClr val="accent1"/>
-          </a:solidFill>
-          <a:ln>
-            <a:noFill/>
-          </a:ln>
-        </p:spPr>
-        <p:style>
-          <a:lnRef idx="2">
-            <a:schemeClr val="accent1">
-              <a:shade val="50000"/>
-            </a:schemeClr>
-          </a:lnRef>
-          <a:fillRef idx="1">
-            <a:schemeClr val="accent1"/>
-          </a:fillRef>
-          <a:effectRef idx="0">
-            <a:schemeClr val="accent1"/>
-          </a:effectRef>
-          <a:fontRef idx="minor">
-            <a:schemeClr val="lt1"/>
-          </a:fontRef>
-        </p:style>
-      </p:sp>
-      <p:sp>
-        <p:nvSpPr>
-          <p:cNvPr id="2" name="Title Placeholder 1"/>
-          <p:cNvSpPr>
-            <a:spLocks noGrp="1"/>
-          </p:cNvSpPr>
-          <p:nvPr>
-            <p:ph type="title"/>
-          </p:nvPr>
-        </p:nvSpPr>
-        <p:spPr>
-          <a:xfrm>
-            <a:off x="1097280" y="286603"/>
-            <a:ext cx="10058400" cy="1450757"/>
+            <a:off x="684212" y="685800"/>
+            <a:ext cx="8534400" cy="3615267"/>
           </a:xfrm>
           <a:prstGeom prst="rect">
             <a:avLst/>
           </a:prstGeom>
         </p:spPr>
         <p:txBody>
-          <a:bodyPr vert="horz" lIns="91440" tIns="45720" rIns="91440" bIns="45720" rtlCol="0" anchor="b">
+          <a:bodyPr vert="horz" lIns="91440" tIns="45720" rIns="91440" bIns="45720" rtlCol="0" anchor="ctr">
             <a:normAutofit/>
           </a:bodyPr>
           <a:lstStyle/>
           <a:p>
+            <a:pPr lvl="0"/>
             <a:r>
               <a:rPr lang="pt-BR"/>
-              <a:t>Clique para editar o título Mestre</a:t>
+              <a:t>Clique para editar os estilos de texto Mestres</a:t>
+            </a:r>
+          </a:p>
+          <a:p>
+            <a:pPr lvl="1"/>
+            <a:r>
+              <a:rPr lang="pt-BR"/>
+              <a:t>Segundo nível</a:t>
+            </a:r>
+          </a:p>
+          <a:p>
+            <a:pPr lvl="2"/>
+            <a:r>
+              <a:rPr lang="pt-BR"/>
+              <a:t>Terceiro nível</a:t>
+            </a:r>
+          </a:p>
+          <a:p>
+            <a:pPr lvl="3"/>
+            <a:r>
+              <a:rPr lang="pt-BR"/>
+              <a:t>Quarto nível</a:t>
+            </a:r>
+          </a:p>
+          <a:p>
+            <a:pPr lvl="4"/>
+            <a:r>
+              <a:rPr lang="pt-BR"/>
+              <a:t>Quinto nível</a:t>
             </a:r>
             <a:endParaRPr lang="en-US" dirty="0"/>
           </a:p>
@@ -4575,167 +6186,117 @@
       </p:sp>
       <p:sp>
         <p:nvSpPr>
-          <p:cNvPr id="3" name="Text Placeholder 2"/>
-          <p:cNvSpPr>
-            <a:spLocks noGrp="1"/>
-          </p:cNvSpPr>
-          <p:nvPr>
-            <p:ph type="body" idx="1"/>
+          <p:cNvPr id="4" name="Date Placeholder 3"/>
+          <p:cNvSpPr>
+            <a:spLocks noGrp="1"/>
+          </p:cNvSpPr>
+          <p:nvPr>
+            <p:ph type="dt" sz="half" idx="2"/>
           </p:nvPr>
         </p:nvSpPr>
         <p:spPr>
           <a:xfrm>
-            <a:off x="1097280" y="1845734"/>
-            <a:ext cx="10058400" cy="4023360"/>
+            <a:off x="9904412" y="6172200"/>
+            <a:ext cx="1600200" cy="365125"/>
           </a:xfrm>
           <a:prstGeom prst="rect">
             <a:avLst/>
           </a:prstGeom>
         </p:spPr>
         <p:txBody>
-          <a:bodyPr vert="horz" lIns="0" tIns="45720" rIns="0" bIns="45720" rtlCol="0">
-            <a:normAutofit/>
-          </a:bodyPr>
-          <a:lstStyle/>
-          <a:p>
-            <a:pPr lvl="0"/>
-            <a:r>
-              <a:rPr lang="pt-BR"/>
-              <a:t>Clique para editar os estilos de texto Mestres</a:t>
-            </a:r>
-          </a:p>
-          <a:p>
-            <a:pPr lvl="1"/>
-            <a:r>
-              <a:rPr lang="pt-BR"/>
-              <a:t>Segundo nível</a:t>
-            </a:r>
-          </a:p>
-          <a:p>
-            <a:pPr lvl="2"/>
-            <a:r>
-              <a:rPr lang="pt-BR"/>
-              <a:t>Terceiro nível</a:t>
-            </a:r>
-          </a:p>
-          <a:p>
-            <a:pPr lvl="3"/>
-            <a:r>
-              <a:rPr lang="pt-BR"/>
-              <a:t>Quarto nível</a:t>
-            </a:r>
-          </a:p>
-          <a:p>
-            <a:pPr lvl="4"/>
-            <a:r>
-              <a:rPr lang="pt-BR"/>
-              <a:t>Quinto nível</a:t>
-            </a:r>
-            <a:endParaRPr lang="en-US" dirty="0"/>
-          </a:p>
-        </p:txBody>
-      </p:sp>
-      <p:sp>
-        <p:nvSpPr>
-          <p:cNvPr id="4" name="Date Placeholder 3"/>
-          <p:cNvSpPr>
-            <a:spLocks noGrp="1"/>
-          </p:cNvSpPr>
-          <p:nvPr>
-            <p:ph type="dt" sz="half" idx="2"/>
+          <a:bodyPr vert="horz" lIns="91440" tIns="45720" rIns="91440" bIns="45720" rtlCol="0" anchor="t"/>
+          <a:lstStyle>
+            <a:lvl1pPr algn="r">
+              <a:defRPr sz="1000" b="0" i="0">
+                <a:solidFill>
+                  <a:schemeClr val="bg2">
+                    <a:lumMod val="50000"/>
+                  </a:schemeClr>
+                </a:solidFill>
+                <a:effectLst/>
+                <a:latin typeface="+mn-lt"/>
+              </a:defRPr>
+            </a:lvl1pPr>
+          </a:lstStyle>
+          <a:p>
+            <a:fld id="{F6B27FDA-0672-4BC9-A961-7AEF5B3CD059}" type="datetimeFigureOut">
+              <a:rPr lang="pt-BR" smtClean="0"/>
+              <a:t>05/02/2025</a:t>
+            </a:fld>
+            <a:endParaRPr lang="pt-BR"/>
+          </a:p>
+        </p:txBody>
+      </p:sp>
+      <p:sp>
+        <p:nvSpPr>
+          <p:cNvPr id="5" name="Footer Placeholder 4"/>
+          <p:cNvSpPr>
+            <a:spLocks noGrp="1"/>
+          </p:cNvSpPr>
+          <p:nvPr>
+            <p:ph type="ftr" sz="quarter" idx="3"/>
           </p:nvPr>
         </p:nvSpPr>
         <p:spPr>
           <a:xfrm>
-            <a:off x="1097280" y="6459785"/>
-            <a:ext cx="2472271" cy="365125"/>
+            <a:off x="684212" y="6172200"/>
+            <a:ext cx="7543800" cy="365125"/>
           </a:xfrm>
           <a:prstGeom prst="rect">
             <a:avLst/>
           </a:prstGeom>
         </p:spPr>
         <p:txBody>
-          <a:bodyPr vert="horz" lIns="91440" tIns="45720" rIns="91440" bIns="45720" rtlCol="0" anchor="ctr"/>
+          <a:bodyPr vert="horz" lIns="91440" tIns="45720" rIns="91440" bIns="45720" rtlCol="0" anchor="t"/>
           <a:lstStyle>
             <a:lvl1pPr algn="l">
-              <a:defRPr sz="900">
-                <a:solidFill>
-                  <a:srgbClr val="FFFFFF"/>
-                </a:solidFill>
+              <a:defRPr sz="1000" b="0" i="0">
+                <a:solidFill>
+                  <a:schemeClr val="bg2">
+                    <a:lumMod val="50000"/>
+                  </a:schemeClr>
+                </a:solidFill>
+                <a:effectLst/>
+                <a:latin typeface="+mn-lt"/>
               </a:defRPr>
             </a:lvl1pPr>
           </a:lstStyle>
           <a:p>
-            <a:fld id="{F6B27FDA-0672-4BC9-A961-7AEF5B3CD059}" type="datetimeFigureOut">
-              <a:rPr lang="pt-BR" smtClean="0"/>
-              <a:t>04/02/2025</a:t>
-            </a:fld>
             <a:endParaRPr lang="pt-BR"/>
           </a:p>
         </p:txBody>
       </p:sp>
       <p:sp>
         <p:nvSpPr>
-          <p:cNvPr id="5" name="Footer Placeholder 4"/>
-          <p:cNvSpPr>
-            <a:spLocks noGrp="1"/>
-          </p:cNvSpPr>
-          <p:nvPr>
-            <p:ph type="ftr" sz="quarter" idx="3"/>
+          <p:cNvPr id="6" name="Slide Number Placeholder 5"/>
+          <p:cNvSpPr>
+            <a:spLocks noGrp="1"/>
+          </p:cNvSpPr>
+          <p:nvPr>
+            <p:ph type="sldNum" sz="quarter" idx="4"/>
           </p:nvPr>
         </p:nvSpPr>
         <p:spPr>
           <a:xfrm>
-            <a:off x="3686185" y="6459785"/>
-            <a:ext cx="4822804" cy="365125"/>
+            <a:off x="10363200" y="5578475"/>
+            <a:ext cx="1142245" cy="669925"/>
           </a:xfrm>
           <a:prstGeom prst="rect">
             <a:avLst/>
           </a:prstGeom>
         </p:spPr>
         <p:txBody>
-          <a:bodyPr vert="horz" lIns="91440" tIns="45720" rIns="91440" bIns="45720" rtlCol="0" anchor="ctr"/>
-          <a:lstStyle>
-            <a:lvl1pPr algn="ctr">
-              <a:defRPr sz="900" cap="all" baseline="0">
-                <a:solidFill>
-                  <a:srgbClr val="FFFFFF"/>
-                </a:solidFill>
-              </a:defRPr>
-            </a:lvl1pPr>
-          </a:lstStyle>
-          <a:p>
-            <a:endParaRPr lang="pt-BR"/>
-          </a:p>
-        </p:txBody>
-      </p:sp>
-      <p:sp>
-        <p:nvSpPr>
-          <p:cNvPr id="6" name="Slide Number Placeholder 5"/>
-          <p:cNvSpPr>
-            <a:spLocks noGrp="1"/>
-          </p:cNvSpPr>
-          <p:nvPr>
-            <p:ph type="sldNum" sz="quarter" idx="4"/>
-          </p:nvPr>
-        </p:nvSpPr>
-        <p:spPr>
-          <a:xfrm>
-            <a:off x="9900458" y="6459785"/>
-            <a:ext cx="1312025" cy="365125"/>
-          </a:xfrm>
-          <a:prstGeom prst="rect">
-            <a:avLst/>
-          </a:prstGeom>
-        </p:spPr>
-        <p:txBody>
-          <a:bodyPr vert="horz" lIns="91440" tIns="45720" rIns="91440" bIns="45720" rtlCol="0" anchor="ctr"/>
+          <a:bodyPr vert="horz" lIns="91440" tIns="45720" rIns="91440" bIns="45720" rtlCol="0" anchor="b"/>
           <a:lstStyle>
             <a:lvl1pPr algn="r">
-              <a:defRPr sz="1050">
-                <a:solidFill>
-                  <a:srgbClr val="FFFFFF"/>
-                </a:solidFill>
+              <a:defRPr sz="3200" b="0" i="0">
+                <a:solidFill>
+                  <a:schemeClr val="bg2">
+                    <a:lumMod val="50000"/>
+                  </a:schemeClr>
+                </a:solidFill>
+                <a:effectLst/>
+                <a:latin typeface="+mn-lt"/>
               </a:defRPr>
             </a:lvl1pPr>
           </a:lstStyle>
@@ -4748,328 +6309,331 @@
           </a:p>
         </p:txBody>
       </p:sp>
-      <p:cxnSp>
-        <p:nvCxnSpPr>
-          <p:cNvPr id="10" name="Straight Connector 9"/>
-          <p:cNvCxnSpPr/>
-          <p:nvPr/>
-        </p:nvCxnSpPr>
-        <p:spPr>
-          <a:xfrm>
-            <a:off x="1193532" y="1737845"/>
-            <a:ext cx="9966960" cy="0"/>
-          </a:xfrm>
-          <a:prstGeom prst="line">
-            <a:avLst/>
-          </a:prstGeom>
-          <a:ln w="6350">
-            <a:solidFill>
-              <a:schemeClr val="tx1">
-                <a:lumMod val="50000"/>
-                <a:lumOff val="50000"/>
-              </a:schemeClr>
-            </a:solidFill>
-          </a:ln>
-        </p:spPr>
-        <p:style>
-          <a:lnRef idx="1">
-            <a:schemeClr val="accent1"/>
-          </a:lnRef>
-          <a:fillRef idx="0">
-            <a:schemeClr val="accent1"/>
-          </a:fillRef>
-          <a:effectRef idx="0">
-            <a:schemeClr val="accent1"/>
-          </a:effectRef>
-          <a:fontRef idx="minor">
-            <a:schemeClr val="tx1"/>
-          </a:fontRef>
-        </p:style>
-      </p:cxnSp>
     </p:spTree>
     <p:extLst>
       <p:ext uri="{BB962C8B-B14F-4D97-AF65-F5344CB8AC3E}">
-        <p14:creationId xmlns:p14="http://schemas.microsoft.com/office/powerpoint/2010/main" val="644019511"/>
+        <p14:creationId xmlns:p14="http://schemas.microsoft.com/office/powerpoint/2010/main" val="1030401034"/>
       </p:ext>
     </p:extLst>
   </p:cSld>
-  <p:clrMap bg1="lt1" tx1="dk1" bg2="lt2" tx2="dk2" accent1="accent1" accent2="accent2" accent3="accent3" accent4="accent4" accent5="accent5" accent6="accent6" hlink="hlink" folHlink="folHlink"/>
+  <p:clrMap bg1="dk1" tx1="lt1" bg2="dk2" tx2="lt2" accent1="accent1" accent2="accent2" accent3="accent3" accent4="accent4" accent5="accent5" accent6="accent6" hlink="hlink" folHlink="folHlink"/>
   <p:sldLayoutIdLst>
-    <p:sldLayoutId id="2147483761" r:id="rId1"/>
-    <p:sldLayoutId id="2147483762" r:id="rId2"/>
-    <p:sldLayoutId id="2147483763" r:id="rId3"/>
-    <p:sldLayoutId id="2147483764" r:id="rId4"/>
-    <p:sldLayoutId id="2147483765" r:id="rId5"/>
-    <p:sldLayoutId id="2147483766" r:id="rId6"/>
-    <p:sldLayoutId id="2147483767" r:id="rId7"/>
-    <p:sldLayoutId id="2147483768" r:id="rId8"/>
-    <p:sldLayoutId id="2147483769" r:id="rId9"/>
-    <p:sldLayoutId id="2147483770" r:id="rId10"/>
-    <p:sldLayoutId id="2147483771" r:id="rId11"/>
+    <p:sldLayoutId id="2147483791" r:id="rId1"/>
+    <p:sldLayoutId id="2147483792" r:id="rId2"/>
+    <p:sldLayoutId id="2147483793" r:id="rId3"/>
+    <p:sldLayoutId id="2147483794" r:id="rId4"/>
+    <p:sldLayoutId id="2147483795" r:id="rId5"/>
+    <p:sldLayoutId id="2147483796" r:id="rId6"/>
+    <p:sldLayoutId id="2147483797" r:id="rId7"/>
+    <p:sldLayoutId id="2147483798" r:id="rId8"/>
+    <p:sldLayoutId id="2147483799" r:id="rId9"/>
+    <p:sldLayoutId id="2147483800" r:id="rId10"/>
+    <p:sldLayoutId id="2147483801" r:id="rId11"/>
+    <p:sldLayoutId id="2147483802" r:id="rId12"/>
+    <p:sldLayoutId id="2147483803" r:id="rId13"/>
+    <p:sldLayoutId id="2147483804" r:id="rId14"/>
+    <p:sldLayoutId id="2147483805" r:id="rId15"/>
+    <p:sldLayoutId id="2147483806" r:id="rId16"/>
+    <p:sldLayoutId id="2147483807" r:id="rId17"/>
   </p:sldLayoutIdLst>
   <p:txStyles>
     <p:titleStyle>
-      <a:lvl1pPr algn="l" defTabSz="914400" rtl="0" eaLnBrk="1" latinLnBrk="0" hangingPunct="1">
-        <a:lnSpc>
-          <a:spcPct val="85000"/>
-        </a:lnSpc>
+      <a:lvl1pPr algn="l" defTabSz="457200" rtl="0" eaLnBrk="1" latinLnBrk="0" hangingPunct="1">
         <a:spcBef>
           <a:spcPct val="0"/>
         </a:spcBef>
         <a:buNone/>
-        <a:defRPr sz="4800" kern="1200" spc="-50" baseline="0">
+        <a:defRPr sz="3600" kern="1200" cap="all">
+          <a:ln w="3175" cmpd="sng">
+            <a:noFill/>
+          </a:ln>
           <a:solidFill>
-            <a:schemeClr val="tx1">
-              <a:lumMod val="75000"/>
-              <a:lumOff val="25000"/>
-            </a:schemeClr>
+            <a:schemeClr val="tx1"/>
           </a:solidFill>
+          <a:effectLst/>
           <a:latin typeface="+mj-lt"/>
           <a:ea typeface="+mj-ea"/>
           <a:cs typeface="+mj-cs"/>
         </a:defRPr>
       </a:lvl1pPr>
+      <a:lvl2pPr eaLnBrk="1" hangingPunct="1">
+        <a:defRPr>
+          <a:solidFill>
+            <a:schemeClr val="tx2"/>
+          </a:solidFill>
+        </a:defRPr>
+      </a:lvl2pPr>
+      <a:lvl3pPr eaLnBrk="1" hangingPunct="1">
+        <a:defRPr>
+          <a:solidFill>
+            <a:schemeClr val="tx2"/>
+          </a:solidFill>
+        </a:defRPr>
+      </a:lvl3pPr>
+      <a:lvl4pPr eaLnBrk="1" hangingPunct="1">
+        <a:defRPr>
+          <a:solidFill>
+            <a:schemeClr val="tx2"/>
+          </a:solidFill>
+        </a:defRPr>
+      </a:lvl4pPr>
+      <a:lvl5pPr eaLnBrk="1" hangingPunct="1">
+        <a:defRPr>
+          <a:solidFill>
+            <a:schemeClr val="tx2"/>
+          </a:solidFill>
+        </a:defRPr>
+      </a:lvl5pPr>
+      <a:lvl6pPr eaLnBrk="1" hangingPunct="1">
+        <a:defRPr>
+          <a:solidFill>
+            <a:schemeClr val="tx2"/>
+          </a:solidFill>
+        </a:defRPr>
+      </a:lvl6pPr>
+      <a:lvl7pPr eaLnBrk="1" hangingPunct="1">
+        <a:defRPr>
+          <a:solidFill>
+            <a:schemeClr val="tx2"/>
+          </a:solidFill>
+        </a:defRPr>
+      </a:lvl7pPr>
+      <a:lvl8pPr eaLnBrk="1" hangingPunct="1">
+        <a:defRPr>
+          <a:solidFill>
+            <a:schemeClr val="tx2"/>
+          </a:solidFill>
+        </a:defRPr>
+      </a:lvl8pPr>
+      <a:lvl9pPr eaLnBrk="1" hangingPunct="1">
+        <a:defRPr>
+          <a:solidFill>
+            <a:schemeClr val="tx2"/>
+          </a:solidFill>
+        </a:defRPr>
+      </a:lvl9pPr>
     </p:titleStyle>
     <p:bodyStyle>
-      <a:lvl1pPr marL="91440" indent="-91440" algn="l" defTabSz="914400" rtl="0" eaLnBrk="1" latinLnBrk="0" hangingPunct="1">
-        <a:lnSpc>
-          <a:spcPct val="90000"/>
-        </a:lnSpc>
+      <a:lvl1pPr marL="285750" indent="-285750" algn="l" defTabSz="457200" rtl="0" eaLnBrk="1" latinLnBrk="0" hangingPunct="1">
         <a:spcBef>
-          <a:spcPts val="1200"/>
+          <a:spcPct val="20000"/>
         </a:spcBef>
         <a:spcAft>
-          <a:spcPts val="200"/>
+          <a:spcPts val="600"/>
         </a:spcAft>
         <a:buClr>
-          <a:schemeClr val="accent1"/>
+          <a:schemeClr val="tx1"/>
         </a:buClr>
-        <a:buSzPct val="100000"/>
-        <a:buFont typeface="Calibri" panose="020F0502020204030204" pitchFamily="34" charset="0"/>
-        <a:buChar char=" "/>
-        <a:defRPr sz="2000" kern="1200">
+        <a:buSzPct val="80000"/>
+        <a:buFont typeface="Wingdings 3" panose="05040102010807070707" pitchFamily="18" charset="2"/>
+        <a:buChar char=""/>
+        <a:defRPr sz="2000" kern="1200" cap="none">
           <a:solidFill>
-            <a:schemeClr val="tx1">
+            <a:schemeClr val="bg2">
               <a:lumMod val="75000"/>
-              <a:lumOff val="25000"/>
             </a:schemeClr>
           </a:solidFill>
+          <a:effectLst/>
           <a:latin typeface="+mn-lt"/>
           <a:ea typeface="+mn-ea"/>
           <a:cs typeface="+mn-cs"/>
         </a:defRPr>
       </a:lvl1pPr>
-      <a:lvl2pPr marL="384048" indent="-182880" algn="l" defTabSz="914400" rtl="0" eaLnBrk="1" latinLnBrk="0" hangingPunct="1">
-        <a:lnSpc>
-          <a:spcPct val="90000"/>
-        </a:lnSpc>
+      <a:lvl2pPr marL="742950" indent="-285750" algn="l" defTabSz="457200" rtl="0" eaLnBrk="1" latinLnBrk="0" hangingPunct="1">
         <a:spcBef>
-          <a:spcPts val="200"/>
+          <a:spcPct val="20000"/>
         </a:spcBef>
         <a:spcAft>
-          <a:spcPts val="400"/>
+          <a:spcPts val="600"/>
         </a:spcAft>
         <a:buClr>
-          <a:schemeClr val="accent1"/>
+          <a:schemeClr val="tx1"/>
         </a:buClr>
-        <a:buFont typeface="Calibri" pitchFamily="34" charset="0"/>
-        <a:buChar char="◦"/>
-        <a:defRPr sz="1800" kern="1200">
+        <a:buSzPct val="80000"/>
+        <a:buFont typeface="Wingdings 3" panose="05040102010807070707" pitchFamily="18" charset="2"/>
+        <a:buChar char=""/>
+        <a:defRPr sz="1800" kern="1200" cap="none">
           <a:solidFill>
-            <a:schemeClr val="tx1">
+            <a:schemeClr val="bg2">
               <a:lumMod val="75000"/>
-              <a:lumOff val="25000"/>
             </a:schemeClr>
           </a:solidFill>
+          <a:effectLst/>
           <a:latin typeface="+mn-lt"/>
           <a:ea typeface="+mn-ea"/>
           <a:cs typeface="+mn-cs"/>
         </a:defRPr>
       </a:lvl2pPr>
-      <a:lvl3pPr marL="566928" indent="-182880" algn="l" defTabSz="914400" rtl="0" eaLnBrk="1" latinLnBrk="0" hangingPunct="1">
-        <a:lnSpc>
-          <a:spcPct val="90000"/>
-        </a:lnSpc>
+      <a:lvl3pPr marL="1200150" indent="-285750" algn="l" defTabSz="457200" rtl="0" eaLnBrk="1" latinLnBrk="0" hangingPunct="1">
         <a:spcBef>
-          <a:spcPts val="200"/>
+          <a:spcPct val="20000"/>
         </a:spcBef>
         <a:spcAft>
-          <a:spcPts val="400"/>
+          <a:spcPts val="600"/>
         </a:spcAft>
         <a:buClr>
-          <a:schemeClr val="accent1"/>
+          <a:schemeClr val="tx1"/>
         </a:buClr>
-        <a:buFont typeface="Calibri" pitchFamily="34" charset="0"/>
-        <a:buChar char="◦"/>
-        <a:defRPr sz="1400" kern="1200">
+        <a:buSzPct val="80000"/>
+        <a:buFont typeface="Wingdings 3" panose="05040102010807070707" pitchFamily="18" charset="2"/>
+        <a:buChar char=""/>
+        <a:defRPr sz="1600" kern="1200" cap="none">
           <a:solidFill>
-            <a:schemeClr val="tx1">
+            <a:schemeClr val="bg2">
               <a:lumMod val="75000"/>
-              <a:lumOff val="25000"/>
             </a:schemeClr>
           </a:solidFill>
+          <a:effectLst/>
           <a:latin typeface="+mn-lt"/>
           <a:ea typeface="+mn-ea"/>
           <a:cs typeface="+mn-cs"/>
         </a:defRPr>
       </a:lvl3pPr>
-      <a:lvl4pPr marL="749808" indent="-182880" algn="l" defTabSz="914400" rtl="0" eaLnBrk="1" latinLnBrk="0" hangingPunct="1">
-        <a:lnSpc>
-          <a:spcPct val="90000"/>
-        </a:lnSpc>
+      <a:lvl4pPr marL="1543050" indent="-171450" algn="l" defTabSz="457200" rtl="0" eaLnBrk="1" latinLnBrk="0" hangingPunct="1">
         <a:spcBef>
-          <a:spcPts val="200"/>
+          <a:spcPct val="20000"/>
         </a:spcBef>
         <a:spcAft>
-          <a:spcPts val="400"/>
+          <a:spcPts val="600"/>
         </a:spcAft>
         <a:buClr>
-          <a:schemeClr val="accent1"/>
+          <a:schemeClr val="tx1"/>
         </a:buClr>
-        <a:buFont typeface="Calibri" pitchFamily="34" charset="0"/>
-        <a:buChar char="◦"/>
-        <a:defRPr sz="1400" kern="1200">
+        <a:buSzPct val="80000"/>
+        <a:buFont typeface="Wingdings 3" panose="05040102010807070707" pitchFamily="18" charset="2"/>
+        <a:buChar char=""/>
+        <a:defRPr sz="1400" kern="1200" cap="none">
           <a:solidFill>
-            <a:schemeClr val="tx1">
+            <a:schemeClr val="bg2">
               <a:lumMod val="75000"/>
-              <a:lumOff val="25000"/>
             </a:schemeClr>
           </a:solidFill>
+          <a:effectLst/>
           <a:latin typeface="+mn-lt"/>
           <a:ea typeface="+mn-ea"/>
           <a:cs typeface="+mn-cs"/>
         </a:defRPr>
       </a:lvl4pPr>
-      <a:lvl5pPr marL="932688" indent="-182880" algn="l" defTabSz="914400" rtl="0" eaLnBrk="1" latinLnBrk="0" hangingPunct="1">
-        <a:lnSpc>
-          <a:spcPct val="90000"/>
-        </a:lnSpc>
+      <a:lvl5pPr marL="2000250" indent="-171450" algn="l" defTabSz="457200" rtl="0" eaLnBrk="1" latinLnBrk="0" hangingPunct="1">
         <a:spcBef>
-          <a:spcPts val="200"/>
+          <a:spcPct val="20000"/>
         </a:spcBef>
         <a:spcAft>
-          <a:spcPts val="400"/>
+          <a:spcPts val="600"/>
         </a:spcAft>
         <a:buClr>
-          <a:schemeClr val="accent1"/>
+          <a:schemeClr val="tx1"/>
         </a:buClr>
-        <a:buFont typeface="Calibri" pitchFamily="34" charset="0"/>
-        <a:buChar char="◦"/>
-        <a:defRPr sz="1400" kern="1200">
+        <a:buSzPct val="80000"/>
+        <a:buFont typeface="Wingdings 3" panose="05040102010807070707" pitchFamily="18" charset="2"/>
+        <a:buChar char=""/>
+        <a:defRPr sz="1400" kern="1200" cap="none">
           <a:solidFill>
-            <a:schemeClr val="tx1">
+            <a:schemeClr val="bg2">
               <a:lumMod val="75000"/>
-              <a:lumOff val="25000"/>
             </a:schemeClr>
           </a:solidFill>
+          <a:effectLst/>
           <a:latin typeface="+mn-lt"/>
           <a:ea typeface="+mn-ea"/>
           <a:cs typeface="+mn-cs"/>
         </a:defRPr>
       </a:lvl5pPr>
-      <a:lvl6pPr marL="1100000" indent="-228600" algn="l" defTabSz="914400" rtl="0" eaLnBrk="1" latinLnBrk="0" hangingPunct="1">
-        <a:lnSpc>
-          <a:spcPct val="90000"/>
-        </a:lnSpc>
+      <a:lvl6pPr marL="2514600" indent="-228600" algn="l" defTabSz="457200" rtl="0" eaLnBrk="1" latinLnBrk="0" hangingPunct="1">
         <a:spcBef>
-          <a:spcPts val="200"/>
+          <a:spcPct val="20000"/>
         </a:spcBef>
         <a:spcAft>
-          <a:spcPts val="400"/>
+          <a:spcPts val="600"/>
         </a:spcAft>
         <a:buClr>
-          <a:schemeClr val="accent1"/>
+          <a:schemeClr val="tx1"/>
         </a:buClr>
-        <a:buFont typeface="Calibri" pitchFamily="34" charset="0"/>
-        <a:buChar char="◦"/>
-        <a:defRPr sz="1400" kern="1200">
+        <a:buSzPct val="80000"/>
+        <a:buFont typeface="Wingdings 3" panose="05040102010807070707" pitchFamily="18" charset="2"/>
+        <a:buChar char=""/>
+        <a:defRPr sz="1400" kern="1200" cap="none">
           <a:solidFill>
-            <a:schemeClr val="tx1">
+            <a:schemeClr val="bg2">
               <a:lumMod val="75000"/>
-              <a:lumOff val="25000"/>
             </a:schemeClr>
           </a:solidFill>
+          <a:effectLst/>
           <a:latin typeface="+mn-lt"/>
           <a:ea typeface="+mn-ea"/>
           <a:cs typeface="+mn-cs"/>
         </a:defRPr>
       </a:lvl6pPr>
-      <a:lvl7pPr marL="1300000" indent="-228600" algn="l" defTabSz="914400" rtl="0" eaLnBrk="1" latinLnBrk="0" hangingPunct="1">
-        <a:lnSpc>
-          <a:spcPct val="90000"/>
-        </a:lnSpc>
+      <a:lvl7pPr marL="2971800" indent="-228600" algn="l" defTabSz="457200" rtl="0" eaLnBrk="1" latinLnBrk="0" hangingPunct="1">
         <a:spcBef>
-          <a:spcPts val="200"/>
+          <a:spcPct val="20000"/>
         </a:spcBef>
         <a:spcAft>
-          <a:spcPts val="400"/>
+          <a:spcPts val="600"/>
         </a:spcAft>
         <a:buClr>
-          <a:schemeClr val="accent1"/>
+          <a:schemeClr val="tx1"/>
         </a:buClr>
-        <a:buFont typeface="Calibri" pitchFamily="34" charset="0"/>
-        <a:buChar char="◦"/>
-        <a:defRPr sz="1400" kern="1200">
+        <a:buSzPct val="80000"/>
+        <a:buFont typeface="Wingdings 3" panose="05040102010807070707" pitchFamily="18" charset="2"/>
+        <a:buChar char=""/>
+        <a:defRPr sz="1400" kern="1200" cap="none">
           <a:solidFill>
-            <a:schemeClr val="tx1">
+            <a:schemeClr val="bg2">
               <a:lumMod val="75000"/>
-              <a:lumOff val="25000"/>
             </a:schemeClr>
           </a:solidFill>
+          <a:effectLst/>
           <a:latin typeface="+mn-lt"/>
           <a:ea typeface="+mn-ea"/>
           <a:cs typeface="+mn-cs"/>
         </a:defRPr>
       </a:lvl7pPr>
-      <a:lvl8pPr marL="1500000" indent="-228600" algn="l" defTabSz="914400" rtl="0" eaLnBrk="1" latinLnBrk="0" hangingPunct="1">
-        <a:lnSpc>
-          <a:spcPct val="90000"/>
-        </a:lnSpc>
+      <a:lvl8pPr marL="3429000" indent="-228600" algn="l" defTabSz="457200" rtl="0" eaLnBrk="1" latinLnBrk="0" hangingPunct="1">
         <a:spcBef>
-          <a:spcPts val="200"/>
+          <a:spcPct val="20000"/>
         </a:spcBef>
         <a:spcAft>
-          <a:spcPts val="400"/>
+          <a:spcPts val="600"/>
         </a:spcAft>
         <a:buClr>
-          <a:schemeClr val="accent1"/>
+          <a:schemeClr val="tx1"/>
         </a:buClr>
-        <a:buFont typeface="Calibri" pitchFamily="34" charset="0"/>
-        <a:buChar char="◦"/>
-        <a:defRPr sz="1400" kern="1200">
+        <a:buSzPct val="80000"/>
+        <a:buFont typeface="Wingdings 3" panose="05040102010807070707" pitchFamily="18" charset="2"/>
+        <a:buChar char=""/>
+        <a:defRPr sz="1400" kern="1200" cap="none">
           <a:solidFill>
-            <a:schemeClr val="tx1">
+            <a:schemeClr val="bg2">
               <a:lumMod val="75000"/>
-              <a:lumOff val="25000"/>
             </a:schemeClr>
           </a:solidFill>
+          <a:effectLst/>
           <a:latin typeface="+mn-lt"/>
           <a:ea typeface="+mn-ea"/>
           <a:cs typeface="+mn-cs"/>
         </a:defRPr>
       </a:lvl8pPr>
-      <a:lvl9pPr marL="1700000" indent="-228600" algn="l" defTabSz="914400" rtl="0" eaLnBrk="1" latinLnBrk="0" hangingPunct="1">
-        <a:lnSpc>
-          <a:spcPct val="90000"/>
-        </a:lnSpc>
+      <a:lvl9pPr marL="3886200" indent="-228600" algn="l" defTabSz="457200" rtl="0" eaLnBrk="1" latinLnBrk="0" hangingPunct="1">
         <a:spcBef>
-          <a:spcPts val="200"/>
+          <a:spcPct val="20000"/>
         </a:spcBef>
         <a:spcAft>
-          <a:spcPts val="400"/>
+          <a:spcPts val="600"/>
         </a:spcAft>
         <a:buClr>
-          <a:schemeClr val="accent1"/>
+          <a:schemeClr val="tx1"/>
         </a:buClr>
-        <a:buFont typeface="Calibri" pitchFamily="34" charset="0"/>
-        <a:buChar char="◦"/>
-        <a:defRPr sz="1400" kern="1200">
+        <a:buSzPct val="80000"/>
+        <a:buFont typeface="Wingdings 3" panose="05040102010807070707" pitchFamily="18" charset="2"/>
+        <a:buChar char=""/>
+        <a:defRPr sz="1400" kern="1200" cap="none">
           <a:solidFill>
-            <a:schemeClr val="tx1">
+            <a:schemeClr val="bg2">
               <a:lumMod val="75000"/>
-              <a:lumOff val="25000"/>
             </a:schemeClr>
           </a:solidFill>
+          <a:effectLst/>
           <a:latin typeface="+mn-lt"/>
           <a:ea typeface="+mn-ea"/>
           <a:cs typeface="+mn-cs"/>
@@ -5080,7 +6644,7 @@
       <a:defPPr>
         <a:defRPr lang="en-US"/>
       </a:defPPr>
-      <a:lvl1pPr marL="0" algn="l" defTabSz="914400" rtl="0" eaLnBrk="1" latinLnBrk="0" hangingPunct="1">
+      <a:lvl1pPr marL="0" algn="l" defTabSz="457200" rtl="0" eaLnBrk="1" latinLnBrk="0" hangingPunct="1">
         <a:defRPr sz="1800" kern="1200">
           <a:solidFill>
             <a:schemeClr val="tx1"/>
@@ -5090,7 +6654,7 @@
           <a:cs typeface="+mn-cs"/>
         </a:defRPr>
       </a:lvl1pPr>
-      <a:lvl2pPr marL="457200" algn="l" defTabSz="914400" rtl="0" eaLnBrk="1" latinLnBrk="0" hangingPunct="1">
+      <a:lvl2pPr marL="457200" algn="l" defTabSz="457200" rtl="0" eaLnBrk="1" latinLnBrk="0" hangingPunct="1">
         <a:defRPr sz="1800" kern="1200">
           <a:solidFill>
             <a:schemeClr val="tx1"/>
@@ -5100,7 +6664,7 @@
           <a:cs typeface="+mn-cs"/>
         </a:defRPr>
       </a:lvl2pPr>
-      <a:lvl3pPr marL="914400" algn="l" defTabSz="914400" rtl="0" eaLnBrk="1" latinLnBrk="0" hangingPunct="1">
+      <a:lvl3pPr marL="914400" algn="l" defTabSz="457200" rtl="0" eaLnBrk="1" latinLnBrk="0" hangingPunct="1">
         <a:defRPr sz="1800" kern="1200">
           <a:solidFill>
             <a:schemeClr val="tx1"/>
@@ -5110,7 +6674,7 @@
           <a:cs typeface="+mn-cs"/>
         </a:defRPr>
       </a:lvl3pPr>
-      <a:lvl4pPr marL="1371600" algn="l" defTabSz="914400" rtl="0" eaLnBrk="1" latinLnBrk="0" hangingPunct="1">
+      <a:lvl4pPr marL="1371600" algn="l" defTabSz="457200" rtl="0" eaLnBrk="1" latinLnBrk="0" hangingPunct="1">
         <a:defRPr sz="1800" kern="1200">
           <a:solidFill>
             <a:schemeClr val="tx1"/>
@@ -5120,7 +6684,7 @@
           <a:cs typeface="+mn-cs"/>
         </a:defRPr>
       </a:lvl4pPr>
-      <a:lvl5pPr marL="1828800" algn="l" defTabSz="914400" rtl="0" eaLnBrk="1" latinLnBrk="0" hangingPunct="1">
+      <a:lvl5pPr marL="1828800" algn="l" defTabSz="457200" rtl="0" eaLnBrk="1" latinLnBrk="0" hangingPunct="1">
         <a:defRPr sz="1800" kern="1200">
           <a:solidFill>
             <a:schemeClr val="tx1"/>
@@ -5130,7 +6694,7 @@
           <a:cs typeface="+mn-cs"/>
         </a:defRPr>
       </a:lvl5pPr>
-      <a:lvl6pPr marL="2286000" algn="l" defTabSz="914400" rtl="0" eaLnBrk="1" latinLnBrk="0" hangingPunct="1">
+      <a:lvl6pPr marL="2286000" algn="l" defTabSz="457200" rtl="0" eaLnBrk="1" latinLnBrk="0" hangingPunct="1">
         <a:defRPr sz="1800" kern="1200">
           <a:solidFill>
             <a:schemeClr val="tx1"/>
@@ -5140,7 +6704,7 @@
           <a:cs typeface="+mn-cs"/>
         </a:defRPr>
       </a:lvl6pPr>
-      <a:lvl7pPr marL="2743200" algn="l" defTabSz="914400" rtl="0" eaLnBrk="1" latinLnBrk="0" hangingPunct="1">
+      <a:lvl7pPr marL="2743200" algn="l" defTabSz="457200" rtl="0" eaLnBrk="1" latinLnBrk="0" hangingPunct="1">
         <a:defRPr sz="1800" kern="1200">
           <a:solidFill>
             <a:schemeClr val="tx1"/>
@@ -5150,7 +6714,7 @@
           <a:cs typeface="+mn-cs"/>
         </a:defRPr>
       </a:lvl7pPr>
-      <a:lvl8pPr marL="3200400" algn="l" defTabSz="914400" rtl="0" eaLnBrk="1" latinLnBrk="0" hangingPunct="1">
+      <a:lvl8pPr marL="3200400" algn="l" defTabSz="457200" rtl="0" eaLnBrk="1" latinLnBrk="0" hangingPunct="1">
         <a:defRPr sz="1800" kern="1200">
           <a:solidFill>
             <a:schemeClr val="tx1"/>
@@ -5160,7 +6724,7 @@
           <a:cs typeface="+mn-cs"/>
         </a:defRPr>
       </a:lvl8pPr>
-      <a:lvl9pPr marL="3657600" algn="l" defTabSz="914400" rtl="0" eaLnBrk="1" latinLnBrk="0" hangingPunct="1">
+      <a:lvl9pPr marL="3657600" algn="l" defTabSz="457200" rtl="0" eaLnBrk="1" latinLnBrk="0" hangingPunct="1">
         <a:defRPr sz="1800" kern="1200">
           <a:solidFill>
             <a:schemeClr val="tx1"/>
@@ -5261,7 +6825,7 @@
         </p:spPr>
         <p:txBody>
           <a:bodyPr>
-            <a:normAutofit lnSpcReduction="10000"/>
+            <a:normAutofit/>
           </a:bodyPr>
           <a:lstStyle/>
           <a:p>
@@ -6596,7 +8160,7 @@
         </p:spPr>
         <p:txBody>
           <a:bodyPr>
-            <a:normAutofit/>
+            <a:normAutofit fontScale="90000"/>
           </a:bodyPr>
           <a:lstStyle/>
           <a:p>
@@ -6641,8 +8205,8 @@
         </p:blipFill>
         <p:spPr>
           <a:xfrm>
-            <a:off x="3245987" y="1846263"/>
-            <a:ext cx="5760351" cy="4022725"/>
+            <a:off x="2715684" y="1994483"/>
+            <a:ext cx="5176133" cy="3614738"/>
           </a:xfrm>
         </p:spPr>
       </p:pic>
@@ -6778,8 +8342,8 @@
           </p:nvPr>
         </p:nvGraphicFramePr>
         <p:xfrm>
-          <a:off x="1096963" y="1846263"/>
-          <a:ext cx="10058400" cy="4022725"/>
+          <a:off x="684213" y="685800"/>
+          <a:ext cx="8534400" cy="3614738"/>
         </p:xfrm>
         <a:graphic>
           <a:graphicData uri="http://schemas.openxmlformats.org/drawingml/2006/chart">
@@ -6801,93 +8365,58 @@
 </file>
 
 <file path=ppt/theme/theme1.xml><?xml version="1.0" encoding="utf-8"?>
-<a:theme xmlns:a="http://schemas.openxmlformats.org/drawingml/2006/main" name="Retrospectiva">
+<a:theme xmlns:a="http://schemas.openxmlformats.org/drawingml/2006/main" name="Fatia">
   <a:themeElements>
-    <a:clrScheme name="Retrospectiva">
+    <a:clrScheme name="Fatia">
       <a:dk1>
-        <a:srgbClr val="000000"/>
+        <a:sysClr val="windowText" lastClr="000000"/>
       </a:dk1>
       <a:lt1>
         <a:sysClr val="window" lastClr="FFFFFF"/>
       </a:lt1>
       <a:dk2>
-        <a:srgbClr val="637052"/>
+        <a:srgbClr val="146194"/>
       </a:dk2>
       <a:lt2>
-        <a:srgbClr val="CCDDEA"/>
+        <a:srgbClr val="76DBF4"/>
       </a:lt2>
       <a:accent1>
-        <a:srgbClr val="E48312"/>
+        <a:srgbClr val="052F61"/>
       </a:accent1>
       <a:accent2>
-        <a:srgbClr val="BD582C"/>
+        <a:srgbClr val="A50E82"/>
       </a:accent2>
       <a:accent3>
-        <a:srgbClr val="865640"/>
+        <a:srgbClr val="14967C"/>
       </a:accent3>
       <a:accent4>
-        <a:srgbClr val="9B8357"/>
+        <a:srgbClr val="6A9E1F"/>
       </a:accent4>
       <a:accent5>
-        <a:srgbClr val="C2BC80"/>
+        <a:srgbClr val="E87D37"/>
       </a:accent5>
       <a:accent6>
-        <a:srgbClr val="94A088"/>
+        <a:srgbClr val="C62324"/>
       </a:accent6>
       <a:hlink>
-        <a:srgbClr val="2998E3"/>
+        <a:srgbClr val="0D2E46"/>
       </a:hlink>
       <a:folHlink>
-        <a:srgbClr val="8C8C8C"/>
+        <a:srgbClr val="356A95"/>
       </a:folHlink>
     </a:clrScheme>
-    <a:fontScheme name="Retrospectiva">
+    <a:fontScheme name="Fatia">
       <a:majorFont>
-        <a:latin typeface="Calibri Light" panose="020F0302020204030204"/>
+        <a:latin typeface="Century Gothic" panose="020B0502020202020204"/>
         <a:ea typeface=""/>
         <a:cs typeface=""/>
-        <a:font script="Jpan" typeface="ＭＳ Ｐゴシック"/>
-        <a:font script="Hang" typeface="맑은 고딕"/>
-        <a:font script="Hans" typeface="宋体"/>
-        <a:font script="Hant" typeface="新細明體"/>
-        <a:font script="Arab" typeface="Times New Roman"/>
-        <a:font script="Hebr" typeface="Times New Roman"/>
-        <a:font script="Thai" typeface="Angsana New"/>
-        <a:font script="Ethi" typeface="Nyala"/>
-        <a:font script="Beng" typeface="Vrinda"/>
-        <a:font script="Gujr" typeface="Shruti"/>
-        <a:font script="Khmr" typeface="MoolBoran"/>
-        <a:font script="Knda" typeface="Tunga"/>
-        <a:font script="Guru" typeface="Raavi"/>
-        <a:font script="Cans" typeface="Euphemia"/>
-        <a:font script="Cher" typeface="Plantagenet Cherokee"/>
-        <a:font script="Yiii" typeface="Microsoft Yi Baiti"/>
-        <a:font script="Tibt" typeface="Microsoft Himalaya"/>
-        <a:font script="Thaa" typeface="MV Boli"/>
-        <a:font script="Deva" typeface="Mangal"/>
-        <a:font script="Telu" typeface="Gautami"/>
-        <a:font script="Taml" typeface="Latha"/>
-        <a:font script="Syrc" typeface="Estrangelo Edessa"/>
-        <a:font script="Orya" typeface="Kalinga"/>
-        <a:font script="Mlym" typeface="Kartika"/>
-        <a:font script="Laoo" typeface="DokChampa"/>
-        <a:font script="Sinh" typeface="Iskoola Pota"/>
-        <a:font script="Mong" typeface="Mongolian Baiti"/>
-        <a:font script="Viet" typeface="Times New Roman"/>
-        <a:font script="Uigh" typeface="Microsoft Uighur"/>
-        <a:font script="Geor" typeface="Sylfaen"/>
-      </a:majorFont>
-      <a:minorFont>
-        <a:latin typeface="Calibri" panose="020F0502020204030204"/>
-        <a:ea typeface=""/>
-        <a:cs typeface=""/>
-        <a:font script="Jpan" typeface="ＭＳ Ｐゴシック"/>
-        <a:font script="Hang" typeface="맑은 고딕"/>
-        <a:font script="Hans" typeface="宋体"/>
-        <a:font script="Hant" typeface="新細明體"/>
-        <a:font script="Arab" typeface="Arial"/>
-        <a:font script="Hebr" typeface="Arial"/>
-        <a:font script="Thai" typeface="Cordia New"/>
+        <a:font script="Jpan" typeface="メイリオ"/>
+        <a:font script="Hang" typeface="HY중고딕"/>
+        <a:font script="Hans" typeface="幼圆"/>
+        <a:font script="Hant" typeface="微軟正黑體"/>
+        <a:font script="Arab" typeface="Tahoma"/>
+        <a:font script="Hebr" typeface="Gisha"/>
+        <a:font script="Thai" typeface="DilleniaUPC"/>
         <a:font script="Ethi" typeface="Nyala"/>
         <a:font script="Beng" typeface="Vrinda"/>
         <a:font script="Gujr" typeface="Shruti"/>
@@ -6908,12 +8437,47 @@
         <a:font script="Laoo" typeface="DokChampa"/>
         <a:font script="Sinh" typeface="Iskoola Pota"/>
         <a:font script="Mong" typeface="Mongolian Baiti"/>
-        <a:font script="Viet" typeface="Arial"/>
+        <a:font script="Viet" typeface="Tahoma"/>
+        <a:font script="Uigh" typeface="Microsoft Uighur"/>
+        <a:font script="Geor" typeface="Sylfaen"/>
+      </a:majorFont>
+      <a:minorFont>
+        <a:latin typeface="Century Gothic" panose="020B0502020202020204"/>
+        <a:ea typeface=""/>
+        <a:cs typeface=""/>
+        <a:font script="Jpan" typeface="メイリオ"/>
+        <a:font script="Hang" typeface="HY중고딕"/>
+        <a:font script="Hans" typeface="幼圆"/>
+        <a:font script="Hant" typeface="微軟正黑體"/>
+        <a:font script="Arab" typeface="Tahoma"/>
+        <a:font script="Hebr" typeface="Gisha"/>
+        <a:font script="Thai" typeface="DilleniaUPC"/>
+        <a:font script="Ethi" typeface="Nyala"/>
+        <a:font script="Beng" typeface="Vrinda"/>
+        <a:font script="Gujr" typeface="Shruti"/>
+        <a:font script="Khmr" typeface="DaunPenh"/>
+        <a:font script="Knda" typeface="Tunga"/>
+        <a:font script="Guru" typeface="Raavi"/>
+        <a:font script="Cans" typeface="Euphemia"/>
+        <a:font script="Cher" typeface="Plantagenet Cherokee"/>
+        <a:font script="Yiii" typeface="Microsoft Yi Baiti"/>
+        <a:font script="Tibt" typeface="Microsoft Himalaya"/>
+        <a:font script="Thaa" typeface="MV Boli"/>
+        <a:font script="Deva" typeface="Mangal"/>
+        <a:font script="Telu" typeface="Gautami"/>
+        <a:font script="Taml" typeface="Latha"/>
+        <a:font script="Syrc" typeface="Estrangelo Edessa"/>
+        <a:font script="Orya" typeface="Kalinga"/>
+        <a:font script="Mlym" typeface="Kartika"/>
+        <a:font script="Laoo" typeface="DokChampa"/>
+        <a:font script="Sinh" typeface="Iskoola Pota"/>
+        <a:font script="Mong" typeface="Mongolian Baiti"/>
+        <a:font script="Viet" typeface="Tahoma"/>
         <a:font script="Uigh" typeface="Microsoft Uighur"/>
         <a:font script="Geor" typeface="Sylfaen"/>
       </a:minorFont>
     </a:fontScheme>
-    <a:fmtScheme name="Retrospectiva">
+    <a:fmtScheme name="Fatia">
       <a:fillStyleLst>
         <a:solidFill>
           <a:schemeClr val="phClr"/>
@@ -6922,77 +8486,61 @@
           <a:gsLst>
             <a:gs pos="0">
               <a:schemeClr val="phClr">
-                <a:tint val="65000"/>
-                <a:shade val="92000"/>
-                <a:satMod val="130000"/>
-              </a:schemeClr>
-            </a:gs>
-            <a:gs pos="45000">
-              <a:schemeClr val="phClr">
-                <a:tint val="60000"/>
-                <a:shade val="99000"/>
-                <a:satMod val="120000"/>
+                <a:tint val="62000"/>
+                <a:hueMod val="94000"/>
+                <a:satMod val="140000"/>
+                <a:lumMod val="110000"/>
               </a:schemeClr>
             </a:gs>
             <a:gs pos="100000">
               <a:schemeClr val="phClr">
-                <a:tint val="55000"/>
-                <a:satMod val="140000"/>
+                <a:tint val="84000"/>
+                <a:satMod val="160000"/>
               </a:schemeClr>
             </a:gs>
           </a:gsLst>
-          <a:path path="circle">
-            <a:fillToRect l="100000" t="100000" r="100000" b="100000"/>
-          </a:path>
+          <a:lin ang="5400000" scaled="0"/>
         </a:gradFill>
         <a:gradFill rotWithShape="1">
           <a:gsLst>
             <a:gs pos="0">
               <a:schemeClr val="phClr">
-                <a:shade val="85000"/>
+                <a:tint val="98000"/>
+                <a:hueMod val="94000"/>
                 <a:satMod val="130000"/>
-              </a:schemeClr>
-            </a:gs>
-            <a:gs pos="34000">
-              <a:schemeClr val="phClr">
-                <a:shade val="87000"/>
-                <a:satMod val="125000"/>
-              </a:schemeClr>
-            </a:gs>
-            <a:gs pos="70000">
-              <a:schemeClr val="phClr">
-                <a:tint val="100000"/>
-                <a:shade val="90000"/>
-                <a:satMod val="130000"/>
+                <a:lumMod val="128000"/>
               </a:schemeClr>
             </a:gs>
             <a:gs pos="100000">
               <a:schemeClr val="phClr">
-                <a:tint val="100000"/>
-                <a:shade val="100000"/>
-                <a:satMod val="110000"/>
+                <a:shade val="94000"/>
+                <a:lumMod val="88000"/>
               </a:schemeClr>
             </a:gs>
           </a:gsLst>
-          <a:path path="circle">
-            <a:fillToRect l="100000" t="100000" r="100000" b="100000"/>
-          </a:path>
+          <a:lin ang="5400000" scaled="0"/>
         </a:gradFill>
       </a:fillStyleLst>
       <a:lnStyleLst>
-        <a:ln w="12700" cap="flat" cmpd="sng" algn="ctr">
+        <a:ln w="9525" cap="rnd" cmpd="sng" algn="ctr">
           <a:solidFill>
-            <a:schemeClr val="phClr"/>
+            <a:schemeClr val="phClr">
+              <a:tint val="76000"/>
+              <a:alpha val="60000"/>
+              <a:hueMod val="94000"/>
+            </a:schemeClr>
           </a:solidFill>
           <a:prstDash val="solid"/>
         </a:ln>
-        <a:ln w="15875" cap="flat" cmpd="sng" algn="ctr">
+        <a:ln w="15875" cap="rnd" cmpd="sng" algn="ctr">
           <a:solidFill>
-            <a:schemeClr val="phClr"/>
+            <a:schemeClr val="phClr">
+              <a:hueMod val="94000"/>
+            </a:schemeClr>
           </a:solidFill>
           <a:prstDash val="solid"/>
         </a:ln>
-        <a:ln w="25400" cap="flat" cmpd="sng" algn="ctr">
+        <a:ln w="28575" cap="rnd" cmpd="sng" algn="ctr">
           <a:solidFill>
             <a:schemeClr val="phClr"/>
           </a:solidFill>
@@ -7005,18 +8553,18 @@
         </a:effectStyle>
         <a:effectStyle>
           <a:effectLst>
-            <a:outerShdw blurRad="38100" dist="25400" dir="2700000" algn="br" rotWithShape="0">
+            <a:innerShdw blurRad="25400" dist="12700" dir="13500000">
               <a:srgbClr val="000000">
-                <a:alpha val="60000"/>
+                <a:alpha val="45000"/>
               </a:srgbClr>
-            </a:outerShdw>
+            </a:innerShdw>
           </a:effectLst>
         </a:effectStyle>
         <a:effectStyle>
           <a:effectLst>
-            <a:outerShdw blurRad="44450" dist="25400" dir="2700000" algn="br" rotWithShape="0">
+            <a:outerShdw blurRad="50800" dist="38100" dir="5400000" rotWithShape="0">
               <a:srgbClr val="000000">
-                <a:alpha val="60000"/>
+                <a:alpha val="46000"/>
               </a:srgbClr>
             </a:outerShdw>
           </a:effectLst>
@@ -7024,12 +8572,10 @@
             <a:camera prst="orthographicFront">
               <a:rot lat="0" lon="0" rev="0"/>
             </a:camera>
-            <a:lightRig rig="threePt" dir="t">
-              <a:rot lat="0" lon="0" rev="19800000"/>
-            </a:lightRig>
+            <a:lightRig rig="threePt" dir="t"/>
           </a:scene3d>
-          <a:sp3d prstMaterial="flat">
-            <a:bevelT w="25400" h="31750"/>
+          <a:sp3d prstMaterial="plastic">
+            <a:bevelT w="25400" h="25400"/>
           </a:sp3d>
         </a:effectStyle>
       </a:effectStyleLst>
@@ -7037,38 +8583,47 @@
         <a:solidFill>
           <a:schemeClr val="phClr"/>
         </a:solidFill>
-        <a:solidFill>
-          <a:schemeClr val="phClr">
-            <a:tint val="90000"/>
-            <a:shade val="97000"/>
-            <a:satMod val="130000"/>
-          </a:schemeClr>
-        </a:solidFill>
+        <a:gradFill rotWithShape="1">
+          <a:gsLst>
+            <a:gs pos="10000">
+              <a:schemeClr val="phClr">
+                <a:tint val="97000"/>
+                <a:hueMod val="92000"/>
+                <a:satMod val="169000"/>
+                <a:lumMod val="164000"/>
+              </a:schemeClr>
+            </a:gs>
+            <a:gs pos="100000">
+              <a:schemeClr val="phClr">
+                <a:shade val="96000"/>
+                <a:satMod val="120000"/>
+                <a:lumMod val="90000"/>
+              </a:schemeClr>
+            </a:gs>
+          </a:gsLst>
+          <a:lin ang="6120000" scaled="1"/>
+        </a:gradFill>
         <a:gradFill rotWithShape="1">
           <a:gsLst>
             <a:gs pos="0">
               <a:schemeClr val="phClr">
-                <a:tint val="96000"/>
-                <a:shade val="99000"/>
-                <a:satMod val="140000"/>
-              </a:schemeClr>
-            </a:gs>
-            <a:gs pos="65000">
-              <a:schemeClr val="phClr">
-                <a:tint val="100000"/>
-                <a:shade val="80000"/>
-                <a:satMod val="130000"/>
+                <a:tint val="97000"/>
+                <a:hueMod val="92000"/>
+                <a:satMod val="169000"/>
+                <a:lumMod val="164000"/>
               </a:schemeClr>
             </a:gs>
             <a:gs pos="100000">
               <a:schemeClr val="phClr">
-                <a:tint val="100000"/>
-                <a:shade val="48000"/>
+                <a:shade val="96000"/>
                 <a:satMod val="120000"/>
+                <a:lumMod val="90000"/>
               </a:schemeClr>
             </a:gs>
           </a:gsLst>
-          <a:lin ang="16200000" scaled="0"/>
+          <a:path path="circle">
+            <a:fillToRect b="100000"/>
+          </a:path>
         </a:gradFill>
       </a:bgFillStyleLst>
     </a:fmtScheme>
@@ -7077,7 +8632,7 @@
   <a:extraClrSchemeLst/>
   <a:extLst>
     <a:ext uri="{05A4C25C-085E-4340-85A3-A5531E510DB2}">
-      <thm15:themeFamily xmlns:thm15="http://schemas.microsoft.com/office/thememl/2012/main" name="Retrospect" id="{5F128B03-DCCA-4EEB-AB3B-CF2899314A46}" vid="{3F1AAB62-24C6-49D2-8E01-B56FAC9A3DCD}"/>
+      <thm15:themeFamily xmlns:thm15="http://schemas.microsoft.com/office/thememl/2012/main" name="Slice" id="{0507925B-6AC9-4358-8E18-C330545D08F8}" vid="{13FEC7C6-62A9-40C4-99D2-581AACACAA2F}"/>
     </a:ext>
   </a:extLst>
 </a:theme>
